--- a/zookillsoccer_07_start/assets/ZooKill Soccer Game Design Document.pptx
+++ b/zookillsoccer_07_start/assets/ZooKill Soccer Game Design Document.pptx
@@ -4,6 +4,9 @@
   <p:sldMasterIdLst>
     <p:sldMasterId id="2147483648" r:id="rId1"/>
   </p:sldMasterIdLst>
+  <p:notesMasterIdLst>
+    <p:notesMasterId r:id="rId10"/>
+  </p:notesMasterIdLst>
   <p:sldIdLst>
     <p:sldId id="256" r:id="rId2"/>
     <p:sldId id="258" r:id="rId3"/>
@@ -130,6 +133,440 @@
 </p:presentation>
 </file>
 
+<file path=ppt/notesMasters/notesMaster1.xml><?xml version="1.0" encoding="utf-8"?>
+<p:notesMaster xmlns:a="http://schemas.openxmlformats.org/drawingml/2006/main" xmlns:r="http://schemas.openxmlformats.org/officeDocument/2006/relationships" xmlns:p="http://schemas.openxmlformats.org/presentationml/2006/main">
+  <p:cSld>
+    <p:bg>
+      <p:bgRef idx="1001">
+        <a:schemeClr val="bg1"/>
+      </p:bgRef>
+    </p:bg>
+    <p:spTree>
+      <p:nvGrpSpPr>
+        <p:cNvPr id="1" name=""/>
+        <p:cNvGrpSpPr/>
+        <p:nvPr/>
+      </p:nvGrpSpPr>
+      <p:grpSpPr>
+        <a:xfrm>
+          <a:off x="0" y="0"/>
+          <a:ext cx="0" cy="0"/>
+          <a:chOff x="0" y="0"/>
+          <a:chExt cx="0" cy="0"/>
+        </a:xfrm>
+      </p:grpSpPr>
+      <p:sp>
+        <p:nvSpPr>
+          <p:cNvPr id="2" name="Header Placeholder 1"/>
+          <p:cNvSpPr>
+            <a:spLocks noGrp="1"/>
+          </p:cNvSpPr>
+          <p:nvPr>
+            <p:ph type="hdr" sz="quarter"/>
+          </p:nvPr>
+        </p:nvSpPr>
+        <p:spPr>
+          <a:xfrm>
+            <a:off x="0" y="0"/>
+            <a:ext cx="2971800" cy="458788"/>
+          </a:xfrm>
+          <a:prstGeom prst="rect">
+            <a:avLst/>
+          </a:prstGeom>
+        </p:spPr>
+        <p:txBody>
+          <a:bodyPr vert="horz" lIns="91440" tIns="45720" rIns="91440" bIns="45720" rtlCol="0"/>
+          <a:lstStyle>
+            <a:lvl1pPr algn="l">
+              <a:defRPr sz="1200"/>
+            </a:lvl1pPr>
+          </a:lstStyle>
+          <a:p>
+            <a:endParaRPr lang="en-US"/>
+          </a:p>
+        </p:txBody>
+      </p:sp>
+      <p:sp>
+        <p:nvSpPr>
+          <p:cNvPr id="3" name="Date Placeholder 2"/>
+          <p:cNvSpPr>
+            <a:spLocks noGrp="1"/>
+          </p:cNvSpPr>
+          <p:nvPr>
+            <p:ph type="dt" idx="1"/>
+          </p:nvPr>
+        </p:nvSpPr>
+        <p:spPr>
+          <a:xfrm>
+            <a:off x="3884613" y="0"/>
+            <a:ext cx="2971800" cy="458788"/>
+          </a:xfrm>
+          <a:prstGeom prst="rect">
+            <a:avLst/>
+          </a:prstGeom>
+        </p:spPr>
+        <p:txBody>
+          <a:bodyPr vert="horz" lIns="91440" tIns="45720" rIns="91440" bIns="45720" rtlCol="0"/>
+          <a:lstStyle>
+            <a:lvl1pPr algn="r">
+              <a:defRPr sz="1200"/>
+            </a:lvl1pPr>
+          </a:lstStyle>
+          <a:p>
+            <a:fld id="{4F0537FE-F022-2844-9D1D-DF99D48E5E2F}" type="datetimeFigureOut">
+              <a:rPr lang="en-US" smtClean="0"/>
+              <a:t>11/22/16</a:t>
+            </a:fld>
+            <a:endParaRPr lang="en-US"/>
+          </a:p>
+        </p:txBody>
+      </p:sp>
+      <p:sp>
+        <p:nvSpPr>
+          <p:cNvPr id="4" name="Slide Image Placeholder 3"/>
+          <p:cNvSpPr>
+            <a:spLocks noGrp="1" noRot="1" noChangeAspect="1"/>
+          </p:cNvSpPr>
+          <p:nvPr>
+            <p:ph type="sldImg" idx="2"/>
+          </p:nvPr>
+        </p:nvSpPr>
+        <p:spPr>
+          <a:xfrm>
+            <a:off x="1371600" y="1143000"/>
+            <a:ext cx="4114800" cy="3086100"/>
+          </a:xfrm>
+          <a:prstGeom prst="rect">
+            <a:avLst/>
+          </a:prstGeom>
+          <a:noFill/>
+          <a:ln w="12700">
+            <a:solidFill>
+              <a:prstClr val="black"/>
+            </a:solidFill>
+          </a:ln>
+        </p:spPr>
+        <p:txBody>
+          <a:bodyPr vert="horz" lIns="91440" tIns="45720" rIns="91440" bIns="45720" rtlCol="0" anchor="ctr"/>
+          <a:lstStyle/>
+          <a:p>
+            <a:endParaRPr lang="en-US"/>
+          </a:p>
+        </p:txBody>
+      </p:sp>
+      <p:sp>
+        <p:nvSpPr>
+          <p:cNvPr id="5" name="Notes Placeholder 4"/>
+          <p:cNvSpPr>
+            <a:spLocks noGrp="1"/>
+          </p:cNvSpPr>
+          <p:nvPr>
+            <p:ph type="body" sz="quarter" idx="3"/>
+          </p:nvPr>
+        </p:nvSpPr>
+        <p:spPr>
+          <a:xfrm>
+            <a:off x="685800" y="4400550"/>
+            <a:ext cx="5486400" cy="3600450"/>
+          </a:xfrm>
+          <a:prstGeom prst="rect">
+            <a:avLst/>
+          </a:prstGeom>
+        </p:spPr>
+        <p:txBody>
+          <a:bodyPr vert="horz" lIns="91440" tIns="45720" rIns="91440" bIns="45720" rtlCol="0"/>
+          <a:lstStyle/>
+          <a:p>
+            <a:pPr lvl="0"/>
+            <a:r>
+              <a:rPr lang="en-US" smtClean="0"/>
+              <a:t>Click to edit Master text styles</a:t>
+            </a:r>
+          </a:p>
+          <a:p>
+            <a:pPr lvl="1"/>
+            <a:r>
+              <a:rPr lang="en-US" smtClean="0"/>
+              <a:t>Second level</a:t>
+            </a:r>
+          </a:p>
+          <a:p>
+            <a:pPr lvl="2"/>
+            <a:r>
+              <a:rPr lang="en-US" smtClean="0"/>
+              <a:t>Third level</a:t>
+            </a:r>
+          </a:p>
+          <a:p>
+            <a:pPr lvl="3"/>
+            <a:r>
+              <a:rPr lang="en-US" smtClean="0"/>
+              <a:t>Fourth level</a:t>
+            </a:r>
+          </a:p>
+          <a:p>
+            <a:pPr lvl="4"/>
+            <a:r>
+              <a:rPr lang="en-US" smtClean="0"/>
+              <a:t>Fifth level</a:t>
+            </a:r>
+            <a:endParaRPr lang="en-US"/>
+          </a:p>
+        </p:txBody>
+      </p:sp>
+      <p:sp>
+        <p:nvSpPr>
+          <p:cNvPr id="6" name="Footer Placeholder 5"/>
+          <p:cNvSpPr>
+            <a:spLocks noGrp="1"/>
+          </p:cNvSpPr>
+          <p:nvPr>
+            <p:ph type="ftr" sz="quarter" idx="4"/>
+          </p:nvPr>
+        </p:nvSpPr>
+        <p:spPr>
+          <a:xfrm>
+            <a:off x="0" y="8685213"/>
+            <a:ext cx="2971800" cy="458787"/>
+          </a:xfrm>
+          <a:prstGeom prst="rect">
+            <a:avLst/>
+          </a:prstGeom>
+        </p:spPr>
+        <p:txBody>
+          <a:bodyPr vert="horz" lIns="91440" tIns="45720" rIns="91440" bIns="45720" rtlCol="0" anchor="b"/>
+          <a:lstStyle>
+            <a:lvl1pPr algn="l">
+              <a:defRPr sz="1200"/>
+            </a:lvl1pPr>
+          </a:lstStyle>
+          <a:p>
+            <a:endParaRPr lang="en-US"/>
+          </a:p>
+        </p:txBody>
+      </p:sp>
+      <p:sp>
+        <p:nvSpPr>
+          <p:cNvPr id="7" name="Slide Number Placeholder 6"/>
+          <p:cNvSpPr>
+            <a:spLocks noGrp="1"/>
+          </p:cNvSpPr>
+          <p:nvPr>
+            <p:ph type="sldNum" sz="quarter" idx="5"/>
+          </p:nvPr>
+        </p:nvSpPr>
+        <p:spPr>
+          <a:xfrm>
+            <a:off x="3884613" y="8685213"/>
+            <a:ext cx="2971800" cy="458787"/>
+          </a:xfrm>
+          <a:prstGeom prst="rect">
+            <a:avLst/>
+          </a:prstGeom>
+        </p:spPr>
+        <p:txBody>
+          <a:bodyPr vert="horz" lIns="91440" tIns="45720" rIns="91440" bIns="45720" rtlCol="0" anchor="b"/>
+          <a:lstStyle>
+            <a:lvl1pPr algn="r">
+              <a:defRPr sz="1200"/>
+            </a:lvl1pPr>
+          </a:lstStyle>
+          <a:p>
+            <a:fld id="{35D773BF-F756-8341-8986-256E2B5AB022}" type="slidenum">
+              <a:rPr lang="en-US" smtClean="0"/>
+              <a:t>‹#›</a:t>
+            </a:fld>
+            <a:endParaRPr lang="en-US"/>
+          </a:p>
+        </p:txBody>
+      </p:sp>
+    </p:spTree>
+    <p:extLst>
+      <p:ext uri="{BB962C8B-B14F-4D97-AF65-F5344CB8AC3E}">
+        <p14:creationId xmlns:p14="http://schemas.microsoft.com/office/powerpoint/2010/main" val="1952829696"/>
+      </p:ext>
+    </p:extLst>
+  </p:cSld>
+  <p:clrMap bg1="lt1" tx1="dk1" bg2="lt2" tx2="dk2" accent1="accent1" accent2="accent2" accent3="accent3" accent4="accent4" accent5="accent5" accent6="accent6" hlink="hlink" folHlink="folHlink"/>
+  <p:notesStyle>
+    <a:lvl1pPr marL="0" algn="l" defTabSz="914400" rtl="0" eaLnBrk="1" latinLnBrk="0" hangingPunct="1">
+      <a:defRPr sz="1200" kern="1200">
+        <a:solidFill>
+          <a:schemeClr val="tx1"/>
+        </a:solidFill>
+        <a:latin typeface="+mn-lt"/>
+        <a:ea typeface="+mn-ea"/>
+        <a:cs typeface="+mn-cs"/>
+      </a:defRPr>
+    </a:lvl1pPr>
+    <a:lvl2pPr marL="457200" algn="l" defTabSz="914400" rtl="0" eaLnBrk="1" latinLnBrk="0" hangingPunct="1">
+      <a:defRPr sz="1200" kern="1200">
+        <a:solidFill>
+          <a:schemeClr val="tx1"/>
+        </a:solidFill>
+        <a:latin typeface="+mn-lt"/>
+        <a:ea typeface="+mn-ea"/>
+        <a:cs typeface="+mn-cs"/>
+      </a:defRPr>
+    </a:lvl2pPr>
+    <a:lvl3pPr marL="914400" algn="l" defTabSz="914400" rtl="0" eaLnBrk="1" latinLnBrk="0" hangingPunct="1">
+      <a:defRPr sz="1200" kern="1200">
+        <a:solidFill>
+          <a:schemeClr val="tx1"/>
+        </a:solidFill>
+        <a:latin typeface="+mn-lt"/>
+        <a:ea typeface="+mn-ea"/>
+        <a:cs typeface="+mn-cs"/>
+      </a:defRPr>
+    </a:lvl3pPr>
+    <a:lvl4pPr marL="1371600" algn="l" defTabSz="914400" rtl="0" eaLnBrk="1" latinLnBrk="0" hangingPunct="1">
+      <a:defRPr sz="1200" kern="1200">
+        <a:solidFill>
+          <a:schemeClr val="tx1"/>
+        </a:solidFill>
+        <a:latin typeface="+mn-lt"/>
+        <a:ea typeface="+mn-ea"/>
+        <a:cs typeface="+mn-cs"/>
+      </a:defRPr>
+    </a:lvl4pPr>
+    <a:lvl5pPr marL="1828800" algn="l" defTabSz="914400" rtl="0" eaLnBrk="1" latinLnBrk="0" hangingPunct="1">
+      <a:defRPr sz="1200" kern="1200">
+        <a:solidFill>
+          <a:schemeClr val="tx1"/>
+        </a:solidFill>
+        <a:latin typeface="+mn-lt"/>
+        <a:ea typeface="+mn-ea"/>
+        <a:cs typeface="+mn-cs"/>
+      </a:defRPr>
+    </a:lvl5pPr>
+    <a:lvl6pPr marL="2286000" algn="l" defTabSz="914400" rtl="0" eaLnBrk="1" latinLnBrk="0" hangingPunct="1">
+      <a:defRPr sz="1200" kern="1200">
+        <a:solidFill>
+          <a:schemeClr val="tx1"/>
+        </a:solidFill>
+        <a:latin typeface="+mn-lt"/>
+        <a:ea typeface="+mn-ea"/>
+        <a:cs typeface="+mn-cs"/>
+      </a:defRPr>
+    </a:lvl6pPr>
+    <a:lvl7pPr marL="2743200" algn="l" defTabSz="914400" rtl="0" eaLnBrk="1" latinLnBrk="0" hangingPunct="1">
+      <a:defRPr sz="1200" kern="1200">
+        <a:solidFill>
+          <a:schemeClr val="tx1"/>
+        </a:solidFill>
+        <a:latin typeface="+mn-lt"/>
+        <a:ea typeface="+mn-ea"/>
+        <a:cs typeface="+mn-cs"/>
+      </a:defRPr>
+    </a:lvl7pPr>
+    <a:lvl8pPr marL="3200400" algn="l" defTabSz="914400" rtl="0" eaLnBrk="1" latinLnBrk="0" hangingPunct="1">
+      <a:defRPr sz="1200" kern="1200">
+        <a:solidFill>
+          <a:schemeClr val="tx1"/>
+        </a:solidFill>
+        <a:latin typeface="+mn-lt"/>
+        <a:ea typeface="+mn-ea"/>
+        <a:cs typeface="+mn-cs"/>
+      </a:defRPr>
+    </a:lvl8pPr>
+    <a:lvl9pPr marL="3657600" algn="l" defTabSz="914400" rtl="0" eaLnBrk="1" latinLnBrk="0" hangingPunct="1">
+      <a:defRPr sz="1200" kern="1200">
+        <a:solidFill>
+          <a:schemeClr val="tx1"/>
+        </a:solidFill>
+        <a:latin typeface="+mn-lt"/>
+        <a:ea typeface="+mn-ea"/>
+        <a:cs typeface="+mn-cs"/>
+      </a:defRPr>
+    </a:lvl9pPr>
+  </p:notesStyle>
+</p:notesMaster>
+</file>
+
+<file path=ppt/notesSlides/notesSlide1.xml><?xml version="1.0" encoding="utf-8"?>
+<p:notes xmlns:a="http://schemas.openxmlformats.org/drawingml/2006/main" xmlns:r="http://schemas.openxmlformats.org/officeDocument/2006/relationships" xmlns:p="http://schemas.openxmlformats.org/presentationml/2006/main">
+  <p:cSld>
+    <p:spTree>
+      <p:nvGrpSpPr>
+        <p:cNvPr id="1" name=""/>
+        <p:cNvGrpSpPr/>
+        <p:nvPr/>
+      </p:nvGrpSpPr>
+      <p:grpSpPr>
+        <a:xfrm>
+          <a:off x="0" y="0"/>
+          <a:ext cx="0" cy="0"/>
+          <a:chOff x="0" y="0"/>
+          <a:chExt cx="0" cy="0"/>
+        </a:xfrm>
+      </p:grpSpPr>
+      <p:sp>
+        <p:nvSpPr>
+          <p:cNvPr id="2" name="Slide Image Placeholder 1"/>
+          <p:cNvSpPr>
+            <a:spLocks noGrp="1" noRot="1" noChangeAspect="1"/>
+          </p:cNvSpPr>
+          <p:nvPr>
+            <p:ph type="sldImg"/>
+          </p:nvPr>
+        </p:nvSpPr>
+        <p:spPr/>
+      </p:sp>
+      <p:sp>
+        <p:nvSpPr>
+          <p:cNvPr id="3" name="Notes Placeholder 2"/>
+          <p:cNvSpPr>
+            <a:spLocks noGrp="1"/>
+          </p:cNvSpPr>
+          <p:nvPr>
+            <p:ph type="body" idx="1"/>
+          </p:nvPr>
+        </p:nvSpPr>
+        <p:spPr/>
+        <p:txBody>
+          <a:bodyPr/>
+          <a:lstStyle/>
+          <a:p>
+            <a:endParaRPr lang="en-US" dirty="0"/>
+          </a:p>
+        </p:txBody>
+      </p:sp>
+      <p:sp>
+        <p:nvSpPr>
+          <p:cNvPr id="4" name="Slide Number Placeholder 3"/>
+          <p:cNvSpPr>
+            <a:spLocks noGrp="1"/>
+          </p:cNvSpPr>
+          <p:nvPr>
+            <p:ph type="sldNum" sz="quarter" idx="10"/>
+          </p:nvPr>
+        </p:nvSpPr>
+        <p:spPr/>
+        <p:txBody>
+          <a:bodyPr/>
+          <a:lstStyle/>
+          <a:p>
+            <a:fld id="{35D773BF-F756-8341-8986-256E2B5AB022}" type="slidenum">
+              <a:rPr lang="en-US" smtClean="0"/>
+              <a:t>2</a:t>
+            </a:fld>
+            <a:endParaRPr lang="en-US"/>
+          </a:p>
+        </p:txBody>
+      </p:sp>
+    </p:spTree>
+    <p:extLst>
+      <p:ext uri="{BB962C8B-B14F-4D97-AF65-F5344CB8AC3E}">
+        <p14:creationId xmlns:p14="http://schemas.microsoft.com/office/powerpoint/2010/main" val="1216123571"/>
+      </p:ext>
+    </p:extLst>
+  </p:cSld>
+  <p:clrMapOvr>
+    <a:masterClrMapping/>
+  </p:clrMapOvr>
+</p:notes>
+</file>
+
 <file path=ppt/slideLayouts/slideLayout1.xml><?xml version="1.0" encoding="utf-8"?>
 <p:sldLayout xmlns:a="http://schemas.openxmlformats.org/drawingml/2006/main" xmlns:r="http://schemas.openxmlformats.org/officeDocument/2006/relationships" xmlns:p="http://schemas.openxmlformats.org/presentationml/2006/main" type="title" preserve="1">
   <p:cSld name="Title Slide">
@@ -311,7 +748,7 @@
           <a:p>
             <a:fld id="{14C9F191-5DFD-4C62-B838-AC695C885212}" type="datetimeFigureOut">
               <a:rPr lang="en-US" smtClean="0"/>
-              <a:t>11/15/16</a:t>
+              <a:t>11/22/16</a:t>
             </a:fld>
             <a:endParaRPr lang="en-US"/>
           </a:p>
@@ -481,7 +918,7 @@
           <a:p>
             <a:fld id="{14C9F191-5DFD-4C62-B838-AC695C885212}" type="datetimeFigureOut">
               <a:rPr lang="en-US" smtClean="0"/>
-              <a:t>11/15/16</a:t>
+              <a:t>11/22/16</a:t>
             </a:fld>
             <a:endParaRPr lang="en-US"/>
           </a:p>
@@ -661,7 +1098,7 @@
           <a:p>
             <a:fld id="{14C9F191-5DFD-4C62-B838-AC695C885212}" type="datetimeFigureOut">
               <a:rPr lang="en-US" smtClean="0"/>
-              <a:t>11/15/16</a:t>
+              <a:t>11/22/16</a:t>
             </a:fld>
             <a:endParaRPr lang="en-US"/>
           </a:p>
@@ -831,7 +1268,7 @@
           <a:p>
             <a:fld id="{14C9F191-5DFD-4C62-B838-AC695C885212}" type="datetimeFigureOut">
               <a:rPr lang="en-US" smtClean="0"/>
-              <a:t>11/15/16</a:t>
+              <a:t>11/22/16</a:t>
             </a:fld>
             <a:endParaRPr lang="en-US"/>
           </a:p>
@@ -1077,7 +1514,7 @@
           <a:p>
             <a:fld id="{14C9F191-5DFD-4C62-B838-AC695C885212}" type="datetimeFigureOut">
               <a:rPr lang="en-US" smtClean="0"/>
-              <a:t>11/15/16</a:t>
+              <a:t>11/22/16</a:t>
             </a:fld>
             <a:endParaRPr lang="en-US"/>
           </a:p>
@@ -1365,7 +1802,7 @@
           <a:p>
             <a:fld id="{14C9F191-5DFD-4C62-B838-AC695C885212}" type="datetimeFigureOut">
               <a:rPr lang="en-US" smtClean="0"/>
-              <a:t>11/15/16</a:t>
+              <a:t>11/22/16</a:t>
             </a:fld>
             <a:endParaRPr lang="en-US"/>
           </a:p>
@@ -1787,7 +2224,7 @@
           <a:p>
             <a:fld id="{14C9F191-5DFD-4C62-B838-AC695C885212}" type="datetimeFigureOut">
               <a:rPr lang="en-US" smtClean="0"/>
-              <a:t>11/15/16</a:t>
+              <a:t>11/22/16</a:t>
             </a:fld>
             <a:endParaRPr lang="en-US"/>
           </a:p>
@@ -1905,7 +2342,7 @@
           <a:p>
             <a:fld id="{14C9F191-5DFD-4C62-B838-AC695C885212}" type="datetimeFigureOut">
               <a:rPr lang="en-US" smtClean="0"/>
-              <a:t>11/15/16</a:t>
+              <a:t>11/22/16</a:t>
             </a:fld>
             <a:endParaRPr lang="en-US"/>
           </a:p>
@@ -2000,7 +2437,7 @@
           <a:p>
             <a:fld id="{14C9F191-5DFD-4C62-B838-AC695C885212}" type="datetimeFigureOut">
               <a:rPr lang="en-US" smtClean="0"/>
-              <a:t>11/15/16</a:t>
+              <a:t>11/22/16</a:t>
             </a:fld>
             <a:endParaRPr lang="en-US"/>
           </a:p>
@@ -2277,7 +2714,7 @@
           <a:p>
             <a:fld id="{14C9F191-5DFD-4C62-B838-AC695C885212}" type="datetimeFigureOut">
               <a:rPr lang="en-US" smtClean="0"/>
-              <a:t>11/15/16</a:t>
+              <a:t>11/22/16</a:t>
             </a:fld>
             <a:endParaRPr lang="en-US"/>
           </a:p>
@@ -2530,7 +2967,7 @@
           <a:p>
             <a:fld id="{14C9F191-5DFD-4C62-B838-AC695C885212}" type="datetimeFigureOut">
               <a:rPr lang="en-US" smtClean="0"/>
-              <a:t>11/15/16</a:t>
+              <a:t>11/22/16</a:t>
             </a:fld>
             <a:endParaRPr lang="en-US"/>
           </a:p>
@@ -2743,7 +3180,7 @@
           <a:p>
             <a:fld id="{14C9F191-5DFD-4C62-B838-AC695C885212}" type="datetimeFigureOut">
               <a:rPr lang="en-US" smtClean="0"/>
-              <a:t>11/15/16</a:t>
+              <a:t>11/22/16</a:t>
             </a:fld>
             <a:endParaRPr lang="en-US"/>
           </a:p>
@@ -3168,7 +3605,7 @@
           <a:p>
             <a:r>
               <a:rPr lang="en-US" dirty="0" smtClean="0"/>
-              <a:t>Created by: Your Name</a:t>
+              <a:t>Created by: Elvis Lopez</a:t>
             </a:r>
             <a:endParaRPr lang="en-US" dirty="0"/>
           </a:p>
@@ -3184,13 +3621,6 @@
   <p:clrMapOvr>
     <a:masterClrMapping/>
   </p:clrMapOvr>
-  <p:timing>
-    <p:tnLst>
-      <p:par>
-        <p:cTn id="1" dur="indefinite" restart="never" nodeType="tmRoot"/>
-      </p:par>
-    </p:tnLst>
-  </p:timing>
 </p:sld>
 </file>
 
@@ -3285,13 +3715,6 @@
   <p:clrMapOvr>
     <a:masterClrMapping/>
   </p:clrMapOvr>
-  <p:timing>
-    <p:tnLst>
-      <p:par>
-        <p:cTn id="1" dur="indefinite" restart="never" nodeType="tmRoot"/>
-      </p:par>
-    </p:tnLst>
-  </p:timing>
 </p:sld>
 </file>
 
@@ -3358,7 +3781,7 @@
             </a:r>
           </a:p>
           <a:p>
-            <a:pPr marL="971550" lvl="1" indent="-514350">
+            <a:pPr marL="914400" lvl="1" indent="-514350">
               <a:buFont typeface="+mj-lt"/>
               <a:buAutoNum type="arabicPeriod"/>
             </a:pPr>
@@ -3368,7 +3791,7 @@
             </a:r>
           </a:p>
           <a:p>
-            <a:pPr marL="971550" lvl="1" indent="-514350">
+            <a:pPr marL="914400" lvl="1" indent="-514350">
               <a:buFont typeface="+mj-lt"/>
               <a:buAutoNum type="arabicPeriod"/>
             </a:pPr>
@@ -3378,7 +3801,7 @@
             </a:r>
           </a:p>
           <a:p>
-            <a:pPr marL="971550" lvl="1" indent="-514350">
+            <a:pPr marL="914400" lvl="1" indent="-514350">
               <a:buFont typeface="+mj-lt"/>
               <a:buAutoNum type="arabicPeriod"/>
             </a:pPr>
@@ -3388,7 +3811,7 @@
             </a:r>
           </a:p>
           <a:p>
-            <a:pPr marL="971550" lvl="1" indent="-514350">
+            <a:pPr marL="914400" lvl="1" indent="-514350">
               <a:buFont typeface="+mj-lt"/>
               <a:buAutoNum type="arabicPeriod"/>
             </a:pPr>
@@ -3398,7 +3821,7 @@
             </a:r>
           </a:p>
           <a:p>
-            <a:pPr marL="971550" lvl="1" indent="-514350">
+            <a:pPr marL="914400" lvl="1" indent="-514350">
               <a:buFont typeface="+mj-lt"/>
               <a:buAutoNum type="arabicPeriod"/>
             </a:pPr>
@@ -3420,13 +3843,6 @@
   <p:clrMapOvr>
     <a:masterClrMapping/>
   </p:clrMapOvr>
-  <p:timing>
-    <p:tnLst>
-      <p:par>
-        <p:cTn id="1" dur="indefinite" restart="never" nodeType="tmRoot"/>
-      </p:par>
-    </p:tnLst>
-  </p:timing>
 </p:sld>
 </file>
 
@@ -3527,13 +3943,6 @@
   <p:clrMapOvr>
     <a:masterClrMapping/>
   </p:clrMapOvr>
-  <p:timing>
-    <p:tnLst>
-      <p:par>
-        <p:cTn id="1" dur="indefinite" restart="never" nodeType="tmRoot"/>
-      </p:par>
-    </p:tnLst>
-  </p:timing>
 </p:sld>
 </file>
 
@@ -3624,13 +4033,6 @@
   <p:clrMapOvr>
     <a:masterClrMapping/>
   </p:clrMapOvr>
-  <p:timing>
-    <p:tnLst>
-      <p:par>
-        <p:cTn id="1" dur="indefinite" restart="never" nodeType="tmRoot"/>
-      </p:par>
-    </p:tnLst>
-  </p:timing>
 </p:sld>
 </file>
 
@@ -3661,7 +4063,12 @@
             <p:ph type="title"/>
           </p:nvPr>
         </p:nvSpPr>
-        <p:spPr/>
+        <p:spPr>
+          <a:xfrm>
+            <a:off x="457200" y="228600"/>
+            <a:ext cx="8229600" cy="808038"/>
+          </a:xfrm>
+        </p:spPr>
         <p:txBody>
           <a:bodyPr>
             <a:normAutofit/>
@@ -3670,7 +4077,7 @@
           <a:p>
             <a:r>
               <a:rPr lang="en-US" dirty="0" smtClean="0"/>
-              <a:t>Game User Flow Diagram</a:t>
+              <a:t>Game User Diagram</a:t>
             </a:r>
             <a:endParaRPr lang="en-US" dirty="0"/>
           </a:p>
@@ -3678,11 +4085,13 @@
       </p:sp>
       <p:pic>
         <p:nvPicPr>
-          <p:cNvPr id="5" name="Picture 4"/>
+          <p:cNvPr id="4" name="Content Placeholder 3"/>
           <p:cNvPicPr>
-            <a:picLocks noChangeAspect="1"/>
+            <a:picLocks noGrp="1" noChangeAspect="1"/>
           </p:cNvPicPr>
-          <p:nvPr/>
+          <p:nvPr>
+            <p:ph idx="1"/>
+          </p:nvPr>
         </p:nvPicPr>
         <p:blipFill>
           <a:blip r:embed="rId2">
@@ -3698,23 +4107,173 @@
         </p:blipFill>
         <p:spPr>
           <a:xfrm>
-            <a:off x="1143000" y="1219200"/>
-            <a:ext cx="7100047" cy="5486400"/>
+            <a:off x="1147483" y="1066800"/>
+            <a:ext cx="7230034" cy="5586845"/>
           </a:xfrm>
-          <a:prstGeom prst="rect">
-            <a:avLst/>
-          </a:prstGeom>
         </p:spPr>
       </p:pic>
       <p:cxnSp>
         <p:nvCxnSpPr>
-          <p:cNvPr id="7" name="Straight Arrow Connector 6"/>
+          <p:cNvPr id="8" name="Straight Arrow Connector 7"/>
+          <p:cNvCxnSpPr/>
+          <p:nvPr/>
+        </p:nvCxnSpPr>
+        <p:spPr>
+          <a:xfrm>
+            <a:off x="2057400" y="1676400"/>
+            <a:ext cx="0" cy="990600"/>
+          </a:xfrm>
+          <a:prstGeom prst="straightConnector1">
+            <a:avLst/>
+          </a:prstGeom>
+          <a:ln>
+            <a:tailEnd type="triangle"/>
+          </a:ln>
+        </p:spPr>
+        <p:style>
+          <a:lnRef idx="1">
+            <a:schemeClr val="accent1"/>
+          </a:lnRef>
+          <a:fillRef idx="0">
+            <a:schemeClr val="accent1"/>
+          </a:fillRef>
+          <a:effectRef idx="0">
+            <a:schemeClr val="accent1"/>
+          </a:effectRef>
+          <a:fontRef idx="minor">
+            <a:schemeClr val="tx1"/>
+          </a:fontRef>
+        </p:style>
+      </p:cxnSp>
+      <p:cxnSp>
+        <p:nvCxnSpPr>
+          <p:cNvPr id="10" name="Straight Connector 9"/>
+          <p:cNvCxnSpPr/>
+          <p:nvPr/>
+        </p:nvCxnSpPr>
+        <p:spPr>
+          <a:xfrm>
+            <a:off x="2057400" y="1676400"/>
+            <a:ext cx="5410200" cy="0"/>
+          </a:xfrm>
+          <a:prstGeom prst="line">
+            <a:avLst/>
+          </a:prstGeom>
+        </p:spPr>
+        <p:style>
+          <a:lnRef idx="1">
+            <a:schemeClr val="accent1"/>
+          </a:lnRef>
+          <a:fillRef idx="0">
+            <a:schemeClr val="accent1"/>
+          </a:fillRef>
+          <a:effectRef idx="0">
+            <a:schemeClr val="accent1"/>
+          </a:effectRef>
+          <a:fontRef idx="minor">
+            <a:schemeClr val="tx1"/>
+          </a:fontRef>
+        </p:style>
+      </p:cxnSp>
+      <p:cxnSp>
+        <p:nvCxnSpPr>
+          <p:cNvPr id="12" name="Straight Connector 11"/>
+          <p:cNvCxnSpPr/>
+          <p:nvPr/>
+        </p:nvCxnSpPr>
+        <p:spPr>
+          <a:xfrm>
+            <a:off x="7467600" y="1676400"/>
+            <a:ext cx="0" cy="495300"/>
+          </a:xfrm>
+          <a:prstGeom prst="line">
+            <a:avLst/>
+          </a:prstGeom>
+        </p:spPr>
+        <p:style>
+          <a:lnRef idx="1">
+            <a:schemeClr val="accent1"/>
+          </a:lnRef>
+          <a:fillRef idx="0">
+            <a:schemeClr val="accent1"/>
+          </a:fillRef>
+          <a:effectRef idx="0">
+            <a:schemeClr val="accent1"/>
+          </a:effectRef>
+          <a:fontRef idx="minor">
+            <a:schemeClr val="tx1"/>
+          </a:fontRef>
+        </p:style>
+      </p:cxnSp>
+      <p:cxnSp>
+        <p:nvCxnSpPr>
+          <p:cNvPr id="14" name="Straight Connector 13"/>
+          <p:cNvCxnSpPr/>
+          <p:nvPr/>
+        </p:nvCxnSpPr>
+        <p:spPr>
+          <a:xfrm>
+            <a:off x="7467600" y="4495800"/>
+            <a:ext cx="0" cy="1219200"/>
+          </a:xfrm>
+          <a:prstGeom prst="line">
+            <a:avLst/>
+          </a:prstGeom>
+        </p:spPr>
+        <p:style>
+          <a:lnRef idx="1">
+            <a:schemeClr val="accent1"/>
+          </a:lnRef>
+          <a:fillRef idx="0">
+            <a:schemeClr val="accent1"/>
+          </a:fillRef>
+          <a:effectRef idx="0">
+            <a:schemeClr val="accent1"/>
+          </a:effectRef>
+          <a:fontRef idx="minor">
+            <a:schemeClr val="tx1"/>
+          </a:fontRef>
+        </p:style>
+      </p:cxnSp>
+      <p:cxnSp>
+        <p:nvCxnSpPr>
+          <p:cNvPr id="16" name="Straight Connector 15"/>
+          <p:cNvCxnSpPr/>
+          <p:nvPr/>
+        </p:nvCxnSpPr>
+        <p:spPr>
+          <a:xfrm flipH="1">
+            <a:off x="2057400" y="5715000"/>
+            <a:ext cx="5410200" cy="0"/>
+          </a:xfrm>
+          <a:prstGeom prst="line">
+            <a:avLst/>
+          </a:prstGeom>
+        </p:spPr>
+        <p:style>
+          <a:lnRef idx="1">
+            <a:schemeClr val="accent1"/>
+          </a:lnRef>
+          <a:fillRef idx="0">
+            <a:schemeClr val="accent1"/>
+          </a:fillRef>
+          <a:effectRef idx="0">
+            <a:schemeClr val="accent1"/>
+          </a:effectRef>
+          <a:fontRef idx="minor">
+            <a:schemeClr val="tx1"/>
+          </a:fontRef>
+        </p:style>
+      </p:cxnSp>
+      <p:cxnSp>
+        <p:nvCxnSpPr>
+          <p:cNvPr id="18" name="Straight Arrow Connector 17"/>
           <p:cNvCxnSpPr/>
           <p:nvPr/>
         </p:nvCxnSpPr>
         <p:spPr>
           <a:xfrm flipV="1">
-            <a:off x="2209800" y="4343400"/>
+            <a:off x="2057400" y="4114800"/>
             <a:ext cx="0" cy="1600200"/>
           </a:xfrm>
           <a:prstGeom prst="straightConnector1">
@@ -3739,159 +4298,96 @@
           </a:fontRef>
         </p:style>
       </p:cxnSp>
-      <p:cxnSp>
-        <p:nvCxnSpPr>
-          <p:cNvPr id="9" name="Straight Arrow Connector 8"/>
-          <p:cNvCxnSpPr/>
+      <p:sp>
+        <p:nvSpPr>
+          <p:cNvPr id="3" name="TextBox 2"/>
+          <p:cNvSpPr txBox="1"/>
           <p:nvPr/>
-        </p:nvCxnSpPr>
+        </p:nvSpPr>
         <p:spPr>
           <a:xfrm>
-            <a:off x="2209800" y="1981200"/>
-            <a:ext cx="0" cy="838200"/>
+            <a:off x="7620000" y="1554718"/>
+            <a:ext cx="1257395" cy="369332"/>
           </a:xfrm>
-          <a:prstGeom prst="straightConnector1">
+          <a:prstGeom prst="rect">
             <a:avLst/>
           </a:prstGeom>
-          <a:ln>
-            <a:tailEnd type="triangle"/>
-          </a:ln>
+          <a:noFill/>
         </p:spPr>
-        <p:style>
-          <a:lnRef idx="1">
-            <a:schemeClr val="accent1"/>
-          </a:lnRef>
-          <a:fillRef idx="0">
-            <a:schemeClr val="accent1"/>
-          </a:fillRef>
-          <a:effectRef idx="0">
-            <a:schemeClr val="accent1"/>
-          </a:effectRef>
-          <a:fontRef idx="minor">
-            <a:schemeClr val="tx1"/>
-          </a:fontRef>
-        </p:style>
-      </p:cxnSp>
-      <p:cxnSp>
-        <p:nvCxnSpPr>
-          <p:cNvPr id="11" name="Straight Connector 10"/>
-          <p:cNvCxnSpPr/>
+        <p:txBody>
+          <a:bodyPr wrap="none" rtlCol="0">
+            <a:spAutoFit/>
+          </a:bodyPr>
+          <a:lstStyle/>
+          <a:p>
+            <a:r>
+              <a:rPr lang="en-US" smtClean="0"/>
+              <a:t>WonScreen</a:t>
+            </a:r>
+            <a:endParaRPr lang="en-US" dirty="0"/>
+          </a:p>
+        </p:txBody>
+      </p:sp>
+      <p:sp>
+        <p:nvSpPr>
+          <p:cNvPr id="11" name="TextBox 10"/>
+          <p:cNvSpPr txBox="1"/>
           <p:nvPr/>
-        </p:nvCxnSpPr>
+        </p:nvSpPr>
         <p:spPr>
           <a:xfrm>
-            <a:off x="2209800" y="1981200"/>
-            <a:ext cx="5257800" cy="0"/>
+            <a:off x="7620000" y="5345668"/>
+            <a:ext cx="1201804" cy="369332"/>
           </a:xfrm>
-          <a:prstGeom prst="line">
+          <a:prstGeom prst="rect">
             <a:avLst/>
           </a:prstGeom>
+          <a:noFill/>
         </p:spPr>
-        <p:style>
-          <a:lnRef idx="1">
-            <a:schemeClr val="accent1"/>
-          </a:lnRef>
-          <a:fillRef idx="0">
-            <a:schemeClr val="accent1"/>
-          </a:fillRef>
-          <a:effectRef idx="0">
-            <a:schemeClr val="accent1"/>
-          </a:effectRef>
-          <a:fontRef idx="minor">
-            <a:schemeClr val="tx1"/>
-          </a:fontRef>
-        </p:style>
-      </p:cxnSp>
-      <p:cxnSp>
-        <p:nvCxnSpPr>
-          <p:cNvPr id="13" name="Straight Connector 12"/>
-          <p:cNvCxnSpPr/>
+        <p:txBody>
+          <a:bodyPr wrap="none" rtlCol="0">
+            <a:spAutoFit/>
+          </a:bodyPr>
+          <a:lstStyle/>
+          <a:p>
+            <a:r>
+              <a:rPr lang="en-US" dirty="0" err="1" smtClean="0"/>
+              <a:t>LostScreen</a:t>
+            </a:r>
+            <a:endParaRPr lang="en-US" dirty="0"/>
+          </a:p>
+        </p:txBody>
+      </p:sp>
+      <p:sp>
+        <p:nvSpPr>
+          <p:cNvPr id="13" name="TextBox 12"/>
+          <p:cNvSpPr txBox="1"/>
           <p:nvPr/>
-        </p:nvCxnSpPr>
+        </p:nvSpPr>
         <p:spPr>
           <a:xfrm>
-            <a:off x="2209800" y="5943600"/>
-            <a:ext cx="5257800" cy="0"/>
+            <a:off x="457200" y="4545568"/>
+            <a:ext cx="1265731" cy="369332"/>
           </a:xfrm>
-          <a:prstGeom prst="line">
+          <a:prstGeom prst="rect">
             <a:avLst/>
           </a:prstGeom>
+          <a:noFill/>
         </p:spPr>
-        <p:style>
-          <a:lnRef idx="1">
-            <a:schemeClr val="accent1"/>
-          </a:lnRef>
-          <a:fillRef idx="0">
-            <a:schemeClr val="accent1"/>
-          </a:fillRef>
-          <a:effectRef idx="0">
-            <a:schemeClr val="accent1"/>
-          </a:effectRef>
-          <a:fontRef idx="minor">
-            <a:schemeClr val="tx1"/>
-          </a:fontRef>
-        </p:style>
-      </p:cxnSp>
-      <p:cxnSp>
-        <p:nvCxnSpPr>
-          <p:cNvPr id="15" name="Straight Connector 14"/>
-          <p:cNvCxnSpPr/>
-          <p:nvPr/>
-        </p:nvCxnSpPr>
-        <p:spPr>
-          <a:xfrm flipH="1">
-            <a:off x="7460750" y="1981200"/>
-            <a:ext cx="6850" cy="304800"/>
-          </a:xfrm>
-          <a:prstGeom prst="line">
-            <a:avLst/>
-          </a:prstGeom>
-        </p:spPr>
-        <p:style>
-          <a:lnRef idx="1">
-            <a:schemeClr val="accent1"/>
-          </a:lnRef>
-          <a:fillRef idx="0">
-            <a:schemeClr val="accent1"/>
-          </a:fillRef>
-          <a:effectRef idx="0">
-            <a:schemeClr val="accent1"/>
-          </a:effectRef>
-          <a:fontRef idx="minor">
-            <a:schemeClr val="tx1"/>
-          </a:fontRef>
-        </p:style>
-      </p:cxnSp>
-      <p:cxnSp>
-        <p:nvCxnSpPr>
-          <p:cNvPr id="17" name="Straight Connector 16"/>
-          <p:cNvCxnSpPr/>
-          <p:nvPr/>
-        </p:nvCxnSpPr>
-        <p:spPr>
-          <a:xfrm flipH="1">
-            <a:off x="7453901" y="4648200"/>
-            <a:ext cx="13699" cy="1295400"/>
-          </a:xfrm>
-          <a:prstGeom prst="line">
-            <a:avLst/>
-          </a:prstGeom>
-        </p:spPr>
-        <p:style>
-          <a:lnRef idx="1">
-            <a:schemeClr val="accent1"/>
-          </a:lnRef>
-          <a:fillRef idx="0">
-            <a:schemeClr val="accent1"/>
-          </a:fillRef>
-          <a:effectRef idx="0">
-            <a:schemeClr val="accent1"/>
-          </a:effectRef>
-          <a:fontRef idx="minor">
-            <a:schemeClr val="tx1"/>
-          </a:fontRef>
-        </p:style>
-      </p:cxnSp>
+        <p:txBody>
+          <a:bodyPr wrap="none" rtlCol="0">
+            <a:spAutoFit/>
+          </a:bodyPr>
+          <a:lstStyle/>
+          <a:p>
+            <a:r>
+              <a:rPr lang="en-US" dirty="0" err="1" smtClean="0"/>
+              <a:t>StartScreen</a:t>
+            </a:r>
+            <a:endParaRPr lang="en-US" dirty="0"/>
+          </a:p>
+        </p:txBody>
+      </p:sp>
     </p:spTree>
     <p:extLst>
       <p:ext uri="{BB962C8B-B14F-4D97-AF65-F5344CB8AC3E}">
@@ -3902,13 +4398,6 @@
   <p:clrMapOvr>
     <a:masterClrMapping/>
   </p:clrMapOvr>
-  <p:timing>
-    <p:tnLst>
-      <p:par>
-        <p:cTn id="1" dur="indefinite" restart="never" nodeType="tmRoot"/>
-      </p:par>
-    </p:tnLst>
-  </p:timing>
 </p:sld>
 </file>
 
@@ -3954,11 +4443,13 @@
       </p:sp>
       <p:pic>
         <p:nvPicPr>
-          <p:cNvPr id="4" name="Picture 3"/>
+          <p:cNvPr id="4" name="Content Placeholder 3"/>
           <p:cNvPicPr>
-            <a:picLocks noChangeAspect="1"/>
+            <a:picLocks noGrp="1" noChangeAspect="1"/>
           </p:cNvPicPr>
-          <p:nvPr/>
+          <p:nvPr>
+            <p:ph idx="1"/>
+          </p:nvPr>
         </p:nvPicPr>
         <p:blipFill>
           <a:blip r:embed="rId2">
@@ -3974,31 +4465,21 @@
         </p:blipFill>
         <p:spPr>
           <a:xfrm>
-            <a:off x="685800" y="1219200"/>
-            <a:ext cx="7772400" cy="5457554"/>
+            <a:off x="1635488" y="1600200"/>
+            <a:ext cx="5873023" cy="4525963"/>
           </a:xfrm>
-          <a:prstGeom prst="rect">
-            <a:avLst/>
-          </a:prstGeom>
         </p:spPr>
       </p:pic>
     </p:spTree>
     <p:extLst>
       <p:ext uri="{BB962C8B-B14F-4D97-AF65-F5344CB8AC3E}">
-        <p14:creationId xmlns:p14="http://schemas.microsoft.com/office/powerpoint/2010/main" val="1131702811"/>
+        <p14:creationId xmlns:p14="http://schemas.microsoft.com/office/powerpoint/2010/main" val="1200177366"/>
       </p:ext>
     </p:extLst>
   </p:cSld>
   <p:clrMapOvr>
     <a:masterClrMapping/>
   </p:clrMapOvr>
-  <p:timing>
-    <p:tnLst>
-      <p:par>
-        <p:cTn id="1" dur="indefinite" restart="never" nodeType="tmRoot"/>
-      </p:par>
-    </p:tnLst>
-  </p:timing>
 </p:sld>
 </file>
 
@@ -4021,6 +4502,101 @@
       </p:grpSpPr>
       <p:sp>
         <p:nvSpPr>
+          <p:cNvPr id="44" name="Rectangle 43"/>
+          <p:cNvSpPr/>
+          <p:nvPr/>
+        </p:nvSpPr>
+        <p:spPr>
+          <a:xfrm>
+            <a:off x="92109" y="1650824"/>
+            <a:ext cx="3486008" cy="2308915"/>
+          </a:xfrm>
+          <a:prstGeom prst="rect">
+            <a:avLst/>
+          </a:prstGeom>
+          <a:solidFill>
+            <a:srgbClr val="F4B4E5">
+              <a:alpha val="12157"/>
+            </a:srgbClr>
+          </a:solidFill>
+          <a:ln>
+            <a:noFill/>
+          </a:ln>
+        </p:spPr>
+        <p:style>
+          <a:lnRef idx="2">
+            <a:schemeClr val="accent1">
+              <a:shade val="50000"/>
+            </a:schemeClr>
+          </a:lnRef>
+          <a:fillRef idx="1">
+            <a:schemeClr val="accent1"/>
+          </a:fillRef>
+          <a:effectRef idx="0">
+            <a:schemeClr val="accent1"/>
+          </a:effectRef>
+          <a:fontRef idx="minor">
+            <a:schemeClr val="lt1"/>
+          </a:fontRef>
+        </p:style>
+        <p:txBody>
+          <a:bodyPr rtlCol="0" anchor="ctr"/>
+          <a:lstStyle/>
+          <a:p>
+            <a:pPr algn="ctr"/>
+            <a:endParaRPr lang="en-US"/>
+          </a:p>
+        </p:txBody>
+      </p:sp>
+      <p:sp>
+        <p:nvSpPr>
+          <p:cNvPr id="12" name="Rectangle 11"/>
+          <p:cNvSpPr/>
+          <p:nvPr/>
+        </p:nvSpPr>
+        <p:spPr>
+          <a:xfrm>
+            <a:off x="69067" y="4627603"/>
+            <a:ext cx="1543258" cy="1670389"/>
+          </a:xfrm>
+          <a:prstGeom prst="rect">
+            <a:avLst/>
+          </a:prstGeom>
+          <a:solidFill>
+            <a:schemeClr val="accent3">
+              <a:lumMod val="20000"/>
+              <a:lumOff val="80000"/>
+              <a:alpha val="34000"/>
+            </a:schemeClr>
+          </a:solidFill>
+        </p:spPr>
+        <p:style>
+          <a:lnRef idx="2">
+            <a:schemeClr val="accent1">
+              <a:shade val="50000"/>
+            </a:schemeClr>
+          </a:lnRef>
+          <a:fillRef idx="1">
+            <a:schemeClr val="accent1"/>
+          </a:fillRef>
+          <a:effectRef idx="0">
+            <a:schemeClr val="accent1"/>
+          </a:effectRef>
+          <a:fontRef idx="minor">
+            <a:schemeClr val="lt1"/>
+          </a:fontRef>
+        </p:style>
+        <p:txBody>
+          <a:bodyPr rtlCol="0" anchor="ctr"/>
+          <a:lstStyle/>
+          <a:p>
+            <a:pPr algn="ctr"/>
+            <a:endParaRPr lang="en-US"/>
+          </a:p>
+        </p:txBody>
+      </p:sp>
+      <p:sp>
+        <p:nvSpPr>
           <p:cNvPr id="2" name="Title 1"/>
           <p:cNvSpPr>
             <a:spLocks noGrp="1"/>
@@ -4044,20 +4620,24 @@
       </p:sp>
       <p:sp>
         <p:nvSpPr>
-          <p:cNvPr id="4" name="Snip Diagonal Corner Rectangle 3"/>
-          <p:cNvSpPr/>
-          <p:nvPr/>
+          <p:cNvPr id="4" name="Content Placeholder 3"/>
+          <p:cNvSpPr>
+            <a:spLocks noGrp="1"/>
+          </p:cNvSpPr>
+          <p:nvPr>
+            <p:ph idx="1"/>
+          </p:nvPr>
         </p:nvSpPr>
         <p:spPr>
           <a:xfrm>
-            <a:off x="4552212" y="2362628"/>
-            <a:ext cx="1585555" cy="609600"/>
+            <a:off x="4322370" y="2712940"/>
+            <a:ext cx="1347306" cy="521486"/>
           </a:xfrm>
           <a:prstGeom prst="snip2DiagRect">
             <a:avLst/>
           </a:prstGeom>
           <a:solidFill>
-            <a:schemeClr val="bg1"/>
+            <a:schemeClr val="accent6"/>
           </a:solidFill>
           <a:ln>
             <a:solidFill>
@@ -4080,10 +4660,14 @@
           </a:fontRef>
         </p:style>
         <p:txBody>
-          <a:bodyPr rtlCol="0" anchor="ctr"/>
+          <a:bodyPr rtlCol="0" anchor="ctr">
+            <a:normAutofit fontScale="70000" lnSpcReduction="20000"/>
+          </a:bodyPr>
           <a:lstStyle/>
           <a:p>
-            <a:pPr algn="ctr"/>
+            <a:pPr marL="0" indent="0" algn="ctr">
+              <a:buNone/>
+            </a:pPr>
             <a:r>
               <a:rPr lang="en-US" dirty="0" err="1" smtClean="0">
                 <a:solidFill>
@@ -4102,14 +4686,16 @@
       </p:sp>
       <p:sp>
         <p:nvSpPr>
-          <p:cNvPr id="5" name="Snip Diagonal Corner Rectangle 4"/>
-          <p:cNvSpPr/>
+          <p:cNvPr id="5" name="Content Placeholder 3"/>
+          <p:cNvSpPr txBox="1">
+            <a:spLocks/>
+          </p:cNvSpPr>
           <p:nvPr/>
         </p:nvSpPr>
         <p:spPr>
           <a:xfrm>
-            <a:off x="4038600" y="1356519"/>
-            <a:ext cx="1447800" cy="609600"/>
+            <a:off x="4233474" y="1566816"/>
+            <a:ext cx="1126014" cy="619265"/>
           </a:xfrm>
           <a:prstGeom prst="snip2DiagRect">
             <a:avLst/>
@@ -4117,10 +4703,11 @@
           <a:solidFill>
             <a:schemeClr val="bg1"/>
           </a:solidFill>
-          <a:ln>
+          <a:ln w="9525" cap="flat" cmpd="sng" algn="ctr">
             <a:solidFill>
               <a:schemeClr val="tx1"/>
             </a:solidFill>
+            <a:prstDash val="solid"/>
           </a:ln>
         </p:spPr>
         <p:style>
@@ -4138,19 +4725,160 @@
           </a:fontRef>
         </p:style>
         <p:txBody>
-          <a:bodyPr rtlCol="0" anchor="ctr"/>
-          <a:lstStyle/>
-          <a:p>
-            <a:pPr algn="ctr"/>
-            <a:r>
-              <a:rPr lang="en-US" dirty="0" smtClean="0">
+          <a:bodyPr vert="horz" lIns="91440" tIns="45720" rIns="91440" bIns="45720" rtlCol="0" anchor="ctr">
+            <a:normAutofit fontScale="70000" lnSpcReduction="20000"/>
+          </a:bodyPr>
+          <a:lstStyle>
+            <a:lvl1pPr marL="342900" indent="-342900" algn="l" defTabSz="914400" rtl="0" eaLnBrk="1" latinLnBrk="0" hangingPunct="1">
+              <a:spcBef>
+                <a:spcPct val="20000"/>
+              </a:spcBef>
+              <a:buFont typeface="Arial" panose="020B0604020202020204" pitchFamily="34" charset="0"/>
+              <a:buChar char="•"/>
+              <a:defRPr sz="3200" kern="1200">
+                <a:solidFill>
+                  <a:schemeClr val="lt1"/>
+                </a:solidFill>
+                <a:latin typeface="+mn-lt"/>
+                <a:ea typeface="+mn-ea"/>
+                <a:cs typeface="+mn-cs"/>
+              </a:defRPr>
+            </a:lvl1pPr>
+            <a:lvl2pPr marL="742950" indent="-285750" algn="l" defTabSz="914400" rtl="0" eaLnBrk="1" latinLnBrk="0" hangingPunct="1">
+              <a:spcBef>
+                <a:spcPct val="20000"/>
+              </a:spcBef>
+              <a:buFont typeface="Arial" panose="020B0604020202020204" pitchFamily="34" charset="0"/>
+              <a:buChar char="–"/>
+              <a:defRPr sz="2800" kern="1200">
+                <a:solidFill>
+                  <a:schemeClr val="lt1"/>
+                </a:solidFill>
+                <a:latin typeface="+mn-lt"/>
+                <a:ea typeface="+mn-ea"/>
+                <a:cs typeface="+mn-cs"/>
+              </a:defRPr>
+            </a:lvl2pPr>
+            <a:lvl3pPr marL="1143000" indent="-228600" algn="l" defTabSz="914400" rtl="0" eaLnBrk="1" latinLnBrk="0" hangingPunct="1">
+              <a:spcBef>
+                <a:spcPct val="20000"/>
+              </a:spcBef>
+              <a:buFont typeface="Arial" panose="020B0604020202020204" pitchFamily="34" charset="0"/>
+              <a:buChar char="•"/>
+              <a:defRPr sz="2400" kern="1200">
+                <a:solidFill>
+                  <a:schemeClr val="lt1"/>
+                </a:solidFill>
+                <a:latin typeface="+mn-lt"/>
+                <a:ea typeface="+mn-ea"/>
+                <a:cs typeface="+mn-cs"/>
+              </a:defRPr>
+            </a:lvl3pPr>
+            <a:lvl4pPr marL="1600200" indent="-228600" algn="l" defTabSz="914400" rtl="0" eaLnBrk="1" latinLnBrk="0" hangingPunct="1">
+              <a:spcBef>
+                <a:spcPct val="20000"/>
+              </a:spcBef>
+              <a:buFont typeface="Arial" panose="020B0604020202020204" pitchFamily="34" charset="0"/>
+              <a:buChar char="–"/>
+              <a:defRPr sz="2000" kern="1200">
+                <a:solidFill>
+                  <a:schemeClr val="lt1"/>
+                </a:solidFill>
+                <a:latin typeface="+mn-lt"/>
+                <a:ea typeface="+mn-ea"/>
+                <a:cs typeface="+mn-cs"/>
+              </a:defRPr>
+            </a:lvl4pPr>
+            <a:lvl5pPr marL="2057400" indent="-228600" algn="l" defTabSz="914400" rtl="0" eaLnBrk="1" latinLnBrk="0" hangingPunct="1">
+              <a:spcBef>
+                <a:spcPct val="20000"/>
+              </a:spcBef>
+              <a:buFont typeface="Arial" panose="020B0604020202020204" pitchFamily="34" charset="0"/>
+              <a:buChar char="»"/>
+              <a:defRPr sz="2000" kern="1200">
+                <a:solidFill>
+                  <a:schemeClr val="lt1"/>
+                </a:solidFill>
+                <a:latin typeface="+mn-lt"/>
+                <a:ea typeface="+mn-ea"/>
+                <a:cs typeface="+mn-cs"/>
+              </a:defRPr>
+            </a:lvl5pPr>
+            <a:lvl6pPr marL="2514600" indent="-228600" algn="l" defTabSz="914400" rtl="0" eaLnBrk="1" latinLnBrk="0" hangingPunct="1">
+              <a:spcBef>
+                <a:spcPct val="20000"/>
+              </a:spcBef>
+              <a:buFont typeface="Arial" panose="020B0604020202020204" pitchFamily="34" charset="0"/>
+              <a:buChar char="•"/>
+              <a:defRPr sz="2000" kern="1200">
+                <a:solidFill>
+                  <a:schemeClr val="lt1"/>
+                </a:solidFill>
+                <a:latin typeface="+mn-lt"/>
+                <a:ea typeface="+mn-ea"/>
+                <a:cs typeface="+mn-cs"/>
+              </a:defRPr>
+            </a:lvl6pPr>
+            <a:lvl7pPr marL="2971800" indent="-228600" algn="l" defTabSz="914400" rtl="0" eaLnBrk="1" latinLnBrk="0" hangingPunct="1">
+              <a:spcBef>
+                <a:spcPct val="20000"/>
+              </a:spcBef>
+              <a:buFont typeface="Arial" panose="020B0604020202020204" pitchFamily="34" charset="0"/>
+              <a:buChar char="•"/>
+              <a:defRPr sz="2000" kern="1200">
+                <a:solidFill>
+                  <a:schemeClr val="lt1"/>
+                </a:solidFill>
+                <a:latin typeface="+mn-lt"/>
+                <a:ea typeface="+mn-ea"/>
+                <a:cs typeface="+mn-cs"/>
+              </a:defRPr>
+            </a:lvl7pPr>
+            <a:lvl8pPr marL="3429000" indent="-228600" algn="l" defTabSz="914400" rtl="0" eaLnBrk="1" latinLnBrk="0" hangingPunct="1">
+              <a:spcBef>
+                <a:spcPct val="20000"/>
+              </a:spcBef>
+              <a:buFont typeface="Arial" panose="020B0604020202020204" pitchFamily="34" charset="0"/>
+              <a:buChar char="•"/>
+              <a:defRPr sz="2000" kern="1200">
+                <a:solidFill>
+                  <a:schemeClr val="lt1"/>
+                </a:solidFill>
+                <a:latin typeface="+mn-lt"/>
+                <a:ea typeface="+mn-ea"/>
+                <a:cs typeface="+mn-cs"/>
+              </a:defRPr>
+            </a:lvl8pPr>
+            <a:lvl9pPr marL="3886200" indent="-228600" algn="l" defTabSz="914400" rtl="0" eaLnBrk="1" latinLnBrk="0" hangingPunct="1">
+              <a:spcBef>
+                <a:spcPct val="20000"/>
+              </a:spcBef>
+              <a:buFont typeface="Arial" panose="020B0604020202020204" pitchFamily="34" charset="0"/>
+              <a:buChar char="•"/>
+              <a:defRPr sz="2000" kern="1200">
+                <a:solidFill>
+                  <a:schemeClr val="lt1"/>
+                </a:solidFill>
+                <a:latin typeface="+mn-lt"/>
+                <a:ea typeface="+mn-ea"/>
+                <a:cs typeface="+mn-cs"/>
+              </a:defRPr>
+            </a:lvl9pPr>
+          </a:lstStyle>
+          <a:p>
+            <a:pPr marL="0" indent="0" algn="ctr">
+              <a:buFont typeface="Arial" panose="020B0604020202020204" pitchFamily="34" charset="0"/>
+              <a:buNone/>
+            </a:pPr>
+            <a:r>
+              <a:rPr lang="en-US" sz="2400" dirty="0" smtClean="0">
                 <a:solidFill>
                   <a:schemeClr val="tx1"/>
                 </a:solidFill>
               </a:rPr>
-              <a:t>JS Object {}</a:t>
-            </a:r>
-            <a:endParaRPr lang="en-US" dirty="0">
+              <a:t>JS Object{}</a:t>
+            </a:r>
+            <a:endParaRPr lang="en-US" sz="2400" dirty="0">
               <a:solidFill>
                 <a:schemeClr val="tx1"/>
               </a:solidFill>
@@ -4160,14 +4888,16 @@
       </p:sp>
       <p:sp>
         <p:nvSpPr>
-          <p:cNvPr id="6" name="Snip Diagonal Corner Rectangle 5"/>
-          <p:cNvSpPr/>
+          <p:cNvPr id="6" name="Content Placeholder 3"/>
+          <p:cNvSpPr txBox="1">
+            <a:spLocks/>
+          </p:cNvSpPr>
           <p:nvPr/>
         </p:nvSpPr>
         <p:spPr>
           <a:xfrm>
-            <a:off x="2418613" y="2351433"/>
-            <a:ext cx="1600200" cy="609600"/>
+            <a:off x="1981200" y="2667000"/>
+            <a:ext cx="1380909" cy="545662"/>
           </a:xfrm>
           <a:prstGeom prst="snip2DiagRect">
             <a:avLst/>
@@ -4175,10 +4905,11 @@
           <a:solidFill>
             <a:schemeClr val="bg1"/>
           </a:solidFill>
-          <a:ln>
+          <a:ln w="9525" cap="flat" cmpd="sng" algn="ctr">
             <a:solidFill>
               <a:schemeClr val="tx1"/>
             </a:solidFill>
+            <a:prstDash val="solid"/>
           </a:ln>
         </p:spPr>
         <p:style>
@@ -4196,17 +4927,158 @@
           </a:fontRef>
         </p:style>
         <p:txBody>
-          <a:bodyPr rtlCol="0" anchor="ctr"/>
-          <a:lstStyle/>
-          <a:p>
-            <a:pPr algn="ctr"/>
-            <a:r>
-              <a:rPr lang="en-US" dirty="0" err="1" smtClean="0">
+          <a:bodyPr vert="horz" lIns="91440" tIns="45720" rIns="91440" bIns="45720" rtlCol="0" anchor="ctr">
+            <a:normAutofit fontScale="85000" lnSpcReduction="20000"/>
+          </a:bodyPr>
+          <a:lstStyle>
+            <a:lvl1pPr marL="342900" indent="-342900" algn="l" defTabSz="914400" rtl="0" eaLnBrk="1" latinLnBrk="0" hangingPunct="1">
+              <a:spcBef>
+                <a:spcPct val="20000"/>
+              </a:spcBef>
+              <a:buFont typeface="Arial" panose="020B0604020202020204" pitchFamily="34" charset="0"/>
+              <a:buChar char="•"/>
+              <a:defRPr sz="3200" kern="1200">
+                <a:solidFill>
+                  <a:schemeClr val="lt1"/>
+                </a:solidFill>
+                <a:latin typeface="+mn-lt"/>
+                <a:ea typeface="+mn-ea"/>
+                <a:cs typeface="+mn-cs"/>
+              </a:defRPr>
+            </a:lvl1pPr>
+            <a:lvl2pPr marL="742950" indent="-285750" algn="l" defTabSz="914400" rtl="0" eaLnBrk="1" latinLnBrk="0" hangingPunct="1">
+              <a:spcBef>
+                <a:spcPct val="20000"/>
+              </a:spcBef>
+              <a:buFont typeface="Arial" panose="020B0604020202020204" pitchFamily="34" charset="0"/>
+              <a:buChar char="–"/>
+              <a:defRPr sz="2800" kern="1200">
+                <a:solidFill>
+                  <a:schemeClr val="lt1"/>
+                </a:solidFill>
+                <a:latin typeface="+mn-lt"/>
+                <a:ea typeface="+mn-ea"/>
+                <a:cs typeface="+mn-cs"/>
+              </a:defRPr>
+            </a:lvl2pPr>
+            <a:lvl3pPr marL="1143000" indent="-228600" algn="l" defTabSz="914400" rtl="0" eaLnBrk="1" latinLnBrk="0" hangingPunct="1">
+              <a:spcBef>
+                <a:spcPct val="20000"/>
+              </a:spcBef>
+              <a:buFont typeface="Arial" panose="020B0604020202020204" pitchFamily="34" charset="0"/>
+              <a:buChar char="•"/>
+              <a:defRPr sz="2400" kern="1200">
+                <a:solidFill>
+                  <a:schemeClr val="lt1"/>
+                </a:solidFill>
+                <a:latin typeface="+mn-lt"/>
+                <a:ea typeface="+mn-ea"/>
+                <a:cs typeface="+mn-cs"/>
+              </a:defRPr>
+            </a:lvl3pPr>
+            <a:lvl4pPr marL="1600200" indent="-228600" algn="l" defTabSz="914400" rtl="0" eaLnBrk="1" latinLnBrk="0" hangingPunct="1">
+              <a:spcBef>
+                <a:spcPct val="20000"/>
+              </a:spcBef>
+              <a:buFont typeface="Arial" panose="020B0604020202020204" pitchFamily="34" charset="0"/>
+              <a:buChar char="–"/>
+              <a:defRPr sz="2000" kern="1200">
+                <a:solidFill>
+                  <a:schemeClr val="lt1"/>
+                </a:solidFill>
+                <a:latin typeface="+mn-lt"/>
+                <a:ea typeface="+mn-ea"/>
+                <a:cs typeface="+mn-cs"/>
+              </a:defRPr>
+            </a:lvl4pPr>
+            <a:lvl5pPr marL="2057400" indent="-228600" algn="l" defTabSz="914400" rtl="0" eaLnBrk="1" latinLnBrk="0" hangingPunct="1">
+              <a:spcBef>
+                <a:spcPct val="20000"/>
+              </a:spcBef>
+              <a:buFont typeface="Arial" panose="020B0604020202020204" pitchFamily="34" charset="0"/>
+              <a:buChar char="»"/>
+              <a:defRPr sz="2000" kern="1200">
+                <a:solidFill>
+                  <a:schemeClr val="lt1"/>
+                </a:solidFill>
+                <a:latin typeface="+mn-lt"/>
+                <a:ea typeface="+mn-ea"/>
+                <a:cs typeface="+mn-cs"/>
+              </a:defRPr>
+            </a:lvl5pPr>
+            <a:lvl6pPr marL="2514600" indent="-228600" algn="l" defTabSz="914400" rtl="0" eaLnBrk="1" latinLnBrk="0" hangingPunct="1">
+              <a:spcBef>
+                <a:spcPct val="20000"/>
+              </a:spcBef>
+              <a:buFont typeface="Arial" panose="020B0604020202020204" pitchFamily="34" charset="0"/>
+              <a:buChar char="•"/>
+              <a:defRPr sz="2000" kern="1200">
+                <a:solidFill>
+                  <a:schemeClr val="lt1"/>
+                </a:solidFill>
+                <a:latin typeface="+mn-lt"/>
+                <a:ea typeface="+mn-ea"/>
+                <a:cs typeface="+mn-cs"/>
+              </a:defRPr>
+            </a:lvl6pPr>
+            <a:lvl7pPr marL="2971800" indent="-228600" algn="l" defTabSz="914400" rtl="0" eaLnBrk="1" latinLnBrk="0" hangingPunct="1">
+              <a:spcBef>
+                <a:spcPct val="20000"/>
+              </a:spcBef>
+              <a:buFont typeface="Arial" panose="020B0604020202020204" pitchFamily="34" charset="0"/>
+              <a:buChar char="•"/>
+              <a:defRPr sz="2000" kern="1200">
+                <a:solidFill>
+                  <a:schemeClr val="lt1"/>
+                </a:solidFill>
+                <a:latin typeface="+mn-lt"/>
+                <a:ea typeface="+mn-ea"/>
+                <a:cs typeface="+mn-cs"/>
+              </a:defRPr>
+            </a:lvl7pPr>
+            <a:lvl8pPr marL="3429000" indent="-228600" algn="l" defTabSz="914400" rtl="0" eaLnBrk="1" latinLnBrk="0" hangingPunct="1">
+              <a:spcBef>
+                <a:spcPct val="20000"/>
+              </a:spcBef>
+              <a:buFont typeface="Arial" panose="020B0604020202020204" pitchFamily="34" charset="0"/>
+              <a:buChar char="•"/>
+              <a:defRPr sz="2000" kern="1200">
+                <a:solidFill>
+                  <a:schemeClr val="lt1"/>
+                </a:solidFill>
+                <a:latin typeface="+mn-lt"/>
+                <a:ea typeface="+mn-ea"/>
+                <a:cs typeface="+mn-cs"/>
+              </a:defRPr>
+            </a:lvl8pPr>
+            <a:lvl9pPr marL="3886200" indent="-228600" algn="l" defTabSz="914400" rtl="0" eaLnBrk="1" latinLnBrk="0" hangingPunct="1">
+              <a:spcBef>
+                <a:spcPct val="20000"/>
+              </a:spcBef>
+              <a:buFont typeface="Arial" panose="020B0604020202020204" pitchFamily="34" charset="0"/>
+              <a:buChar char="•"/>
+              <a:defRPr sz="2000" kern="1200">
+                <a:solidFill>
+                  <a:schemeClr val="lt1"/>
+                </a:solidFill>
+                <a:latin typeface="+mn-lt"/>
+                <a:ea typeface="+mn-ea"/>
+                <a:cs typeface="+mn-cs"/>
+              </a:defRPr>
+            </a:lvl9pPr>
+          </a:lstStyle>
+          <a:p>
+            <a:pPr marL="0" indent="0" algn="ctr">
+              <a:buFont typeface="Arial" panose="020B0604020202020204" pitchFamily="34" charset="0"/>
+              <a:buNone/>
+            </a:pPr>
+            <a:r>
+              <a:rPr lang="en-US" dirty="0" smtClean="0">
                 <a:solidFill>
                   <a:schemeClr val="tx1"/>
                 </a:solidFill>
               </a:rPr>
-              <a:t>ScreenObj</a:t>
+              <a:t>Screen</a:t>
             </a:r>
             <a:endParaRPr lang="en-US" dirty="0">
               <a:solidFill>
@@ -4218,14 +5090,16 @@
       </p:sp>
       <p:sp>
         <p:nvSpPr>
-          <p:cNvPr id="7" name="Snip Diagonal Corner Rectangle 6"/>
-          <p:cNvSpPr/>
+          <p:cNvPr id="7" name="Content Placeholder 3"/>
+          <p:cNvSpPr txBox="1">
+            <a:spLocks/>
+          </p:cNvSpPr>
           <p:nvPr/>
         </p:nvSpPr>
         <p:spPr>
           <a:xfrm>
-            <a:off x="233579" y="1058999"/>
-            <a:ext cx="1676400" cy="609600"/>
+            <a:off x="228601" y="1684213"/>
+            <a:ext cx="1363070" cy="464931"/>
           </a:xfrm>
           <a:prstGeom prst="snip2DiagRect">
             <a:avLst/>
@@ -4235,10 +5109,11 @@
               <a:lumMod val="90000"/>
             </a:schemeClr>
           </a:solidFill>
-          <a:ln>
+          <a:ln w="9525" cap="flat" cmpd="sng" algn="ctr">
             <a:solidFill>
               <a:schemeClr val="tx1"/>
             </a:solidFill>
+            <a:prstDash val="solid"/>
           </a:ln>
         </p:spPr>
         <p:style>
@@ -4256,10 +5131,151 @@
           </a:fontRef>
         </p:style>
         <p:txBody>
-          <a:bodyPr rtlCol="0" anchor="ctr"/>
-          <a:lstStyle/>
-          <a:p>
-            <a:pPr algn="ctr"/>
+          <a:bodyPr vert="horz" lIns="91440" tIns="45720" rIns="91440" bIns="45720" rtlCol="0" anchor="ctr">
+            <a:normAutofit fontScale="55000" lnSpcReduction="20000"/>
+          </a:bodyPr>
+          <a:lstStyle>
+            <a:lvl1pPr marL="342900" indent="-342900" algn="l" defTabSz="914400" rtl="0" eaLnBrk="1" latinLnBrk="0" hangingPunct="1">
+              <a:spcBef>
+                <a:spcPct val="20000"/>
+              </a:spcBef>
+              <a:buFont typeface="Arial" panose="020B0604020202020204" pitchFamily="34" charset="0"/>
+              <a:buChar char="•"/>
+              <a:defRPr sz="3200" kern="1200">
+                <a:solidFill>
+                  <a:schemeClr val="lt1"/>
+                </a:solidFill>
+                <a:latin typeface="+mn-lt"/>
+                <a:ea typeface="+mn-ea"/>
+                <a:cs typeface="+mn-cs"/>
+              </a:defRPr>
+            </a:lvl1pPr>
+            <a:lvl2pPr marL="742950" indent="-285750" algn="l" defTabSz="914400" rtl="0" eaLnBrk="1" latinLnBrk="0" hangingPunct="1">
+              <a:spcBef>
+                <a:spcPct val="20000"/>
+              </a:spcBef>
+              <a:buFont typeface="Arial" panose="020B0604020202020204" pitchFamily="34" charset="0"/>
+              <a:buChar char="–"/>
+              <a:defRPr sz="2800" kern="1200">
+                <a:solidFill>
+                  <a:schemeClr val="lt1"/>
+                </a:solidFill>
+                <a:latin typeface="+mn-lt"/>
+                <a:ea typeface="+mn-ea"/>
+                <a:cs typeface="+mn-cs"/>
+              </a:defRPr>
+            </a:lvl2pPr>
+            <a:lvl3pPr marL="1143000" indent="-228600" algn="l" defTabSz="914400" rtl="0" eaLnBrk="1" latinLnBrk="0" hangingPunct="1">
+              <a:spcBef>
+                <a:spcPct val="20000"/>
+              </a:spcBef>
+              <a:buFont typeface="Arial" panose="020B0604020202020204" pitchFamily="34" charset="0"/>
+              <a:buChar char="•"/>
+              <a:defRPr sz="2400" kern="1200">
+                <a:solidFill>
+                  <a:schemeClr val="lt1"/>
+                </a:solidFill>
+                <a:latin typeface="+mn-lt"/>
+                <a:ea typeface="+mn-ea"/>
+                <a:cs typeface="+mn-cs"/>
+              </a:defRPr>
+            </a:lvl3pPr>
+            <a:lvl4pPr marL="1600200" indent="-228600" algn="l" defTabSz="914400" rtl="0" eaLnBrk="1" latinLnBrk="0" hangingPunct="1">
+              <a:spcBef>
+                <a:spcPct val="20000"/>
+              </a:spcBef>
+              <a:buFont typeface="Arial" panose="020B0604020202020204" pitchFamily="34" charset="0"/>
+              <a:buChar char="–"/>
+              <a:defRPr sz="2000" kern="1200">
+                <a:solidFill>
+                  <a:schemeClr val="lt1"/>
+                </a:solidFill>
+                <a:latin typeface="+mn-lt"/>
+                <a:ea typeface="+mn-ea"/>
+                <a:cs typeface="+mn-cs"/>
+              </a:defRPr>
+            </a:lvl4pPr>
+            <a:lvl5pPr marL="2057400" indent="-228600" algn="l" defTabSz="914400" rtl="0" eaLnBrk="1" latinLnBrk="0" hangingPunct="1">
+              <a:spcBef>
+                <a:spcPct val="20000"/>
+              </a:spcBef>
+              <a:buFont typeface="Arial" panose="020B0604020202020204" pitchFamily="34" charset="0"/>
+              <a:buChar char="»"/>
+              <a:defRPr sz="2000" kern="1200">
+                <a:solidFill>
+                  <a:schemeClr val="lt1"/>
+                </a:solidFill>
+                <a:latin typeface="+mn-lt"/>
+                <a:ea typeface="+mn-ea"/>
+                <a:cs typeface="+mn-cs"/>
+              </a:defRPr>
+            </a:lvl5pPr>
+            <a:lvl6pPr marL="2514600" indent="-228600" algn="l" defTabSz="914400" rtl="0" eaLnBrk="1" latinLnBrk="0" hangingPunct="1">
+              <a:spcBef>
+                <a:spcPct val="20000"/>
+              </a:spcBef>
+              <a:buFont typeface="Arial" panose="020B0604020202020204" pitchFamily="34" charset="0"/>
+              <a:buChar char="•"/>
+              <a:defRPr sz="2000" kern="1200">
+                <a:solidFill>
+                  <a:schemeClr val="lt1"/>
+                </a:solidFill>
+                <a:latin typeface="+mn-lt"/>
+                <a:ea typeface="+mn-ea"/>
+                <a:cs typeface="+mn-cs"/>
+              </a:defRPr>
+            </a:lvl6pPr>
+            <a:lvl7pPr marL="2971800" indent="-228600" algn="l" defTabSz="914400" rtl="0" eaLnBrk="1" latinLnBrk="0" hangingPunct="1">
+              <a:spcBef>
+                <a:spcPct val="20000"/>
+              </a:spcBef>
+              <a:buFont typeface="Arial" panose="020B0604020202020204" pitchFamily="34" charset="0"/>
+              <a:buChar char="•"/>
+              <a:defRPr sz="2000" kern="1200">
+                <a:solidFill>
+                  <a:schemeClr val="lt1"/>
+                </a:solidFill>
+                <a:latin typeface="+mn-lt"/>
+                <a:ea typeface="+mn-ea"/>
+                <a:cs typeface="+mn-cs"/>
+              </a:defRPr>
+            </a:lvl7pPr>
+            <a:lvl8pPr marL="3429000" indent="-228600" algn="l" defTabSz="914400" rtl="0" eaLnBrk="1" latinLnBrk="0" hangingPunct="1">
+              <a:spcBef>
+                <a:spcPct val="20000"/>
+              </a:spcBef>
+              <a:buFont typeface="Arial" panose="020B0604020202020204" pitchFamily="34" charset="0"/>
+              <a:buChar char="•"/>
+              <a:defRPr sz="2000" kern="1200">
+                <a:solidFill>
+                  <a:schemeClr val="lt1"/>
+                </a:solidFill>
+                <a:latin typeface="+mn-lt"/>
+                <a:ea typeface="+mn-ea"/>
+                <a:cs typeface="+mn-cs"/>
+              </a:defRPr>
+            </a:lvl8pPr>
+            <a:lvl9pPr marL="3886200" indent="-228600" algn="l" defTabSz="914400" rtl="0" eaLnBrk="1" latinLnBrk="0" hangingPunct="1">
+              <a:spcBef>
+                <a:spcPct val="20000"/>
+              </a:spcBef>
+              <a:buFont typeface="Arial" panose="020B0604020202020204" pitchFamily="34" charset="0"/>
+              <a:buChar char="•"/>
+              <a:defRPr sz="2000" kern="1200">
+                <a:solidFill>
+                  <a:schemeClr val="lt1"/>
+                </a:solidFill>
+                <a:latin typeface="+mn-lt"/>
+                <a:ea typeface="+mn-ea"/>
+                <a:cs typeface="+mn-cs"/>
+              </a:defRPr>
+            </a:lvl9pPr>
+          </a:lstStyle>
+          <a:p>
+            <a:pPr marL="0" indent="0" algn="ctr">
+              <a:buFont typeface="Arial" panose="020B0604020202020204" pitchFamily="34" charset="0"/>
+              <a:buNone/>
+            </a:pPr>
             <a:r>
               <a:rPr lang="en-US" smtClean="0">
                 <a:solidFill>
@@ -4278,14 +5294,16 @@
       </p:sp>
       <p:sp>
         <p:nvSpPr>
-          <p:cNvPr id="8" name="Snip Diagonal Corner Rectangle 7"/>
-          <p:cNvSpPr/>
+          <p:cNvPr id="8" name="Content Placeholder 3"/>
+          <p:cNvSpPr txBox="1">
+            <a:spLocks/>
+          </p:cNvSpPr>
           <p:nvPr/>
         </p:nvSpPr>
         <p:spPr>
           <a:xfrm>
-            <a:off x="233579" y="1869484"/>
-            <a:ext cx="1676400" cy="609600"/>
+            <a:off x="234463" y="2268266"/>
+            <a:ext cx="1363070" cy="464931"/>
           </a:xfrm>
           <a:prstGeom prst="snip2DiagRect">
             <a:avLst/>
@@ -4295,10 +5313,11 @@
               <a:lumMod val="90000"/>
             </a:schemeClr>
           </a:solidFill>
-          <a:ln>
+          <a:ln w="9525" cap="flat" cmpd="sng" algn="ctr">
             <a:solidFill>
               <a:schemeClr val="tx1"/>
             </a:solidFill>
+            <a:prstDash val="solid"/>
           </a:ln>
         </p:spPr>
         <p:style>
@@ -4316,12 +5335,153 @@
           </a:fontRef>
         </p:style>
         <p:txBody>
-          <a:bodyPr rtlCol="0" anchor="ctr"/>
-          <a:lstStyle/>
-          <a:p>
-            <a:pPr algn="ctr"/>
-            <a:r>
-              <a:rPr lang="en-US" smtClean="0">
+          <a:bodyPr vert="horz" lIns="91440" tIns="45720" rIns="91440" bIns="45720" rtlCol="0" anchor="ctr">
+            <a:normAutofit fontScale="47500" lnSpcReduction="20000"/>
+          </a:bodyPr>
+          <a:lstStyle>
+            <a:lvl1pPr marL="342900" indent="-342900" algn="l" defTabSz="914400" rtl="0" eaLnBrk="1" latinLnBrk="0" hangingPunct="1">
+              <a:spcBef>
+                <a:spcPct val="20000"/>
+              </a:spcBef>
+              <a:buFont typeface="Arial" panose="020B0604020202020204" pitchFamily="34" charset="0"/>
+              <a:buChar char="•"/>
+              <a:defRPr sz="3200" kern="1200">
+                <a:solidFill>
+                  <a:schemeClr val="lt1"/>
+                </a:solidFill>
+                <a:latin typeface="+mn-lt"/>
+                <a:ea typeface="+mn-ea"/>
+                <a:cs typeface="+mn-cs"/>
+              </a:defRPr>
+            </a:lvl1pPr>
+            <a:lvl2pPr marL="742950" indent="-285750" algn="l" defTabSz="914400" rtl="0" eaLnBrk="1" latinLnBrk="0" hangingPunct="1">
+              <a:spcBef>
+                <a:spcPct val="20000"/>
+              </a:spcBef>
+              <a:buFont typeface="Arial" panose="020B0604020202020204" pitchFamily="34" charset="0"/>
+              <a:buChar char="–"/>
+              <a:defRPr sz="2800" kern="1200">
+                <a:solidFill>
+                  <a:schemeClr val="lt1"/>
+                </a:solidFill>
+                <a:latin typeface="+mn-lt"/>
+                <a:ea typeface="+mn-ea"/>
+                <a:cs typeface="+mn-cs"/>
+              </a:defRPr>
+            </a:lvl2pPr>
+            <a:lvl3pPr marL="1143000" indent="-228600" algn="l" defTabSz="914400" rtl="0" eaLnBrk="1" latinLnBrk="0" hangingPunct="1">
+              <a:spcBef>
+                <a:spcPct val="20000"/>
+              </a:spcBef>
+              <a:buFont typeface="Arial" panose="020B0604020202020204" pitchFamily="34" charset="0"/>
+              <a:buChar char="•"/>
+              <a:defRPr sz="2400" kern="1200">
+                <a:solidFill>
+                  <a:schemeClr val="lt1"/>
+                </a:solidFill>
+                <a:latin typeface="+mn-lt"/>
+                <a:ea typeface="+mn-ea"/>
+                <a:cs typeface="+mn-cs"/>
+              </a:defRPr>
+            </a:lvl3pPr>
+            <a:lvl4pPr marL="1600200" indent="-228600" algn="l" defTabSz="914400" rtl="0" eaLnBrk="1" latinLnBrk="0" hangingPunct="1">
+              <a:spcBef>
+                <a:spcPct val="20000"/>
+              </a:spcBef>
+              <a:buFont typeface="Arial" panose="020B0604020202020204" pitchFamily="34" charset="0"/>
+              <a:buChar char="–"/>
+              <a:defRPr sz="2000" kern="1200">
+                <a:solidFill>
+                  <a:schemeClr val="lt1"/>
+                </a:solidFill>
+                <a:latin typeface="+mn-lt"/>
+                <a:ea typeface="+mn-ea"/>
+                <a:cs typeface="+mn-cs"/>
+              </a:defRPr>
+            </a:lvl4pPr>
+            <a:lvl5pPr marL="2057400" indent="-228600" algn="l" defTabSz="914400" rtl="0" eaLnBrk="1" latinLnBrk="0" hangingPunct="1">
+              <a:spcBef>
+                <a:spcPct val="20000"/>
+              </a:spcBef>
+              <a:buFont typeface="Arial" panose="020B0604020202020204" pitchFamily="34" charset="0"/>
+              <a:buChar char="»"/>
+              <a:defRPr sz="2000" kern="1200">
+                <a:solidFill>
+                  <a:schemeClr val="lt1"/>
+                </a:solidFill>
+                <a:latin typeface="+mn-lt"/>
+                <a:ea typeface="+mn-ea"/>
+                <a:cs typeface="+mn-cs"/>
+              </a:defRPr>
+            </a:lvl5pPr>
+            <a:lvl6pPr marL="2514600" indent="-228600" algn="l" defTabSz="914400" rtl="0" eaLnBrk="1" latinLnBrk="0" hangingPunct="1">
+              <a:spcBef>
+                <a:spcPct val="20000"/>
+              </a:spcBef>
+              <a:buFont typeface="Arial" panose="020B0604020202020204" pitchFamily="34" charset="0"/>
+              <a:buChar char="•"/>
+              <a:defRPr sz="2000" kern="1200">
+                <a:solidFill>
+                  <a:schemeClr val="lt1"/>
+                </a:solidFill>
+                <a:latin typeface="+mn-lt"/>
+                <a:ea typeface="+mn-ea"/>
+                <a:cs typeface="+mn-cs"/>
+              </a:defRPr>
+            </a:lvl6pPr>
+            <a:lvl7pPr marL="2971800" indent="-228600" algn="l" defTabSz="914400" rtl="0" eaLnBrk="1" latinLnBrk="0" hangingPunct="1">
+              <a:spcBef>
+                <a:spcPct val="20000"/>
+              </a:spcBef>
+              <a:buFont typeface="Arial" panose="020B0604020202020204" pitchFamily="34" charset="0"/>
+              <a:buChar char="•"/>
+              <a:defRPr sz="2000" kern="1200">
+                <a:solidFill>
+                  <a:schemeClr val="lt1"/>
+                </a:solidFill>
+                <a:latin typeface="+mn-lt"/>
+                <a:ea typeface="+mn-ea"/>
+                <a:cs typeface="+mn-cs"/>
+              </a:defRPr>
+            </a:lvl7pPr>
+            <a:lvl8pPr marL="3429000" indent="-228600" algn="l" defTabSz="914400" rtl="0" eaLnBrk="1" latinLnBrk="0" hangingPunct="1">
+              <a:spcBef>
+                <a:spcPct val="20000"/>
+              </a:spcBef>
+              <a:buFont typeface="Arial" panose="020B0604020202020204" pitchFamily="34" charset="0"/>
+              <a:buChar char="•"/>
+              <a:defRPr sz="2000" kern="1200">
+                <a:solidFill>
+                  <a:schemeClr val="lt1"/>
+                </a:solidFill>
+                <a:latin typeface="+mn-lt"/>
+                <a:ea typeface="+mn-ea"/>
+                <a:cs typeface="+mn-cs"/>
+              </a:defRPr>
+            </a:lvl8pPr>
+            <a:lvl9pPr marL="3886200" indent="-228600" algn="l" defTabSz="914400" rtl="0" eaLnBrk="1" latinLnBrk="0" hangingPunct="1">
+              <a:spcBef>
+                <a:spcPct val="20000"/>
+              </a:spcBef>
+              <a:buFont typeface="Arial" panose="020B0604020202020204" pitchFamily="34" charset="0"/>
+              <a:buChar char="•"/>
+              <a:defRPr sz="2000" kern="1200">
+                <a:solidFill>
+                  <a:schemeClr val="lt1"/>
+                </a:solidFill>
+                <a:latin typeface="+mn-lt"/>
+                <a:ea typeface="+mn-ea"/>
+                <a:cs typeface="+mn-cs"/>
+              </a:defRPr>
+            </a:lvl9pPr>
+          </a:lstStyle>
+          <a:p>
+            <a:pPr marL="0" indent="0" algn="ctr">
+              <a:buFont typeface="Arial" panose="020B0604020202020204" pitchFamily="34" charset="0"/>
+              <a:buNone/>
+            </a:pPr>
+            <a:r>
+              <a:rPr lang="en-US" dirty="0" err="1" smtClean="0">
                 <a:solidFill>
                   <a:schemeClr val="tx1"/>
                 </a:solidFill>
@@ -4338,14 +5498,16 @@
       </p:sp>
       <p:sp>
         <p:nvSpPr>
-          <p:cNvPr id="9" name="Snip Diagonal Corner Rectangle 8"/>
-          <p:cNvSpPr/>
+          <p:cNvPr id="9" name="Content Placeholder 3"/>
+          <p:cNvSpPr txBox="1">
+            <a:spLocks/>
+          </p:cNvSpPr>
           <p:nvPr/>
         </p:nvSpPr>
         <p:spPr>
           <a:xfrm>
-            <a:off x="233579" y="2653894"/>
-            <a:ext cx="1676400" cy="609600"/>
+            <a:off x="209342" y="2811669"/>
+            <a:ext cx="1363070" cy="464931"/>
           </a:xfrm>
           <a:prstGeom prst="snip2DiagRect">
             <a:avLst/>
@@ -4355,10 +5517,11 @@
               <a:lumMod val="90000"/>
             </a:schemeClr>
           </a:solidFill>
-          <a:ln>
+          <a:ln w="9525" cap="flat" cmpd="sng" algn="ctr">
             <a:solidFill>
               <a:schemeClr val="tx1"/>
             </a:solidFill>
+            <a:prstDash val="solid"/>
           </a:ln>
         </p:spPr>
         <p:style>
@@ -4376,12 +5539,153 @@
           </a:fontRef>
         </p:style>
         <p:txBody>
-          <a:bodyPr rtlCol="0" anchor="ctr"/>
-          <a:lstStyle/>
-          <a:p>
-            <a:pPr algn="ctr"/>
-            <a:r>
-              <a:rPr lang="en-US" dirty="0" err="1" smtClean="0">
+          <a:bodyPr vert="horz" lIns="91440" tIns="45720" rIns="91440" bIns="45720" rtlCol="0" anchor="ctr">
+            <a:normAutofit fontScale="62500" lnSpcReduction="20000"/>
+          </a:bodyPr>
+          <a:lstStyle>
+            <a:lvl1pPr marL="342900" indent="-342900" algn="l" defTabSz="914400" rtl="0" eaLnBrk="1" latinLnBrk="0" hangingPunct="1">
+              <a:spcBef>
+                <a:spcPct val="20000"/>
+              </a:spcBef>
+              <a:buFont typeface="Arial" panose="020B0604020202020204" pitchFamily="34" charset="0"/>
+              <a:buChar char="•"/>
+              <a:defRPr sz="3200" kern="1200">
+                <a:solidFill>
+                  <a:schemeClr val="lt1"/>
+                </a:solidFill>
+                <a:latin typeface="+mn-lt"/>
+                <a:ea typeface="+mn-ea"/>
+                <a:cs typeface="+mn-cs"/>
+              </a:defRPr>
+            </a:lvl1pPr>
+            <a:lvl2pPr marL="742950" indent="-285750" algn="l" defTabSz="914400" rtl="0" eaLnBrk="1" latinLnBrk="0" hangingPunct="1">
+              <a:spcBef>
+                <a:spcPct val="20000"/>
+              </a:spcBef>
+              <a:buFont typeface="Arial" panose="020B0604020202020204" pitchFamily="34" charset="0"/>
+              <a:buChar char="–"/>
+              <a:defRPr sz="2800" kern="1200">
+                <a:solidFill>
+                  <a:schemeClr val="lt1"/>
+                </a:solidFill>
+                <a:latin typeface="+mn-lt"/>
+                <a:ea typeface="+mn-ea"/>
+                <a:cs typeface="+mn-cs"/>
+              </a:defRPr>
+            </a:lvl2pPr>
+            <a:lvl3pPr marL="1143000" indent="-228600" algn="l" defTabSz="914400" rtl="0" eaLnBrk="1" latinLnBrk="0" hangingPunct="1">
+              <a:spcBef>
+                <a:spcPct val="20000"/>
+              </a:spcBef>
+              <a:buFont typeface="Arial" panose="020B0604020202020204" pitchFamily="34" charset="0"/>
+              <a:buChar char="•"/>
+              <a:defRPr sz="2400" kern="1200">
+                <a:solidFill>
+                  <a:schemeClr val="lt1"/>
+                </a:solidFill>
+                <a:latin typeface="+mn-lt"/>
+                <a:ea typeface="+mn-ea"/>
+                <a:cs typeface="+mn-cs"/>
+              </a:defRPr>
+            </a:lvl3pPr>
+            <a:lvl4pPr marL="1600200" indent="-228600" algn="l" defTabSz="914400" rtl="0" eaLnBrk="1" latinLnBrk="0" hangingPunct="1">
+              <a:spcBef>
+                <a:spcPct val="20000"/>
+              </a:spcBef>
+              <a:buFont typeface="Arial" panose="020B0604020202020204" pitchFamily="34" charset="0"/>
+              <a:buChar char="–"/>
+              <a:defRPr sz="2000" kern="1200">
+                <a:solidFill>
+                  <a:schemeClr val="lt1"/>
+                </a:solidFill>
+                <a:latin typeface="+mn-lt"/>
+                <a:ea typeface="+mn-ea"/>
+                <a:cs typeface="+mn-cs"/>
+              </a:defRPr>
+            </a:lvl4pPr>
+            <a:lvl5pPr marL="2057400" indent="-228600" algn="l" defTabSz="914400" rtl="0" eaLnBrk="1" latinLnBrk="0" hangingPunct="1">
+              <a:spcBef>
+                <a:spcPct val="20000"/>
+              </a:spcBef>
+              <a:buFont typeface="Arial" panose="020B0604020202020204" pitchFamily="34" charset="0"/>
+              <a:buChar char="»"/>
+              <a:defRPr sz="2000" kern="1200">
+                <a:solidFill>
+                  <a:schemeClr val="lt1"/>
+                </a:solidFill>
+                <a:latin typeface="+mn-lt"/>
+                <a:ea typeface="+mn-ea"/>
+                <a:cs typeface="+mn-cs"/>
+              </a:defRPr>
+            </a:lvl5pPr>
+            <a:lvl6pPr marL="2514600" indent="-228600" algn="l" defTabSz="914400" rtl="0" eaLnBrk="1" latinLnBrk="0" hangingPunct="1">
+              <a:spcBef>
+                <a:spcPct val="20000"/>
+              </a:spcBef>
+              <a:buFont typeface="Arial" panose="020B0604020202020204" pitchFamily="34" charset="0"/>
+              <a:buChar char="•"/>
+              <a:defRPr sz="2000" kern="1200">
+                <a:solidFill>
+                  <a:schemeClr val="lt1"/>
+                </a:solidFill>
+                <a:latin typeface="+mn-lt"/>
+                <a:ea typeface="+mn-ea"/>
+                <a:cs typeface="+mn-cs"/>
+              </a:defRPr>
+            </a:lvl6pPr>
+            <a:lvl7pPr marL="2971800" indent="-228600" algn="l" defTabSz="914400" rtl="0" eaLnBrk="1" latinLnBrk="0" hangingPunct="1">
+              <a:spcBef>
+                <a:spcPct val="20000"/>
+              </a:spcBef>
+              <a:buFont typeface="Arial" panose="020B0604020202020204" pitchFamily="34" charset="0"/>
+              <a:buChar char="•"/>
+              <a:defRPr sz="2000" kern="1200">
+                <a:solidFill>
+                  <a:schemeClr val="lt1"/>
+                </a:solidFill>
+                <a:latin typeface="+mn-lt"/>
+                <a:ea typeface="+mn-ea"/>
+                <a:cs typeface="+mn-cs"/>
+              </a:defRPr>
+            </a:lvl7pPr>
+            <a:lvl8pPr marL="3429000" indent="-228600" algn="l" defTabSz="914400" rtl="0" eaLnBrk="1" latinLnBrk="0" hangingPunct="1">
+              <a:spcBef>
+                <a:spcPct val="20000"/>
+              </a:spcBef>
+              <a:buFont typeface="Arial" panose="020B0604020202020204" pitchFamily="34" charset="0"/>
+              <a:buChar char="•"/>
+              <a:defRPr sz="2000" kern="1200">
+                <a:solidFill>
+                  <a:schemeClr val="lt1"/>
+                </a:solidFill>
+                <a:latin typeface="+mn-lt"/>
+                <a:ea typeface="+mn-ea"/>
+                <a:cs typeface="+mn-cs"/>
+              </a:defRPr>
+            </a:lvl8pPr>
+            <a:lvl9pPr marL="3886200" indent="-228600" algn="l" defTabSz="914400" rtl="0" eaLnBrk="1" latinLnBrk="0" hangingPunct="1">
+              <a:spcBef>
+                <a:spcPct val="20000"/>
+              </a:spcBef>
+              <a:buFont typeface="Arial" panose="020B0604020202020204" pitchFamily="34" charset="0"/>
+              <a:buChar char="•"/>
+              <a:defRPr sz="2000" kern="1200">
+                <a:solidFill>
+                  <a:schemeClr val="lt1"/>
+                </a:solidFill>
+                <a:latin typeface="+mn-lt"/>
+                <a:ea typeface="+mn-ea"/>
+                <a:cs typeface="+mn-cs"/>
+              </a:defRPr>
+            </a:lvl9pPr>
+          </a:lstStyle>
+          <a:p>
+            <a:pPr marL="0" indent="0" algn="ctr">
+              <a:buFont typeface="Arial" panose="020B0604020202020204" pitchFamily="34" charset="0"/>
+              <a:buNone/>
+            </a:pPr>
+            <a:r>
+              <a:rPr lang="en-US" smtClean="0">
                 <a:solidFill>
                   <a:schemeClr val="tx1"/>
                 </a:solidFill>
@@ -4400,15 +5704,15 @@
         <p:nvCxnSpPr>
           <p:cNvPr id="11" name="Straight Arrow Connector 10"/>
           <p:cNvCxnSpPr>
-            <a:stCxn id="6" idx="2"/>
-            <a:endCxn id="7" idx="0"/>
+            <a:stCxn id="4" idx="2"/>
+            <a:endCxn id="6" idx="0"/>
           </p:cNvCxnSpPr>
           <p:nvPr/>
         </p:nvCxnSpPr>
         <p:spPr>
           <a:xfrm flipH="1" flipV="1">
-            <a:off x="1909979" y="1363799"/>
-            <a:ext cx="508634" cy="1292434"/>
+            <a:off x="3362109" y="2939831"/>
+            <a:ext cx="960261" cy="33852"/>
           </a:xfrm>
           <a:prstGeom prst="straightConnector1">
             <a:avLst/>
@@ -4434,17 +5738,17 @@
       </p:cxnSp>
       <p:cxnSp>
         <p:nvCxnSpPr>
-          <p:cNvPr id="13" name="Straight Arrow Connector 12"/>
+          <p:cNvPr id="17" name="Straight Arrow Connector 16"/>
           <p:cNvCxnSpPr>
-            <a:stCxn id="6" idx="2"/>
-            <a:endCxn id="8" idx="0"/>
+            <a:stCxn id="9" idx="0"/>
+            <a:endCxn id="6" idx="2"/>
           </p:cNvCxnSpPr>
           <p:nvPr/>
         </p:nvCxnSpPr>
         <p:spPr>
-          <a:xfrm flipH="1" flipV="1">
-            <a:off x="1909979" y="2174284"/>
-            <a:ext cx="508634" cy="481949"/>
+          <a:xfrm flipV="1">
+            <a:off x="1572412" y="2939831"/>
+            <a:ext cx="408788" cy="104304"/>
           </a:xfrm>
           <a:prstGeom prst="straightConnector1">
             <a:avLst/>
@@ -4468,19 +5772,425 @@
           </a:fontRef>
         </p:style>
       </p:cxnSp>
+      <p:sp>
+        <p:nvSpPr>
+          <p:cNvPr id="18" name="Content Placeholder 3"/>
+          <p:cNvSpPr txBox="1">
+            <a:spLocks/>
+          </p:cNvSpPr>
+          <p:nvPr/>
+        </p:nvSpPr>
+        <p:spPr>
+          <a:xfrm>
+            <a:off x="7105255" y="2737116"/>
+            <a:ext cx="948223" cy="521486"/>
+          </a:xfrm>
+          <a:prstGeom prst="snip2DiagRect">
+            <a:avLst/>
+          </a:prstGeom>
+          <a:solidFill>
+            <a:schemeClr val="bg1"/>
+          </a:solidFill>
+          <a:ln w="9525" cap="flat" cmpd="sng" algn="ctr">
+            <a:solidFill>
+              <a:schemeClr val="tx1"/>
+            </a:solidFill>
+            <a:prstDash val="solid"/>
+          </a:ln>
+        </p:spPr>
+        <p:style>
+          <a:lnRef idx="1">
+            <a:schemeClr val="accent1"/>
+          </a:lnRef>
+          <a:fillRef idx="3">
+            <a:schemeClr val="accent1"/>
+          </a:fillRef>
+          <a:effectRef idx="2">
+            <a:schemeClr val="accent1"/>
+          </a:effectRef>
+          <a:fontRef idx="minor">
+            <a:schemeClr val="lt1"/>
+          </a:fontRef>
+        </p:style>
+        <p:txBody>
+          <a:bodyPr vert="horz" lIns="91440" tIns="45720" rIns="91440" bIns="45720" rtlCol="0" anchor="ctr">
+            <a:normAutofit fontScale="85000" lnSpcReduction="20000"/>
+          </a:bodyPr>
+          <a:lstStyle>
+            <a:lvl1pPr marL="342900" indent="-342900" algn="l" defTabSz="914400" rtl="0" eaLnBrk="1" latinLnBrk="0" hangingPunct="1">
+              <a:spcBef>
+                <a:spcPct val="20000"/>
+              </a:spcBef>
+              <a:buFont typeface="Arial" panose="020B0604020202020204" pitchFamily="34" charset="0"/>
+              <a:buChar char="•"/>
+              <a:defRPr sz="3200" kern="1200">
+                <a:solidFill>
+                  <a:schemeClr val="lt1"/>
+                </a:solidFill>
+                <a:latin typeface="+mn-lt"/>
+                <a:ea typeface="+mn-ea"/>
+                <a:cs typeface="+mn-cs"/>
+              </a:defRPr>
+            </a:lvl1pPr>
+            <a:lvl2pPr marL="742950" indent="-285750" algn="l" defTabSz="914400" rtl="0" eaLnBrk="1" latinLnBrk="0" hangingPunct="1">
+              <a:spcBef>
+                <a:spcPct val="20000"/>
+              </a:spcBef>
+              <a:buFont typeface="Arial" panose="020B0604020202020204" pitchFamily="34" charset="0"/>
+              <a:buChar char="–"/>
+              <a:defRPr sz="2800" kern="1200">
+                <a:solidFill>
+                  <a:schemeClr val="lt1"/>
+                </a:solidFill>
+                <a:latin typeface="+mn-lt"/>
+                <a:ea typeface="+mn-ea"/>
+                <a:cs typeface="+mn-cs"/>
+              </a:defRPr>
+            </a:lvl2pPr>
+            <a:lvl3pPr marL="1143000" indent="-228600" algn="l" defTabSz="914400" rtl="0" eaLnBrk="1" latinLnBrk="0" hangingPunct="1">
+              <a:spcBef>
+                <a:spcPct val="20000"/>
+              </a:spcBef>
+              <a:buFont typeface="Arial" panose="020B0604020202020204" pitchFamily="34" charset="0"/>
+              <a:buChar char="•"/>
+              <a:defRPr sz="2400" kern="1200">
+                <a:solidFill>
+                  <a:schemeClr val="lt1"/>
+                </a:solidFill>
+                <a:latin typeface="+mn-lt"/>
+                <a:ea typeface="+mn-ea"/>
+                <a:cs typeface="+mn-cs"/>
+              </a:defRPr>
+            </a:lvl3pPr>
+            <a:lvl4pPr marL="1600200" indent="-228600" algn="l" defTabSz="914400" rtl="0" eaLnBrk="1" latinLnBrk="0" hangingPunct="1">
+              <a:spcBef>
+                <a:spcPct val="20000"/>
+              </a:spcBef>
+              <a:buFont typeface="Arial" panose="020B0604020202020204" pitchFamily="34" charset="0"/>
+              <a:buChar char="–"/>
+              <a:defRPr sz="2000" kern="1200">
+                <a:solidFill>
+                  <a:schemeClr val="lt1"/>
+                </a:solidFill>
+                <a:latin typeface="+mn-lt"/>
+                <a:ea typeface="+mn-ea"/>
+                <a:cs typeface="+mn-cs"/>
+              </a:defRPr>
+            </a:lvl4pPr>
+            <a:lvl5pPr marL="2057400" indent="-228600" algn="l" defTabSz="914400" rtl="0" eaLnBrk="1" latinLnBrk="0" hangingPunct="1">
+              <a:spcBef>
+                <a:spcPct val="20000"/>
+              </a:spcBef>
+              <a:buFont typeface="Arial" panose="020B0604020202020204" pitchFamily="34" charset="0"/>
+              <a:buChar char="»"/>
+              <a:defRPr sz="2000" kern="1200">
+                <a:solidFill>
+                  <a:schemeClr val="lt1"/>
+                </a:solidFill>
+                <a:latin typeface="+mn-lt"/>
+                <a:ea typeface="+mn-ea"/>
+                <a:cs typeface="+mn-cs"/>
+              </a:defRPr>
+            </a:lvl5pPr>
+            <a:lvl6pPr marL="2514600" indent="-228600" algn="l" defTabSz="914400" rtl="0" eaLnBrk="1" latinLnBrk="0" hangingPunct="1">
+              <a:spcBef>
+                <a:spcPct val="20000"/>
+              </a:spcBef>
+              <a:buFont typeface="Arial" panose="020B0604020202020204" pitchFamily="34" charset="0"/>
+              <a:buChar char="•"/>
+              <a:defRPr sz="2000" kern="1200">
+                <a:solidFill>
+                  <a:schemeClr val="lt1"/>
+                </a:solidFill>
+                <a:latin typeface="+mn-lt"/>
+                <a:ea typeface="+mn-ea"/>
+                <a:cs typeface="+mn-cs"/>
+              </a:defRPr>
+            </a:lvl6pPr>
+            <a:lvl7pPr marL="2971800" indent="-228600" algn="l" defTabSz="914400" rtl="0" eaLnBrk="1" latinLnBrk="0" hangingPunct="1">
+              <a:spcBef>
+                <a:spcPct val="20000"/>
+              </a:spcBef>
+              <a:buFont typeface="Arial" panose="020B0604020202020204" pitchFamily="34" charset="0"/>
+              <a:buChar char="•"/>
+              <a:defRPr sz="2000" kern="1200">
+                <a:solidFill>
+                  <a:schemeClr val="lt1"/>
+                </a:solidFill>
+                <a:latin typeface="+mn-lt"/>
+                <a:ea typeface="+mn-ea"/>
+                <a:cs typeface="+mn-cs"/>
+              </a:defRPr>
+            </a:lvl7pPr>
+            <a:lvl8pPr marL="3429000" indent="-228600" algn="l" defTabSz="914400" rtl="0" eaLnBrk="1" latinLnBrk="0" hangingPunct="1">
+              <a:spcBef>
+                <a:spcPct val="20000"/>
+              </a:spcBef>
+              <a:buFont typeface="Arial" panose="020B0604020202020204" pitchFamily="34" charset="0"/>
+              <a:buChar char="•"/>
+              <a:defRPr sz="2000" kern="1200">
+                <a:solidFill>
+                  <a:schemeClr val="lt1"/>
+                </a:solidFill>
+                <a:latin typeface="+mn-lt"/>
+                <a:ea typeface="+mn-ea"/>
+                <a:cs typeface="+mn-cs"/>
+              </a:defRPr>
+            </a:lvl8pPr>
+            <a:lvl9pPr marL="3886200" indent="-228600" algn="l" defTabSz="914400" rtl="0" eaLnBrk="1" latinLnBrk="0" hangingPunct="1">
+              <a:spcBef>
+                <a:spcPct val="20000"/>
+              </a:spcBef>
+              <a:buFont typeface="Arial" panose="020B0604020202020204" pitchFamily="34" charset="0"/>
+              <a:buChar char="•"/>
+              <a:defRPr sz="2000" kern="1200">
+                <a:solidFill>
+                  <a:schemeClr val="lt1"/>
+                </a:solidFill>
+                <a:latin typeface="+mn-lt"/>
+                <a:ea typeface="+mn-ea"/>
+                <a:cs typeface="+mn-cs"/>
+              </a:defRPr>
+            </a:lvl9pPr>
+          </a:lstStyle>
+          <a:p>
+            <a:pPr marL="0" indent="0" algn="ctr">
+              <a:buFont typeface="Arial" panose="020B0604020202020204" pitchFamily="34" charset="0"/>
+              <a:buNone/>
+            </a:pPr>
+            <a:r>
+              <a:rPr lang="en-US" dirty="0" smtClean="0">
+                <a:solidFill>
+                  <a:schemeClr val="tx1"/>
+                </a:solidFill>
+              </a:rPr>
+              <a:t>HUD</a:t>
+            </a:r>
+            <a:endParaRPr lang="en-US" dirty="0">
+              <a:solidFill>
+                <a:schemeClr val="tx1"/>
+              </a:solidFill>
+            </a:endParaRPr>
+          </a:p>
+        </p:txBody>
+      </p:sp>
+      <p:sp>
+        <p:nvSpPr>
+          <p:cNvPr id="19" name="Content Placeholder 3"/>
+          <p:cNvSpPr txBox="1">
+            <a:spLocks/>
+          </p:cNvSpPr>
+          <p:nvPr/>
+        </p:nvSpPr>
+        <p:spPr>
+          <a:xfrm>
+            <a:off x="7102177" y="3645475"/>
+            <a:ext cx="948223" cy="521486"/>
+          </a:xfrm>
+          <a:prstGeom prst="snip2DiagRect">
+            <a:avLst/>
+          </a:prstGeom>
+          <a:solidFill>
+            <a:schemeClr val="bg2">
+              <a:lumMod val="90000"/>
+            </a:schemeClr>
+          </a:solidFill>
+          <a:ln w="9525" cap="flat" cmpd="sng" algn="ctr">
+            <a:solidFill>
+              <a:schemeClr val="tx1"/>
+            </a:solidFill>
+            <a:prstDash val="solid"/>
+          </a:ln>
+        </p:spPr>
+        <p:style>
+          <a:lnRef idx="1">
+            <a:schemeClr val="accent1"/>
+          </a:lnRef>
+          <a:fillRef idx="3">
+            <a:schemeClr val="accent1"/>
+          </a:fillRef>
+          <a:effectRef idx="2">
+            <a:schemeClr val="accent1"/>
+          </a:effectRef>
+          <a:fontRef idx="minor">
+            <a:schemeClr val="lt1"/>
+          </a:fontRef>
+        </p:style>
+        <p:txBody>
+          <a:bodyPr vert="horz" lIns="91440" tIns="45720" rIns="91440" bIns="45720" rtlCol="0" anchor="ctr">
+            <a:normAutofit fontScale="70000" lnSpcReduction="20000"/>
+          </a:bodyPr>
+          <a:lstStyle>
+            <a:lvl1pPr marL="342900" indent="-342900" algn="l" defTabSz="914400" rtl="0" eaLnBrk="1" latinLnBrk="0" hangingPunct="1">
+              <a:spcBef>
+                <a:spcPct val="20000"/>
+              </a:spcBef>
+              <a:buFont typeface="Arial" panose="020B0604020202020204" pitchFamily="34" charset="0"/>
+              <a:buChar char="•"/>
+              <a:defRPr sz="3200" kern="1200">
+                <a:solidFill>
+                  <a:schemeClr val="lt1"/>
+                </a:solidFill>
+                <a:latin typeface="+mn-lt"/>
+                <a:ea typeface="+mn-ea"/>
+                <a:cs typeface="+mn-cs"/>
+              </a:defRPr>
+            </a:lvl1pPr>
+            <a:lvl2pPr marL="742950" indent="-285750" algn="l" defTabSz="914400" rtl="0" eaLnBrk="1" latinLnBrk="0" hangingPunct="1">
+              <a:spcBef>
+                <a:spcPct val="20000"/>
+              </a:spcBef>
+              <a:buFont typeface="Arial" panose="020B0604020202020204" pitchFamily="34" charset="0"/>
+              <a:buChar char="–"/>
+              <a:defRPr sz="2800" kern="1200">
+                <a:solidFill>
+                  <a:schemeClr val="lt1"/>
+                </a:solidFill>
+                <a:latin typeface="+mn-lt"/>
+                <a:ea typeface="+mn-ea"/>
+                <a:cs typeface="+mn-cs"/>
+              </a:defRPr>
+            </a:lvl2pPr>
+            <a:lvl3pPr marL="1143000" indent="-228600" algn="l" defTabSz="914400" rtl="0" eaLnBrk="1" latinLnBrk="0" hangingPunct="1">
+              <a:spcBef>
+                <a:spcPct val="20000"/>
+              </a:spcBef>
+              <a:buFont typeface="Arial" panose="020B0604020202020204" pitchFamily="34" charset="0"/>
+              <a:buChar char="•"/>
+              <a:defRPr sz="2400" kern="1200">
+                <a:solidFill>
+                  <a:schemeClr val="lt1"/>
+                </a:solidFill>
+                <a:latin typeface="+mn-lt"/>
+                <a:ea typeface="+mn-ea"/>
+                <a:cs typeface="+mn-cs"/>
+              </a:defRPr>
+            </a:lvl3pPr>
+            <a:lvl4pPr marL="1600200" indent="-228600" algn="l" defTabSz="914400" rtl="0" eaLnBrk="1" latinLnBrk="0" hangingPunct="1">
+              <a:spcBef>
+                <a:spcPct val="20000"/>
+              </a:spcBef>
+              <a:buFont typeface="Arial" panose="020B0604020202020204" pitchFamily="34" charset="0"/>
+              <a:buChar char="–"/>
+              <a:defRPr sz="2000" kern="1200">
+                <a:solidFill>
+                  <a:schemeClr val="lt1"/>
+                </a:solidFill>
+                <a:latin typeface="+mn-lt"/>
+                <a:ea typeface="+mn-ea"/>
+                <a:cs typeface="+mn-cs"/>
+              </a:defRPr>
+            </a:lvl4pPr>
+            <a:lvl5pPr marL="2057400" indent="-228600" algn="l" defTabSz="914400" rtl="0" eaLnBrk="1" latinLnBrk="0" hangingPunct="1">
+              <a:spcBef>
+                <a:spcPct val="20000"/>
+              </a:spcBef>
+              <a:buFont typeface="Arial" panose="020B0604020202020204" pitchFamily="34" charset="0"/>
+              <a:buChar char="»"/>
+              <a:defRPr sz="2000" kern="1200">
+                <a:solidFill>
+                  <a:schemeClr val="lt1"/>
+                </a:solidFill>
+                <a:latin typeface="+mn-lt"/>
+                <a:ea typeface="+mn-ea"/>
+                <a:cs typeface="+mn-cs"/>
+              </a:defRPr>
+            </a:lvl5pPr>
+            <a:lvl6pPr marL="2514600" indent="-228600" algn="l" defTabSz="914400" rtl="0" eaLnBrk="1" latinLnBrk="0" hangingPunct="1">
+              <a:spcBef>
+                <a:spcPct val="20000"/>
+              </a:spcBef>
+              <a:buFont typeface="Arial" panose="020B0604020202020204" pitchFamily="34" charset="0"/>
+              <a:buChar char="•"/>
+              <a:defRPr sz="2000" kern="1200">
+                <a:solidFill>
+                  <a:schemeClr val="lt1"/>
+                </a:solidFill>
+                <a:latin typeface="+mn-lt"/>
+                <a:ea typeface="+mn-ea"/>
+                <a:cs typeface="+mn-cs"/>
+              </a:defRPr>
+            </a:lvl6pPr>
+            <a:lvl7pPr marL="2971800" indent="-228600" algn="l" defTabSz="914400" rtl="0" eaLnBrk="1" latinLnBrk="0" hangingPunct="1">
+              <a:spcBef>
+                <a:spcPct val="20000"/>
+              </a:spcBef>
+              <a:buFont typeface="Arial" panose="020B0604020202020204" pitchFamily="34" charset="0"/>
+              <a:buChar char="•"/>
+              <a:defRPr sz="2000" kern="1200">
+                <a:solidFill>
+                  <a:schemeClr val="lt1"/>
+                </a:solidFill>
+                <a:latin typeface="+mn-lt"/>
+                <a:ea typeface="+mn-ea"/>
+                <a:cs typeface="+mn-cs"/>
+              </a:defRPr>
+            </a:lvl7pPr>
+            <a:lvl8pPr marL="3429000" indent="-228600" algn="l" defTabSz="914400" rtl="0" eaLnBrk="1" latinLnBrk="0" hangingPunct="1">
+              <a:spcBef>
+                <a:spcPct val="20000"/>
+              </a:spcBef>
+              <a:buFont typeface="Arial" panose="020B0604020202020204" pitchFamily="34" charset="0"/>
+              <a:buChar char="•"/>
+              <a:defRPr sz="2000" kern="1200">
+                <a:solidFill>
+                  <a:schemeClr val="lt1"/>
+                </a:solidFill>
+                <a:latin typeface="+mn-lt"/>
+                <a:ea typeface="+mn-ea"/>
+                <a:cs typeface="+mn-cs"/>
+              </a:defRPr>
+            </a:lvl8pPr>
+            <a:lvl9pPr marL="3886200" indent="-228600" algn="l" defTabSz="914400" rtl="0" eaLnBrk="1" latinLnBrk="0" hangingPunct="1">
+              <a:spcBef>
+                <a:spcPct val="20000"/>
+              </a:spcBef>
+              <a:buFont typeface="Arial" panose="020B0604020202020204" pitchFamily="34" charset="0"/>
+              <a:buChar char="•"/>
+              <a:defRPr sz="2000" kern="1200">
+                <a:solidFill>
+                  <a:schemeClr val="lt1"/>
+                </a:solidFill>
+                <a:latin typeface="+mn-lt"/>
+                <a:ea typeface="+mn-ea"/>
+                <a:cs typeface="+mn-cs"/>
+              </a:defRPr>
+            </a:lvl9pPr>
+          </a:lstStyle>
+          <a:p>
+            <a:pPr marL="0" indent="0" algn="ctr">
+              <a:buFont typeface="Arial" panose="020B0604020202020204" pitchFamily="34" charset="0"/>
+              <a:buNone/>
+            </a:pPr>
+            <a:r>
+              <a:rPr lang="en-US" smtClean="0">
+                <a:solidFill>
+                  <a:schemeClr val="tx1"/>
+                </a:solidFill>
+              </a:rPr>
+              <a:t>Score</a:t>
+            </a:r>
+            <a:endParaRPr lang="en-US" dirty="0">
+              <a:solidFill>
+                <a:schemeClr val="tx1"/>
+              </a:solidFill>
+            </a:endParaRPr>
+          </a:p>
+        </p:txBody>
+      </p:sp>
       <p:cxnSp>
         <p:nvCxnSpPr>
-          <p:cNvPr id="15" name="Straight Arrow Connector 14"/>
+          <p:cNvPr id="22" name="Straight Arrow Connector 21"/>
           <p:cNvCxnSpPr>
-            <a:stCxn id="6" idx="2"/>
-            <a:endCxn id="9" idx="0"/>
+            <a:stCxn id="4" idx="0"/>
+            <a:endCxn id="18" idx="2"/>
           </p:cNvCxnSpPr>
           <p:nvPr/>
         </p:nvCxnSpPr>
         <p:spPr>
-          <a:xfrm flipH="1">
-            <a:off x="1909979" y="2656233"/>
-            <a:ext cx="508634" cy="302461"/>
+          <a:xfrm>
+            <a:off x="5669676" y="2973683"/>
+            <a:ext cx="1435579" cy="24176"/>
           </a:xfrm>
           <a:prstGeom prst="straightConnector1">
             <a:avLst/>
@@ -4506,17 +6216,17 @@
       </p:cxnSp>
       <p:cxnSp>
         <p:nvCxnSpPr>
-          <p:cNvPr id="17" name="Straight Arrow Connector 16"/>
+          <p:cNvPr id="24" name="Straight Arrow Connector 23"/>
           <p:cNvCxnSpPr>
-            <a:stCxn id="5" idx="2"/>
-            <a:endCxn id="6" idx="3"/>
+            <a:stCxn id="18" idx="1"/>
+            <a:endCxn id="19" idx="3"/>
           </p:cNvCxnSpPr>
           <p:nvPr/>
         </p:nvCxnSpPr>
         <p:spPr>
           <a:xfrm flipH="1">
-            <a:off x="3218713" y="1661319"/>
-            <a:ext cx="819887" cy="690114"/>
+            <a:off x="7576289" y="3258602"/>
+            <a:ext cx="3078" cy="386873"/>
           </a:xfrm>
           <a:prstGeom prst="straightConnector1">
             <a:avLst/>
@@ -4542,14 +6252,16 @@
       </p:cxnSp>
       <p:sp>
         <p:nvSpPr>
-          <p:cNvPr id="18" name="Snip Diagonal Corner Rectangle 17"/>
-          <p:cNvSpPr/>
+          <p:cNvPr id="35" name="Content Placeholder 3"/>
+          <p:cNvSpPr txBox="1">
+            <a:spLocks/>
+          </p:cNvSpPr>
           <p:nvPr/>
         </p:nvSpPr>
         <p:spPr>
           <a:xfrm>
-            <a:off x="7239000" y="2355121"/>
-            <a:ext cx="1066800" cy="609600"/>
+            <a:off x="2819401" y="4279114"/>
+            <a:ext cx="1071346" cy="521486"/>
           </a:xfrm>
           <a:prstGeom prst="snip2DiagRect">
             <a:avLst/>
@@ -4557,10 +6269,11 @@
           <a:solidFill>
             <a:schemeClr val="bg1"/>
           </a:solidFill>
-          <a:ln>
+          <a:ln w="9525" cap="flat" cmpd="sng" algn="ctr">
             <a:solidFill>
               <a:schemeClr val="tx1"/>
             </a:solidFill>
+            <a:prstDash val="solid"/>
           </a:ln>
         </p:spPr>
         <p:style>
@@ -4578,17 +6291,158 @@
           </a:fontRef>
         </p:style>
         <p:txBody>
-          <a:bodyPr rtlCol="0" anchor="ctr"/>
-          <a:lstStyle/>
-          <a:p>
-            <a:pPr algn="ctr"/>
-            <a:r>
-              <a:rPr lang="en-US" dirty="0" err="1" smtClean="0">
+          <a:bodyPr vert="horz" lIns="91440" tIns="45720" rIns="91440" bIns="45720" rtlCol="0" anchor="ctr">
+            <a:normAutofit fontScale="85000" lnSpcReduction="20000"/>
+          </a:bodyPr>
+          <a:lstStyle>
+            <a:lvl1pPr marL="342900" indent="-342900" algn="l" defTabSz="914400" rtl="0" eaLnBrk="1" latinLnBrk="0" hangingPunct="1">
+              <a:spcBef>
+                <a:spcPct val="20000"/>
+              </a:spcBef>
+              <a:buFont typeface="Arial" panose="020B0604020202020204" pitchFamily="34" charset="0"/>
+              <a:buChar char="•"/>
+              <a:defRPr sz="3200" kern="1200">
+                <a:solidFill>
+                  <a:schemeClr val="lt1"/>
+                </a:solidFill>
+                <a:latin typeface="+mn-lt"/>
+                <a:ea typeface="+mn-ea"/>
+                <a:cs typeface="+mn-cs"/>
+              </a:defRPr>
+            </a:lvl1pPr>
+            <a:lvl2pPr marL="742950" indent="-285750" algn="l" defTabSz="914400" rtl="0" eaLnBrk="1" latinLnBrk="0" hangingPunct="1">
+              <a:spcBef>
+                <a:spcPct val="20000"/>
+              </a:spcBef>
+              <a:buFont typeface="Arial" panose="020B0604020202020204" pitchFamily="34" charset="0"/>
+              <a:buChar char="–"/>
+              <a:defRPr sz="2800" kern="1200">
+                <a:solidFill>
+                  <a:schemeClr val="lt1"/>
+                </a:solidFill>
+                <a:latin typeface="+mn-lt"/>
+                <a:ea typeface="+mn-ea"/>
+                <a:cs typeface="+mn-cs"/>
+              </a:defRPr>
+            </a:lvl2pPr>
+            <a:lvl3pPr marL="1143000" indent="-228600" algn="l" defTabSz="914400" rtl="0" eaLnBrk="1" latinLnBrk="0" hangingPunct="1">
+              <a:spcBef>
+                <a:spcPct val="20000"/>
+              </a:spcBef>
+              <a:buFont typeface="Arial" panose="020B0604020202020204" pitchFamily="34" charset="0"/>
+              <a:buChar char="•"/>
+              <a:defRPr sz="2400" kern="1200">
+                <a:solidFill>
+                  <a:schemeClr val="lt1"/>
+                </a:solidFill>
+                <a:latin typeface="+mn-lt"/>
+                <a:ea typeface="+mn-ea"/>
+                <a:cs typeface="+mn-cs"/>
+              </a:defRPr>
+            </a:lvl3pPr>
+            <a:lvl4pPr marL="1600200" indent="-228600" algn="l" defTabSz="914400" rtl="0" eaLnBrk="1" latinLnBrk="0" hangingPunct="1">
+              <a:spcBef>
+                <a:spcPct val="20000"/>
+              </a:spcBef>
+              <a:buFont typeface="Arial" panose="020B0604020202020204" pitchFamily="34" charset="0"/>
+              <a:buChar char="–"/>
+              <a:defRPr sz="2000" kern="1200">
+                <a:solidFill>
+                  <a:schemeClr val="lt1"/>
+                </a:solidFill>
+                <a:latin typeface="+mn-lt"/>
+                <a:ea typeface="+mn-ea"/>
+                <a:cs typeface="+mn-cs"/>
+              </a:defRPr>
+            </a:lvl4pPr>
+            <a:lvl5pPr marL="2057400" indent="-228600" algn="l" defTabSz="914400" rtl="0" eaLnBrk="1" latinLnBrk="0" hangingPunct="1">
+              <a:spcBef>
+                <a:spcPct val="20000"/>
+              </a:spcBef>
+              <a:buFont typeface="Arial" panose="020B0604020202020204" pitchFamily="34" charset="0"/>
+              <a:buChar char="»"/>
+              <a:defRPr sz="2000" kern="1200">
+                <a:solidFill>
+                  <a:schemeClr val="lt1"/>
+                </a:solidFill>
+                <a:latin typeface="+mn-lt"/>
+                <a:ea typeface="+mn-ea"/>
+                <a:cs typeface="+mn-cs"/>
+              </a:defRPr>
+            </a:lvl5pPr>
+            <a:lvl6pPr marL="2514600" indent="-228600" algn="l" defTabSz="914400" rtl="0" eaLnBrk="1" latinLnBrk="0" hangingPunct="1">
+              <a:spcBef>
+                <a:spcPct val="20000"/>
+              </a:spcBef>
+              <a:buFont typeface="Arial" panose="020B0604020202020204" pitchFamily="34" charset="0"/>
+              <a:buChar char="•"/>
+              <a:defRPr sz="2000" kern="1200">
+                <a:solidFill>
+                  <a:schemeClr val="lt1"/>
+                </a:solidFill>
+                <a:latin typeface="+mn-lt"/>
+                <a:ea typeface="+mn-ea"/>
+                <a:cs typeface="+mn-cs"/>
+              </a:defRPr>
+            </a:lvl6pPr>
+            <a:lvl7pPr marL="2971800" indent="-228600" algn="l" defTabSz="914400" rtl="0" eaLnBrk="1" latinLnBrk="0" hangingPunct="1">
+              <a:spcBef>
+                <a:spcPct val="20000"/>
+              </a:spcBef>
+              <a:buFont typeface="Arial" panose="020B0604020202020204" pitchFamily="34" charset="0"/>
+              <a:buChar char="•"/>
+              <a:defRPr sz="2000" kern="1200">
+                <a:solidFill>
+                  <a:schemeClr val="lt1"/>
+                </a:solidFill>
+                <a:latin typeface="+mn-lt"/>
+                <a:ea typeface="+mn-ea"/>
+                <a:cs typeface="+mn-cs"/>
+              </a:defRPr>
+            </a:lvl7pPr>
+            <a:lvl8pPr marL="3429000" indent="-228600" algn="l" defTabSz="914400" rtl="0" eaLnBrk="1" latinLnBrk="0" hangingPunct="1">
+              <a:spcBef>
+                <a:spcPct val="20000"/>
+              </a:spcBef>
+              <a:buFont typeface="Arial" panose="020B0604020202020204" pitchFamily="34" charset="0"/>
+              <a:buChar char="•"/>
+              <a:defRPr sz="2000" kern="1200">
+                <a:solidFill>
+                  <a:schemeClr val="lt1"/>
+                </a:solidFill>
+                <a:latin typeface="+mn-lt"/>
+                <a:ea typeface="+mn-ea"/>
+                <a:cs typeface="+mn-cs"/>
+              </a:defRPr>
+            </a:lvl8pPr>
+            <a:lvl9pPr marL="3886200" indent="-228600" algn="l" defTabSz="914400" rtl="0" eaLnBrk="1" latinLnBrk="0" hangingPunct="1">
+              <a:spcBef>
+                <a:spcPct val="20000"/>
+              </a:spcBef>
+              <a:buFont typeface="Arial" panose="020B0604020202020204" pitchFamily="34" charset="0"/>
+              <a:buChar char="•"/>
+              <a:defRPr sz="2000" kern="1200">
+                <a:solidFill>
+                  <a:schemeClr val="lt1"/>
+                </a:solidFill>
+                <a:latin typeface="+mn-lt"/>
+                <a:ea typeface="+mn-ea"/>
+                <a:cs typeface="+mn-cs"/>
+              </a:defRPr>
+            </a:lvl9pPr>
+          </a:lstStyle>
+          <a:p>
+            <a:pPr marL="0" indent="0" algn="ctr">
+              <a:buFont typeface="Arial" panose="020B0604020202020204" pitchFamily="34" charset="0"/>
+              <a:buNone/>
+            </a:pPr>
+            <a:r>
+              <a:rPr lang="en-US" dirty="0" smtClean="0">
                 <a:solidFill>
                   <a:schemeClr val="tx1"/>
                 </a:solidFill>
               </a:rPr>
-              <a:t>HUDObj</a:t>
+              <a:t>Static</a:t>
             </a:r>
             <a:endParaRPr lang="en-US" dirty="0">
               <a:solidFill>
@@ -4598,19 +6452,629 @@
           </a:p>
         </p:txBody>
       </p:sp>
+      <p:sp>
+        <p:nvSpPr>
+          <p:cNvPr id="36" name="Content Placeholder 3"/>
+          <p:cNvSpPr txBox="1">
+            <a:spLocks/>
+          </p:cNvSpPr>
+          <p:nvPr/>
+        </p:nvSpPr>
+        <p:spPr>
+          <a:xfrm>
+            <a:off x="5470136" y="4279114"/>
+            <a:ext cx="1147764" cy="521486"/>
+          </a:xfrm>
+          <a:prstGeom prst="snip2DiagRect">
+            <a:avLst/>
+          </a:prstGeom>
+          <a:solidFill>
+            <a:schemeClr val="bg1"/>
+          </a:solidFill>
+          <a:ln w="9525" cap="flat" cmpd="sng" algn="ctr">
+            <a:solidFill>
+              <a:schemeClr val="tx1"/>
+            </a:solidFill>
+            <a:prstDash val="solid"/>
+          </a:ln>
+        </p:spPr>
+        <p:style>
+          <a:lnRef idx="1">
+            <a:schemeClr val="accent1"/>
+          </a:lnRef>
+          <a:fillRef idx="3">
+            <a:schemeClr val="accent1"/>
+          </a:fillRef>
+          <a:effectRef idx="2">
+            <a:schemeClr val="accent1"/>
+          </a:effectRef>
+          <a:fontRef idx="minor">
+            <a:schemeClr val="lt1"/>
+          </a:fontRef>
+        </p:style>
+        <p:txBody>
+          <a:bodyPr vert="horz" lIns="91440" tIns="45720" rIns="91440" bIns="45720" rtlCol="0" anchor="ctr">
+            <a:normAutofit fontScale="55000" lnSpcReduction="20000"/>
+          </a:bodyPr>
+          <a:lstStyle>
+            <a:lvl1pPr marL="342900" indent="-342900" algn="l" defTabSz="914400" rtl="0" eaLnBrk="1" latinLnBrk="0" hangingPunct="1">
+              <a:spcBef>
+                <a:spcPct val="20000"/>
+              </a:spcBef>
+              <a:buFont typeface="Arial" panose="020B0604020202020204" pitchFamily="34" charset="0"/>
+              <a:buChar char="•"/>
+              <a:defRPr sz="3200" kern="1200">
+                <a:solidFill>
+                  <a:schemeClr val="lt1"/>
+                </a:solidFill>
+                <a:latin typeface="+mn-lt"/>
+                <a:ea typeface="+mn-ea"/>
+                <a:cs typeface="+mn-cs"/>
+              </a:defRPr>
+            </a:lvl1pPr>
+            <a:lvl2pPr marL="742950" indent="-285750" algn="l" defTabSz="914400" rtl="0" eaLnBrk="1" latinLnBrk="0" hangingPunct="1">
+              <a:spcBef>
+                <a:spcPct val="20000"/>
+              </a:spcBef>
+              <a:buFont typeface="Arial" panose="020B0604020202020204" pitchFamily="34" charset="0"/>
+              <a:buChar char="–"/>
+              <a:defRPr sz="2800" kern="1200">
+                <a:solidFill>
+                  <a:schemeClr val="lt1"/>
+                </a:solidFill>
+                <a:latin typeface="+mn-lt"/>
+                <a:ea typeface="+mn-ea"/>
+                <a:cs typeface="+mn-cs"/>
+              </a:defRPr>
+            </a:lvl2pPr>
+            <a:lvl3pPr marL="1143000" indent="-228600" algn="l" defTabSz="914400" rtl="0" eaLnBrk="1" latinLnBrk="0" hangingPunct="1">
+              <a:spcBef>
+                <a:spcPct val="20000"/>
+              </a:spcBef>
+              <a:buFont typeface="Arial" panose="020B0604020202020204" pitchFamily="34" charset="0"/>
+              <a:buChar char="•"/>
+              <a:defRPr sz="2400" kern="1200">
+                <a:solidFill>
+                  <a:schemeClr val="lt1"/>
+                </a:solidFill>
+                <a:latin typeface="+mn-lt"/>
+                <a:ea typeface="+mn-ea"/>
+                <a:cs typeface="+mn-cs"/>
+              </a:defRPr>
+            </a:lvl3pPr>
+            <a:lvl4pPr marL="1600200" indent="-228600" algn="l" defTabSz="914400" rtl="0" eaLnBrk="1" latinLnBrk="0" hangingPunct="1">
+              <a:spcBef>
+                <a:spcPct val="20000"/>
+              </a:spcBef>
+              <a:buFont typeface="Arial" panose="020B0604020202020204" pitchFamily="34" charset="0"/>
+              <a:buChar char="–"/>
+              <a:defRPr sz="2000" kern="1200">
+                <a:solidFill>
+                  <a:schemeClr val="lt1"/>
+                </a:solidFill>
+                <a:latin typeface="+mn-lt"/>
+                <a:ea typeface="+mn-ea"/>
+                <a:cs typeface="+mn-cs"/>
+              </a:defRPr>
+            </a:lvl4pPr>
+            <a:lvl5pPr marL="2057400" indent="-228600" algn="l" defTabSz="914400" rtl="0" eaLnBrk="1" latinLnBrk="0" hangingPunct="1">
+              <a:spcBef>
+                <a:spcPct val="20000"/>
+              </a:spcBef>
+              <a:buFont typeface="Arial" panose="020B0604020202020204" pitchFamily="34" charset="0"/>
+              <a:buChar char="»"/>
+              <a:defRPr sz="2000" kern="1200">
+                <a:solidFill>
+                  <a:schemeClr val="lt1"/>
+                </a:solidFill>
+                <a:latin typeface="+mn-lt"/>
+                <a:ea typeface="+mn-ea"/>
+                <a:cs typeface="+mn-cs"/>
+              </a:defRPr>
+            </a:lvl5pPr>
+            <a:lvl6pPr marL="2514600" indent="-228600" algn="l" defTabSz="914400" rtl="0" eaLnBrk="1" latinLnBrk="0" hangingPunct="1">
+              <a:spcBef>
+                <a:spcPct val="20000"/>
+              </a:spcBef>
+              <a:buFont typeface="Arial" panose="020B0604020202020204" pitchFamily="34" charset="0"/>
+              <a:buChar char="•"/>
+              <a:defRPr sz="2000" kern="1200">
+                <a:solidFill>
+                  <a:schemeClr val="lt1"/>
+                </a:solidFill>
+                <a:latin typeface="+mn-lt"/>
+                <a:ea typeface="+mn-ea"/>
+                <a:cs typeface="+mn-cs"/>
+              </a:defRPr>
+            </a:lvl6pPr>
+            <a:lvl7pPr marL="2971800" indent="-228600" algn="l" defTabSz="914400" rtl="0" eaLnBrk="1" latinLnBrk="0" hangingPunct="1">
+              <a:spcBef>
+                <a:spcPct val="20000"/>
+              </a:spcBef>
+              <a:buFont typeface="Arial" panose="020B0604020202020204" pitchFamily="34" charset="0"/>
+              <a:buChar char="•"/>
+              <a:defRPr sz="2000" kern="1200">
+                <a:solidFill>
+                  <a:schemeClr val="lt1"/>
+                </a:solidFill>
+                <a:latin typeface="+mn-lt"/>
+                <a:ea typeface="+mn-ea"/>
+                <a:cs typeface="+mn-cs"/>
+              </a:defRPr>
+            </a:lvl7pPr>
+            <a:lvl8pPr marL="3429000" indent="-228600" algn="l" defTabSz="914400" rtl="0" eaLnBrk="1" latinLnBrk="0" hangingPunct="1">
+              <a:spcBef>
+                <a:spcPct val="20000"/>
+              </a:spcBef>
+              <a:buFont typeface="Arial" panose="020B0604020202020204" pitchFamily="34" charset="0"/>
+              <a:buChar char="•"/>
+              <a:defRPr sz="2000" kern="1200">
+                <a:solidFill>
+                  <a:schemeClr val="lt1"/>
+                </a:solidFill>
+                <a:latin typeface="+mn-lt"/>
+                <a:ea typeface="+mn-ea"/>
+                <a:cs typeface="+mn-cs"/>
+              </a:defRPr>
+            </a:lvl8pPr>
+            <a:lvl9pPr marL="3886200" indent="-228600" algn="l" defTabSz="914400" rtl="0" eaLnBrk="1" latinLnBrk="0" hangingPunct="1">
+              <a:spcBef>
+                <a:spcPct val="20000"/>
+              </a:spcBef>
+              <a:buFont typeface="Arial" panose="020B0604020202020204" pitchFamily="34" charset="0"/>
+              <a:buChar char="•"/>
+              <a:defRPr sz="2000" kern="1200">
+                <a:solidFill>
+                  <a:schemeClr val="lt1"/>
+                </a:solidFill>
+                <a:latin typeface="+mn-lt"/>
+                <a:ea typeface="+mn-ea"/>
+                <a:cs typeface="+mn-cs"/>
+              </a:defRPr>
+            </a:lvl9pPr>
+          </a:lstStyle>
+          <a:p>
+            <a:pPr marL="0" indent="0" algn="ctr">
+              <a:buFont typeface="Arial" panose="020B0604020202020204" pitchFamily="34" charset="0"/>
+              <a:buNone/>
+            </a:pPr>
+            <a:r>
+              <a:rPr lang="en-US" dirty="0" smtClean="0">
+                <a:solidFill>
+                  <a:schemeClr val="tx1"/>
+                </a:solidFill>
+              </a:rPr>
+              <a:t>Dynamic</a:t>
+            </a:r>
+            <a:endParaRPr lang="en-US" dirty="0">
+              <a:solidFill>
+                <a:schemeClr val="tx1"/>
+              </a:solidFill>
+            </a:endParaRPr>
+          </a:p>
+        </p:txBody>
+      </p:sp>
+      <p:sp>
+        <p:nvSpPr>
+          <p:cNvPr id="37" name="Content Placeholder 3"/>
+          <p:cNvSpPr txBox="1">
+            <a:spLocks/>
+          </p:cNvSpPr>
+          <p:nvPr/>
+        </p:nvSpPr>
+        <p:spPr>
+          <a:xfrm>
+            <a:off x="2227292" y="5569151"/>
+            <a:ext cx="948223" cy="521486"/>
+          </a:xfrm>
+          <a:prstGeom prst="snip2DiagRect">
+            <a:avLst/>
+          </a:prstGeom>
+          <a:solidFill>
+            <a:schemeClr val="bg2">
+              <a:lumMod val="90000"/>
+            </a:schemeClr>
+          </a:solidFill>
+          <a:ln w="9525" cap="flat" cmpd="sng" algn="ctr">
+            <a:solidFill>
+              <a:schemeClr val="tx1"/>
+            </a:solidFill>
+            <a:prstDash val="solid"/>
+          </a:ln>
+        </p:spPr>
+        <p:style>
+          <a:lnRef idx="1">
+            <a:schemeClr val="accent1"/>
+          </a:lnRef>
+          <a:fillRef idx="3">
+            <a:schemeClr val="accent1"/>
+          </a:fillRef>
+          <a:effectRef idx="2">
+            <a:schemeClr val="accent1"/>
+          </a:effectRef>
+          <a:fontRef idx="minor">
+            <a:schemeClr val="lt1"/>
+          </a:fontRef>
+        </p:style>
+        <p:txBody>
+          <a:bodyPr vert="horz" lIns="91440" tIns="45720" rIns="91440" bIns="45720" rtlCol="0" anchor="ctr">
+            <a:normAutofit fontScale="85000" lnSpcReduction="20000"/>
+          </a:bodyPr>
+          <a:lstStyle>
+            <a:lvl1pPr marL="342900" indent="-342900" algn="l" defTabSz="914400" rtl="0" eaLnBrk="1" latinLnBrk="0" hangingPunct="1">
+              <a:spcBef>
+                <a:spcPct val="20000"/>
+              </a:spcBef>
+              <a:buFont typeface="Arial" panose="020B0604020202020204" pitchFamily="34" charset="0"/>
+              <a:buChar char="•"/>
+              <a:defRPr sz="3200" kern="1200">
+                <a:solidFill>
+                  <a:schemeClr val="lt1"/>
+                </a:solidFill>
+                <a:latin typeface="+mn-lt"/>
+                <a:ea typeface="+mn-ea"/>
+                <a:cs typeface="+mn-cs"/>
+              </a:defRPr>
+            </a:lvl1pPr>
+            <a:lvl2pPr marL="742950" indent="-285750" algn="l" defTabSz="914400" rtl="0" eaLnBrk="1" latinLnBrk="0" hangingPunct="1">
+              <a:spcBef>
+                <a:spcPct val="20000"/>
+              </a:spcBef>
+              <a:buFont typeface="Arial" panose="020B0604020202020204" pitchFamily="34" charset="0"/>
+              <a:buChar char="–"/>
+              <a:defRPr sz="2800" kern="1200">
+                <a:solidFill>
+                  <a:schemeClr val="lt1"/>
+                </a:solidFill>
+                <a:latin typeface="+mn-lt"/>
+                <a:ea typeface="+mn-ea"/>
+                <a:cs typeface="+mn-cs"/>
+              </a:defRPr>
+            </a:lvl2pPr>
+            <a:lvl3pPr marL="1143000" indent="-228600" algn="l" defTabSz="914400" rtl="0" eaLnBrk="1" latinLnBrk="0" hangingPunct="1">
+              <a:spcBef>
+                <a:spcPct val="20000"/>
+              </a:spcBef>
+              <a:buFont typeface="Arial" panose="020B0604020202020204" pitchFamily="34" charset="0"/>
+              <a:buChar char="•"/>
+              <a:defRPr sz="2400" kern="1200">
+                <a:solidFill>
+                  <a:schemeClr val="lt1"/>
+                </a:solidFill>
+                <a:latin typeface="+mn-lt"/>
+                <a:ea typeface="+mn-ea"/>
+                <a:cs typeface="+mn-cs"/>
+              </a:defRPr>
+            </a:lvl3pPr>
+            <a:lvl4pPr marL="1600200" indent="-228600" algn="l" defTabSz="914400" rtl="0" eaLnBrk="1" latinLnBrk="0" hangingPunct="1">
+              <a:spcBef>
+                <a:spcPct val="20000"/>
+              </a:spcBef>
+              <a:buFont typeface="Arial" panose="020B0604020202020204" pitchFamily="34" charset="0"/>
+              <a:buChar char="–"/>
+              <a:defRPr sz="2000" kern="1200">
+                <a:solidFill>
+                  <a:schemeClr val="lt1"/>
+                </a:solidFill>
+                <a:latin typeface="+mn-lt"/>
+                <a:ea typeface="+mn-ea"/>
+                <a:cs typeface="+mn-cs"/>
+              </a:defRPr>
+            </a:lvl4pPr>
+            <a:lvl5pPr marL="2057400" indent="-228600" algn="l" defTabSz="914400" rtl="0" eaLnBrk="1" latinLnBrk="0" hangingPunct="1">
+              <a:spcBef>
+                <a:spcPct val="20000"/>
+              </a:spcBef>
+              <a:buFont typeface="Arial" panose="020B0604020202020204" pitchFamily="34" charset="0"/>
+              <a:buChar char="»"/>
+              <a:defRPr sz="2000" kern="1200">
+                <a:solidFill>
+                  <a:schemeClr val="lt1"/>
+                </a:solidFill>
+                <a:latin typeface="+mn-lt"/>
+                <a:ea typeface="+mn-ea"/>
+                <a:cs typeface="+mn-cs"/>
+              </a:defRPr>
+            </a:lvl5pPr>
+            <a:lvl6pPr marL="2514600" indent="-228600" algn="l" defTabSz="914400" rtl="0" eaLnBrk="1" latinLnBrk="0" hangingPunct="1">
+              <a:spcBef>
+                <a:spcPct val="20000"/>
+              </a:spcBef>
+              <a:buFont typeface="Arial" panose="020B0604020202020204" pitchFamily="34" charset="0"/>
+              <a:buChar char="•"/>
+              <a:defRPr sz="2000" kern="1200">
+                <a:solidFill>
+                  <a:schemeClr val="lt1"/>
+                </a:solidFill>
+                <a:latin typeface="+mn-lt"/>
+                <a:ea typeface="+mn-ea"/>
+                <a:cs typeface="+mn-cs"/>
+              </a:defRPr>
+            </a:lvl6pPr>
+            <a:lvl7pPr marL="2971800" indent="-228600" algn="l" defTabSz="914400" rtl="0" eaLnBrk="1" latinLnBrk="0" hangingPunct="1">
+              <a:spcBef>
+                <a:spcPct val="20000"/>
+              </a:spcBef>
+              <a:buFont typeface="Arial" panose="020B0604020202020204" pitchFamily="34" charset="0"/>
+              <a:buChar char="•"/>
+              <a:defRPr sz="2000" kern="1200">
+                <a:solidFill>
+                  <a:schemeClr val="lt1"/>
+                </a:solidFill>
+                <a:latin typeface="+mn-lt"/>
+                <a:ea typeface="+mn-ea"/>
+                <a:cs typeface="+mn-cs"/>
+              </a:defRPr>
+            </a:lvl7pPr>
+            <a:lvl8pPr marL="3429000" indent="-228600" algn="l" defTabSz="914400" rtl="0" eaLnBrk="1" latinLnBrk="0" hangingPunct="1">
+              <a:spcBef>
+                <a:spcPct val="20000"/>
+              </a:spcBef>
+              <a:buFont typeface="Arial" panose="020B0604020202020204" pitchFamily="34" charset="0"/>
+              <a:buChar char="•"/>
+              <a:defRPr sz="2000" kern="1200">
+                <a:solidFill>
+                  <a:schemeClr val="lt1"/>
+                </a:solidFill>
+                <a:latin typeface="+mn-lt"/>
+                <a:ea typeface="+mn-ea"/>
+                <a:cs typeface="+mn-cs"/>
+              </a:defRPr>
+            </a:lvl8pPr>
+            <a:lvl9pPr marL="3886200" indent="-228600" algn="l" defTabSz="914400" rtl="0" eaLnBrk="1" latinLnBrk="0" hangingPunct="1">
+              <a:spcBef>
+                <a:spcPct val="20000"/>
+              </a:spcBef>
+              <a:buFont typeface="Arial" panose="020B0604020202020204" pitchFamily="34" charset="0"/>
+              <a:buChar char="•"/>
+              <a:defRPr sz="2000" kern="1200">
+                <a:solidFill>
+                  <a:schemeClr val="lt1"/>
+                </a:solidFill>
+                <a:latin typeface="+mn-lt"/>
+                <a:ea typeface="+mn-ea"/>
+                <a:cs typeface="+mn-cs"/>
+              </a:defRPr>
+            </a:lvl9pPr>
+          </a:lstStyle>
+          <a:p>
+            <a:pPr marL="0" indent="0" algn="ctr">
+              <a:buFont typeface="Arial" panose="020B0604020202020204" pitchFamily="34" charset="0"/>
+              <a:buNone/>
+            </a:pPr>
+            <a:r>
+              <a:rPr lang="en-US" dirty="0" smtClean="0">
+                <a:solidFill>
+                  <a:schemeClr val="tx1"/>
+                </a:solidFill>
+              </a:rPr>
+              <a:t>Zoo</a:t>
+            </a:r>
+            <a:endParaRPr lang="en-US" dirty="0">
+              <a:solidFill>
+                <a:schemeClr val="tx1"/>
+              </a:solidFill>
+            </a:endParaRPr>
+          </a:p>
+        </p:txBody>
+      </p:sp>
+      <p:sp>
+        <p:nvSpPr>
+          <p:cNvPr id="38" name="Content Placeholder 3"/>
+          <p:cNvSpPr txBox="1">
+            <a:spLocks/>
+          </p:cNvSpPr>
+          <p:nvPr/>
+        </p:nvSpPr>
+        <p:spPr>
+          <a:xfrm>
+            <a:off x="3578117" y="5569151"/>
+            <a:ext cx="948223" cy="521486"/>
+          </a:xfrm>
+          <a:prstGeom prst="snip2DiagRect">
+            <a:avLst/>
+          </a:prstGeom>
+          <a:solidFill>
+            <a:schemeClr val="bg2">
+              <a:lumMod val="90000"/>
+            </a:schemeClr>
+          </a:solidFill>
+          <a:ln w="9525" cap="flat" cmpd="sng" algn="ctr">
+            <a:solidFill>
+              <a:schemeClr val="tx1"/>
+            </a:solidFill>
+            <a:prstDash val="solid"/>
+          </a:ln>
+        </p:spPr>
+        <p:style>
+          <a:lnRef idx="1">
+            <a:schemeClr val="accent1"/>
+          </a:lnRef>
+          <a:fillRef idx="3">
+            <a:schemeClr val="accent1"/>
+          </a:fillRef>
+          <a:effectRef idx="2">
+            <a:schemeClr val="accent1"/>
+          </a:effectRef>
+          <a:fontRef idx="minor">
+            <a:schemeClr val="lt1"/>
+          </a:fontRef>
+        </p:style>
+        <p:txBody>
+          <a:bodyPr vert="horz" lIns="91440" tIns="45720" rIns="91440" bIns="45720" rtlCol="0" anchor="ctr">
+            <a:normAutofit fontScale="85000" lnSpcReduction="20000"/>
+          </a:bodyPr>
+          <a:lstStyle>
+            <a:lvl1pPr marL="342900" indent="-342900" algn="l" defTabSz="914400" rtl="0" eaLnBrk="1" latinLnBrk="0" hangingPunct="1">
+              <a:spcBef>
+                <a:spcPct val="20000"/>
+              </a:spcBef>
+              <a:buFont typeface="Arial" panose="020B0604020202020204" pitchFamily="34" charset="0"/>
+              <a:buChar char="•"/>
+              <a:defRPr sz="3200" kern="1200">
+                <a:solidFill>
+                  <a:schemeClr val="lt1"/>
+                </a:solidFill>
+                <a:latin typeface="+mn-lt"/>
+                <a:ea typeface="+mn-ea"/>
+                <a:cs typeface="+mn-cs"/>
+              </a:defRPr>
+            </a:lvl1pPr>
+            <a:lvl2pPr marL="742950" indent="-285750" algn="l" defTabSz="914400" rtl="0" eaLnBrk="1" latinLnBrk="0" hangingPunct="1">
+              <a:spcBef>
+                <a:spcPct val="20000"/>
+              </a:spcBef>
+              <a:buFont typeface="Arial" panose="020B0604020202020204" pitchFamily="34" charset="0"/>
+              <a:buChar char="–"/>
+              <a:defRPr sz="2800" kern="1200">
+                <a:solidFill>
+                  <a:schemeClr val="lt1"/>
+                </a:solidFill>
+                <a:latin typeface="+mn-lt"/>
+                <a:ea typeface="+mn-ea"/>
+                <a:cs typeface="+mn-cs"/>
+              </a:defRPr>
+            </a:lvl2pPr>
+            <a:lvl3pPr marL="1143000" indent="-228600" algn="l" defTabSz="914400" rtl="0" eaLnBrk="1" latinLnBrk="0" hangingPunct="1">
+              <a:spcBef>
+                <a:spcPct val="20000"/>
+              </a:spcBef>
+              <a:buFont typeface="Arial" panose="020B0604020202020204" pitchFamily="34" charset="0"/>
+              <a:buChar char="•"/>
+              <a:defRPr sz="2400" kern="1200">
+                <a:solidFill>
+                  <a:schemeClr val="lt1"/>
+                </a:solidFill>
+                <a:latin typeface="+mn-lt"/>
+                <a:ea typeface="+mn-ea"/>
+                <a:cs typeface="+mn-cs"/>
+              </a:defRPr>
+            </a:lvl3pPr>
+            <a:lvl4pPr marL="1600200" indent="-228600" algn="l" defTabSz="914400" rtl="0" eaLnBrk="1" latinLnBrk="0" hangingPunct="1">
+              <a:spcBef>
+                <a:spcPct val="20000"/>
+              </a:spcBef>
+              <a:buFont typeface="Arial" panose="020B0604020202020204" pitchFamily="34" charset="0"/>
+              <a:buChar char="–"/>
+              <a:defRPr sz="2000" kern="1200">
+                <a:solidFill>
+                  <a:schemeClr val="lt1"/>
+                </a:solidFill>
+                <a:latin typeface="+mn-lt"/>
+                <a:ea typeface="+mn-ea"/>
+                <a:cs typeface="+mn-cs"/>
+              </a:defRPr>
+            </a:lvl4pPr>
+            <a:lvl5pPr marL="2057400" indent="-228600" algn="l" defTabSz="914400" rtl="0" eaLnBrk="1" latinLnBrk="0" hangingPunct="1">
+              <a:spcBef>
+                <a:spcPct val="20000"/>
+              </a:spcBef>
+              <a:buFont typeface="Arial" panose="020B0604020202020204" pitchFamily="34" charset="0"/>
+              <a:buChar char="»"/>
+              <a:defRPr sz="2000" kern="1200">
+                <a:solidFill>
+                  <a:schemeClr val="lt1"/>
+                </a:solidFill>
+                <a:latin typeface="+mn-lt"/>
+                <a:ea typeface="+mn-ea"/>
+                <a:cs typeface="+mn-cs"/>
+              </a:defRPr>
+            </a:lvl5pPr>
+            <a:lvl6pPr marL="2514600" indent="-228600" algn="l" defTabSz="914400" rtl="0" eaLnBrk="1" latinLnBrk="0" hangingPunct="1">
+              <a:spcBef>
+                <a:spcPct val="20000"/>
+              </a:spcBef>
+              <a:buFont typeface="Arial" panose="020B0604020202020204" pitchFamily="34" charset="0"/>
+              <a:buChar char="•"/>
+              <a:defRPr sz="2000" kern="1200">
+                <a:solidFill>
+                  <a:schemeClr val="lt1"/>
+                </a:solidFill>
+                <a:latin typeface="+mn-lt"/>
+                <a:ea typeface="+mn-ea"/>
+                <a:cs typeface="+mn-cs"/>
+              </a:defRPr>
+            </a:lvl6pPr>
+            <a:lvl7pPr marL="2971800" indent="-228600" algn="l" defTabSz="914400" rtl="0" eaLnBrk="1" latinLnBrk="0" hangingPunct="1">
+              <a:spcBef>
+                <a:spcPct val="20000"/>
+              </a:spcBef>
+              <a:buFont typeface="Arial" panose="020B0604020202020204" pitchFamily="34" charset="0"/>
+              <a:buChar char="•"/>
+              <a:defRPr sz="2000" kern="1200">
+                <a:solidFill>
+                  <a:schemeClr val="lt1"/>
+                </a:solidFill>
+                <a:latin typeface="+mn-lt"/>
+                <a:ea typeface="+mn-ea"/>
+                <a:cs typeface="+mn-cs"/>
+              </a:defRPr>
+            </a:lvl7pPr>
+            <a:lvl8pPr marL="3429000" indent="-228600" algn="l" defTabSz="914400" rtl="0" eaLnBrk="1" latinLnBrk="0" hangingPunct="1">
+              <a:spcBef>
+                <a:spcPct val="20000"/>
+              </a:spcBef>
+              <a:buFont typeface="Arial" panose="020B0604020202020204" pitchFamily="34" charset="0"/>
+              <a:buChar char="•"/>
+              <a:defRPr sz="2000" kern="1200">
+                <a:solidFill>
+                  <a:schemeClr val="lt1"/>
+                </a:solidFill>
+                <a:latin typeface="+mn-lt"/>
+                <a:ea typeface="+mn-ea"/>
+                <a:cs typeface="+mn-cs"/>
+              </a:defRPr>
+            </a:lvl8pPr>
+            <a:lvl9pPr marL="3886200" indent="-228600" algn="l" defTabSz="914400" rtl="0" eaLnBrk="1" latinLnBrk="0" hangingPunct="1">
+              <a:spcBef>
+                <a:spcPct val="20000"/>
+              </a:spcBef>
+              <a:buFont typeface="Arial" panose="020B0604020202020204" pitchFamily="34" charset="0"/>
+              <a:buChar char="•"/>
+              <a:defRPr sz="2000" kern="1200">
+                <a:solidFill>
+                  <a:schemeClr val="lt1"/>
+                </a:solidFill>
+                <a:latin typeface="+mn-lt"/>
+                <a:ea typeface="+mn-ea"/>
+                <a:cs typeface="+mn-cs"/>
+              </a:defRPr>
+            </a:lvl9pPr>
+          </a:lstStyle>
+          <a:p>
+            <a:pPr marL="0" indent="0" algn="ctr">
+              <a:buFont typeface="Arial" panose="020B0604020202020204" pitchFamily="34" charset="0"/>
+              <a:buNone/>
+            </a:pPr>
+            <a:r>
+              <a:rPr lang="en-US" dirty="0" smtClean="0">
+                <a:solidFill>
+                  <a:schemeClr val="tx1"/>
+                </a:solidFill>
+              </a:rPr>
+              <a:t>Cage</a:t>
+            </a:r>
+            <a:endParaRPr lang="en-US" dirty="0">
+              <a:solidFill>
+                <a:schemeClr val="tx1"/>
+              </a:solidFill>
+            </a:endParaRPr>
+          </a:p>
+        </p:txBody>
+      </p:sp>
       <p:cxnSp>
         <p:nvCxnSpPr>
-          <p:cNvPr id="20" name="Straight Arrow Connector 19"/>
+          <p:cNvPr id="41" name="Straight Arrow Connector 40"/>
           <p:cNvCxnSpPr>
-            <a:stCxn id="5" idx="0"/>
-            <a:endCxn id="18" idx="2"/>
+            <a:stCxn id="4" idx="1"/>
+            <a:endCxn id="35" idx="3"/>
           </p:cNvCxnSpPr>
           <p:nvPr/>
         </p:nvCxnSpPr>
         <p:spPr>
-          <a:xfrm>
-            <a:off x="5486400" y="1661319"/>
-            <a:ext cx="1752600" cy="998602"/>
+          <a:xfrm flipH="1">
+            <a:off x="3355074" y="3234426"/>
+            <a:ext cx="1640949" cy="1044688"/>
           </a:xfrm>
           <a:prstGeom prst="straightConnector1">
             <a:avLst/>
@@ -4634,79 +7098,19 @@
           </a:fontRef>
         </p:style>
       </p:cxnSp>
-      <p:sp>
-        <p:nvSpPr>
-          <p:cNvPr id="21" name="Snip Diagonal Corner Rectangle 20"/>
-          <p:cNvSpPr/>
-          <p:nvPr/>
-        </p:nvSpPr>
-        <p:spPr>
-          <a:xfrm>
-            <a:off x="7239000" y="3667347"/>
-            <a:ext cx="1066800" cy="609600"/>
-          </a:xfrm>
-          <a:prstGeom prst="snip2DiagRect">
-            <a:avLst/>
-          </a:prstGeom>
-          <a:solidFill>
-            <a:schemeClr val="bg2">
-              <a:lumMod val="90000"/>
-            </a:schemeClr>
-          </a:solidFill>
-          <a:ln>
-            <a:solidFill>
-              <a:schemeClr val="tx1"/>
-            </a:solidFill>
-          </a:ln>
-        </p:spPr>
-        <p:style>
-          <a:lnRef idx="1">
-            <a:schemeClr val="accent1"/>
-          </a:lnRef>
-          <a:fillRef idx="3">
-            <a:schemeClr val="accent1"/>
-          </a:fillRef>
-          <a:effectRef idx="2">
-            <a:schemeClr val="accent1"/>
-          </a:effectRef>
-          <a:fontRef idx="minor">
-            <a:schemeClr val="lt1"/>
-          </a:fontRef>
-        </p:style>
-        <p:txBody>
-          <a:bodyPr rtlCol="0" anchor="ctr"/>
-          <a:lstStyle/>
-          <a:p>
-            <a:pPr algn="ctr"/>
-            <a:r>
-              <a:rPr lang="en-US" dirty="0" smtClean="0">
-                <a:solidFill>
-                  <a:schemeClr val="tx1"/>
-                </a:solidFill>
-              </a:rPr>
-              <a:t>Score</a:t>
-            </a:r>
-            <a:endParaRPr lang="en-US" dirty="0">
-              <a:solidFill>
-                <a:schemeClr val="tx1"/>
-              </a:solidFill>
-            </a:endParaRPr>
-          </a:p>
-        </p:txBody>
-      </p:sp>
       <p:cxnSp>
         <p:nvCxnSpPr>
-          <p:cNvPr id="23" name="Straight Arrow Connector 22"/>
+          <p:cNvPr id="43" name="Straight Arrow Connector 42"/>
           <p:cNvCxnSpPr>
-            <a:stCxn id="18" idx="1"/>
-            <a:endCxn id="21" idx="3"/>
+            <a:stCxn id="4" idx="1"/>
+            <a:endCxn id="36" idx="3"/>
           </p:cNvCxnSpPr>
           <p:nvPr/>
         </p:nvCxnSpPr>
         <p:spPr>
           <a:xfrm>
-            <a:off x="7772400" y="2964721"/>
-            <a:ext cx="0" cy="702626"/>
+            <a:off x="4996023" y="3234426"/>
+            <a:ext cx="1047995" cy="1044688"/>
           </a:xfrm>
           <a:prstGeom prst="straightConnector1">
             <a:avLst/>
@@ -4732,7 +7136,7 @@
       </p:cxnSp>
       <p:cxnSp>
         <p:nvCxnSpPr>
-          <p:cNvPr id="35" name="Straight Arrow Connector 34"/>
+          <p:cNvPr id="45" name="Straight Arrow Connector 44"/>
           <p:cNvCxnSpPr>
             <a:stCxn id="5" idx="1"/>
             <a:endCxn id="4" idx="3"/>
@@ -4741,8 +7145,8 @@
         </p:nvCxnSpPr>
         <p:spPr>
           <a:xfrm>
-            <a:off x="4762500" y="1966119"/>
-            <a:ext cx="582490" cy="396509"/>
+            <a:off x="4796481" y="2186081"/>
+            <a:ext cx="199542" cy="526859"/>
           </a:xfrm>
           <a:prstGeom prst="straightConnector1">
             <a:avLst/>
@@ -4766,255 +7170,19 @@
           </a:fontRef>
         </p:style>
       </p:cxnSp>
-      <p:sp>
-        <p:nvSpPr>
-          <p:cNvPr id="46" name="Snip Diagonal Corner Rectangle 45"/>
-          <p:cNvSpPr/>
-          <p:nvPr/>
-        </p:nvSpPr>
-        <p:spPr>
-          <a:xfrm>
-            <a:off x="1447800" y="3667347"/>
-            <a:ext cx="1347048" cy="609600"/>
-          </a:xfrm>
-          <a:prstGeom prst="snip2DiagRect">
-            <a:avLst/>
-          </a:prstGeom>
-          <a:solidFill>
-            <a:schemeClr val="bg1"/>
-          </a:solidFill>
-          <a:ln>
-            <a:solidFill>
-              <a:schemeClr val="tx1"/>
-            </a:solidFill>
-          </a:ln>
-        </p:spPr>
-        <p:style>
-          <a:lnRef idx="1">
-            <a:schemeClr val="accent1"/>
-          </a:lnRef>
-          <a:fillRef idx="3">
-            <a:schemeClr val="accent1"/>
-          </a:fillRef>
-          <a:effectRef idx="2">
-            <a:schemeClr val="accent1"/>
-          </a:effectRef>
-          <a:fontRef idx="minor">
-            <a:schemeClr val="lt1"/>
-          </a:fontRef>
-        </p:style>
-        <p:txBody>
-          <a:bodyPr rtlCol="0" anchor="ctr"/>
-          <a:lstStyle/>
-          <a:p>
-            <a:pPr algn="ctr"/>
-            <a:r>
-              <a:rPr lang="en-US" smtClean="0">
-                <a:solidFill>
-                  <a:schemeClr val="tx1"/>
-                </a:solidFill>
-              </a:rPr>
-              <a:t>StaticObj</a:t>
-            </a:r>
-            <a:endParaRPr lang="en-US" dirty="0">
-              <a:solidFill>
-                <a:schemeClr val="tx1"/>
-              </a:solidFill>
-            </a:endParaRPr>
-          </a:p>
-        </p:txBody>
-      </p:sp>
-      <p:sp>
-        <p:nvSpPr>
-          <p:cNvPr id="47" name="Snip Diagonal Corner Rectangle 46"/>
-          <p:cNvSpPr/>
-          <p:nvPr/>
-        </p:nvSpPr>
-        <p:spPr>
-          <a:xfrm>
-            <a:off x="4518819" y="3667347"/>
-            <a:ext cx="1618949" cy="609600"/>
-          </a:xfrm>
-          <a:prstGeom prst="snip2DiagRect">
-            <a:avLst/>
-          </a:prstGeom>
-          <a:solidFill>
-            <a:schemeClr val="bg1"/>
-          </a:solidFill>
-          <a:ln>
-            <a:solidFill>
-              <a:schemeClr val="tx1"/>
-            </a:solidFill>
-          </a:ln>
-        </p:spPr>
-        <p:style>
-          <a:lnRef idx="1">
-            <a:schemeClr val="accent1"/>
-          </a:lnRef>
-          <a:fillRef idx="3">
-            <a:schemeClr val="accent1"/>
-          </a:fillRef>
-          <a:effectRef idx="2">
-            <a:schemeClr val="accent1"/>
-          </a:effectRef>
-          <a:fontRef idx="minor">
-            <a:schemeClr val="lt1"/>
-          </a:fontRef>
-        </p:style>
-        <p:txBody>
-          <a:bodyPr rtlCol="0" anchor="ctr"/>
-          <a:lstStyle/>
-          <a:p>
-            <a:pPr algn="ctr"/>
-            <a:r>
-              <a:rPr lang="en-US" smtClean="0">
-                <a:solidFill>
-                  <a:schemeClr val="tx1"/>
-                </a:solidFill>
-              </a:rPr>
-              <a:t>DynamicObj</a:t>
-            </a:r>
-            <a:endParaRPr lang="en-US" dirty="0">
-              <a:solidFill>
-                <a:schemeClr val="tx1"/>
-              </a:solidFill>
-            </a:endParaRPr>
-          </a:p>
-        </p:txBody>
-      </p:sp>
-      <p:sp>
-        <p:nvSpPr>
-          <p:cNvPr id="49" name="Snip Diagonal Corner Rectangle 48"/>
-          <p:cNvSpPr/>
-          <p:nvPr/>
-        </p:nvSpPr>
-        <p:spPr>
-          <a:xfrm>
-            <a:off x="538379" y="5606265"/>
-            <a:ext cx="1066800" cy="609600"/>
-          </a:xfrm>
-          <a:prstGeom prst="snip2DiagRect">
-            <a:avLst/>
-          </a:prstGeom>
-          <a:solidFill>
-            <a:schemeClr val="bg2">
-              <a:lumMod val="90000"/>
-            </a:schemeClr>
-          </a:solidFill>
-          <a:ln>
-            <a:solidFill>
-              <a:schemeClr val="tx1"/>
-            </a:solidFill>
-          </a:ln>
-        </p:spPr>
-        <p:style>
-          <a:lnRef idx="1">
-            <a:schemeClr val="accent1"/>
-          </a:lnRef>
-          <a:fillRef idx="3">
-            <a:schemeClr val="accent1"/>
-          </a:fillRef>
-          <a:effectRef idx="2">
-            <a:schemeClr val="accent1"/>
-          </a:effectRef>
-          <a:fontRef idx="minor">
-            <a:schemeClr val="lt1"/>
-          </a:fontRef>
-        </p:style>
-        <p:txBody>
-          <a:bodyPr rtlCol="0" anchor="ctr"/>
-          <a:lstStyle/>
-          <a:p>
-            <a:pPr algn="ctr"/>
-            <a:r>
-              <a:rPr lang="en-US" dirty="0" smtClean="0">
-                <a:solidFill>
-                  <a:schemeClr val="tx1"/>
-                </a:solidFill>
-              </a:rPr>
-              <a:t>Zoo</a:t>
-            </a:r>
-            <a:endParaRPr lang="en-US" dirty="0">
-              <a:solidFill>
-                <a:schemeClr val="tx1"/>
-              </a:solidFill>
-            </a:endParaRPr>
-          </a:p>
-        </p:txBody>
-      </p:sp>
-      <p:sp>
-        <p:nvSpPr>
-          <p:cNvPr id="50" name="Snip Diagonal Corner Rectangle 49"/>
-          <p:cNvSpPr/>
-          <p:nvPr/>
-        </p:nvSpPr>
-        <p:spPr>
-          <a:xfrm>
-            <a:off x="2350786" y="5614827"/>
-            <a:ext cx="1066800" cy="609600"/>
-          </a:xfrm>
-          <a:prstGeom prst="snip2DiagRect">
-            <a:avLst/>
-          </a:prstGeom>
-          <a:solidFill>
-            <a:schemeClr val="bg2">
-              <a:lumMod val="90000"/>
-            </a:schemeClr>
-          </a:solidFill>
-          <a:ln>
-            <a:solidFill>
-              <a:schemeClr val="tx1"/>
-            </a:solidFill>
-          </a:ln>
-        </p:spPr>
-        <p:style>
-          <a:lnRef idx="1">
-            <a:schemeClr val="accent1"/>
-          </a:lnRef>
-          <a:fillRef idx="3">
-            <a:schemeClr val="accent1"/>
-          </a:fillRef>
-          <a:effectRef idx="2">
-            <a:schemeClr val="accent1"/>
-          </a:effectRef>
-          <a:fontRef idx="minor">
-            <a:schemeClr val="lt1"/>
-          </a:fontRef>
-        </p:style>
-        <p:txBody>
-          <a:bodyPr rtlCol="0" anchor="ctr"/>
-          <a:lstStyle/>
-          <a:p>
-            <a:pPr algn="ctr"/>
-            <a:r>
-              <a:rPr lang="en-US" dirty="0" smtClean="0">
-                <a:solidFill>
-                  <a:schemeClr val="tx1"/>
-                </a:solidFill>
-              </a:rPr>
-              <a:t>Cages</a:t>
-            </a:r>
-            <a:endParaRPr lang="en-US" dirty="0">
-              <a:solidFill>
-                <a:schemeClr val="tx1"/>
-              </a:solidFill>
-            </a:endParaRPr>
-          </a:p>
-        </p:txBody>
-      </p:sp>
       <p:cxnSp>
         <p:nvCxnSpPr>
-          <p:cNvPr id="52" name="Straight Arrow Connector 51"/>
+          <p:cNvPr id="47" name="Straight Arrow Connector 46"/>
           <p:cNvCxnSpPr>
-            <a:stCxn id="4" idx="1"/>
-            <a:endCxn id="46" idx="0"/>
+            <a:stCxn id="35" idx="1"/>
+            <a:endCxn id="37" idx="3"/>
           </p:cNvCxnSpPr>
           <p:nvPr/>
         </p:nvCxnSpPr>
         <p:spPr>
           <a:xfrm flipH="1">
-            <a:off x="2794848" y="2972228"/>
-            <a:ext cx="2550142" cy="999919"/>
+            <a:off x="2701404" y="4800600"/>
+            <a:ext cx="653670" cy="768551"/>
           </a:xfrm>
           <a:prstGeom prst="straightConnector1">
             <a:avLst/>
@@ -5040,17 +7208,17 @@
       </p:cxnSp>
       <p:cxnSp>
         <p:nvCxnSpPr>
-          <p:cNvPr id="54" name="Straight Arrow Connector 53"/>
+          <p:cNvPr id="49" name="Straight Arrow Connector 48"/>
           <p:cNvCxnSpPr>
-            <a:stCxn id="4" idx="1"/>
-            <a:endCxn id="47" idx="3"/>
+            <a:stCxn id="35" idx="1"/>
+            <a:endCxn id="38" idx="3"/>
           </p:cNvCxnSpPr>
           <p:nvPr/>
         </p:nvCxnSpPr>
         <p:spPr>
-          <a:xfrm flipH="1">
-            <a:off x="5328294" y="2972228"/>
-            <a:ext cx="16696" cy="695119"/>
+          <a:xfrm>
+            <a:off x="3355074" y="4800600"/>
+            <a:ext cx="697155" cy="768551"/>
           </a:xfrm>
           <a:prstGeom prst="straightConnector1">
             <a:avLst/>
@@ -5074,19 +7242,631 @@
           </a:fontRef>
         </p:style>
       </p:cxnSp>
+      <p:sp>
+        <p:nvSpPr>
+          <p:cNvPr id="51" name="Content Placeholder 3"/>
+          <p:cNvSpPr txBox="1">
+            <a:spLocks/>
+          </p:cNvSpPr>
+          <p:nvPr/>
+        </p:nvSpPr>
+        <p:spPr>
+          <a:xfrm>
+            <a:off x="6618652" y="5569151"/>
+            <a:ext cx="948223" cy="521486"/>
+          </a:xfrm>
+          <a:prstGeom prst="snip2DiagRect">
+            <a:avLst/>
+          </a:prstGeom>
+          <a:solidFill>
+            <a:schemeClr val="bg2">
+              <a:lumMod val="90000"/>
+            </a:schemeClr>
+          </a:solidFill>
+          <a:ln w="9525" cap="flat" cmpd="sng" algn="ctr">
+            <a:solidFill>
+              <a:schemeClr val="tx1"/>
+            </a:solidFill>
+            <a:prstDash val="solid"/>
+          </a:ln>
+        </p:spPr>
+        <p:style>
+          <a:lnRef idx="1">
+            <a:schemeClr val="accent1"/>
+          </a:lnRef>
+          <a:fillRef idx="3">
+            <a:schemeClr val="accent1"/>
+          </a:fillRef>
+          <a:effectRef idx="2">
+            <a:schemeClr val="accent1"/>
+          </a:effectRef>
+          <a:fontRef idx="minor">
+            <a:schemeClr val="lt1"/>
+          </a:fontRef>
+        </p:style>
+        <p:txBody>
+          <a:bodyPr vert="horz" lIns="91440" tIns="45720" rIns="91440" bIns="45720" rtlCol="0" anchor="ctr">
+            <a:normAutofit fontScale="62500" lnSpcReduction="20000"/>
+          </a:bodyPr>
+          <a:lstStyle>
+            <a:lvl1pPr marL="342900" indent="-342900" algn="l" defTabSz="914400" rtl="0" eaLnBrk="1" latinLnBrk="0" hangingPunct="1">
+              <a:spcBef>
+                <a:spcPct val="20000"/>
+              </a:spcBef>
+              <a:buFont typeface="Arial" panose="020B0604020202020204" pitchFamily="34" charset="0"/>
+              <a:buChar char="•"/>
+              <a:defRPr sz="3200" kern="1200">
+                <a:solidFill>
+                  <a:schemeClr val="lt1"/>
+                </a:solidFill>
+                <a:latin typeface="+mn-lt"/>
+                <a:ea typeface="+mn-ea"/>
+                <a:cs typeface="+mn-cs"/>
+              </a:defRPr>
+            </a:lvl1pPr>
+            <a:lvl2pPr marL="742950" indent="-285750" algn="l" defTabSz="914400" rtl="0" eaLnBrk="1" latinLnBrk="0" hangingPunct="1">
+              <a:spcBef>
+                <a:spcPct val="20000"/>
+              </a:spcBef>
+              <a:buFont typeface="Arial" panose="020B0604020202020204" pitchFamily="34" charset="0"/>
+              <a:buChar char="–"/>
+              <a:defRPr sz="2800" kern="1200">
+                <a:solidFill>
+                  <a:schemeClr val="lt1"/>
+                </a:solidFill>
+                <a:latin typeface="+mn-lt"/>
+                <a:ea typeface="+mn-ea"/>
+                <a:cs typeface="+mn-cs"/>
+              </a:defRPr>
+            </a:lvl2pPr>
+            <a:lvl3pPr marL="1143000" indent="-228600" algn="l" defTabSz="914400" rtl="0" eaLnBrk="1" latinLnBrk="0" hangingPunct="1">
+              <a:spcBef>
+                <a:spcPct val="20000"/>
+              </a:spcBef>
+              <a:buFont typeface="Arial" panose="020B0604020202020204" pitchFamily="34" charset="0"/>
+              <a:buChar char="•"/>
+              <a:defRPr sz="2400" kern="1200">
+                <a:solidFill>
+                  <a:schemeClr val="lt1"/>
+                </a:solidFill>
+                <a:latin typeface="+mn-lt"/>
+                <a:ea typeface="+mn-ea"/>
+                <a:cs typeface="+mn-cs"/>
+              </a:defRPr>
+            </a:lvl3pPr>
+            <a:lvl4pPr marL="1600200" indent="-228600" algn="l" defTabSz="914400" rtl="0" eaLnBrk="1" latinLnBrk="0" hangingPunct="1">
+              <a:spcBef>
+                <a:spcPct val="20000"/>
+              </a:spcBef>
+              <a:buFont typeface="Arial" panose="020B0604020202020204" pitchFamily="34" charset="0"/>
+              <a:buChar char="–"/>
+              <a:defRPr sz="2000" kern="1200">
+                <a:solidFill>
+                  <a:schemeClr val="lt1"/>
+                </a:solidFill>
+                <a:latin typeface="+mn-lt"/>
+                <a:ea typeface="+mn-ea"/>
+                <a:cs typeface="+mn-cs"/>
+              </a:defRPr>
+            </a:lvl4pPr>
+            <a:lvl5pPr marL="2057400" indent="-228600" algn="l" defTabSz="914400" rtl="0" eaLnBrk="1" latinLnBrk="0" hangingPunct="1">
+              <a:spcBef>
+                <a:spcPct val="20000"/>
+              </a:spcBef>
+              <a:buFont typeface="Arial" panose="020B0604020202020204" pitchFamily="34" charset="0"/>
+              <a:buChar char="»"/>
+              <a:defRPr sz="2000" kern="1200">
+                <a:solidFill>
+                  <a:schemeClr val="lt1"/>
+                </a:solidFill>
+                <a:latin typeface="+mn-lt"/>
+                <a:ea typeface="+mn-ea"/>
+                <a:cs typeface="+mn-cs"/>
+              </a:defRPr>
+            </a:lvl5pPr>
+            <a:lvl6pPr marL="2514600" indent="-228600" algn="l" defTabSz="914400" rtl="0" eaLnBrk="1" latinLnBrk="0" hangingPunct="1">
+              <a:spcBef>
+                <a:spcPct val="20000"/>
+              </a:spcBef>
+              <a:buFont typeface="Arial" panose="020B0604020202020204" pitchFamily="34" charset="0"/>
+              <a:buChar char="•"/>
+              <a:defRPr sz="2000" kern="1200">
+                <a:solidFill>
+                  <a:schemeClr val="lt1"/>
+                </a:solidFill>
+                <a:latin typeface="+mn-lt"/>
+                <a:ea typeface="+mn-ea"/>
+                <a:cs typeface="+mn-cs"/>
+              </a:defRPr>
+            </a:lvl6pPr>
+            <a:lvl7pPr marL="2971800" indent="-228600" algn="l" defTabSz="914400" rtl="0" eaLnBrk="1" latinLnBrk="0" hangingPunct="1">
+              <a:spcBef>
+                <a:spcPct val="20000"/>
+              </a:spcBef>
+              <a:buFont typeface="Arial" panose="020B0604020202020204" pitchFamily="34" charset="0"/>
+              <a:buChar char="•"/>
+              <a:defRPr sz="2000" kern="1200">
+                <a:solidFill>
+                  <a:schemeClr val="lt1"/>
+                </a:solidFill>
+                <a:latin typeface="+mn-lt"/>
+                <a:ea typeface="+mn-ea"/>
+                <a:cs typeface="+mn-cs"/>
+              </a:defRPr>
+            </a:lvl7pPr>
+            <a:lvl8pPr marL="3429000" indent="-228600" algn="l" defTabSz="914400" rtl="0" eaLnBrk="1" latinLnBrk="0" hangingPunct="1">
+              <a:spcBef>
+                <a:spcPct val="20000"/>
+              </a:spcBef>
+              <a:buFont typeface="Arial" panose="020B0604020202020204" pitchFamily="34" charset="0"/>
+              <a:buChar char="•"/>
+              <a:defRPr sz="2000" kern="1200">
+                <a:solidFill>
+                  <a:schemeClr val="lt1"/>
+                </a:solidFill>
+                <a:latin typeface="+mn-lt"/>
+                <a:ea typeface="+mn-ea"/>
+                <a:cs typeface="+mn-cs"/>
+              </a:defRPr>
+            </a:lvl8pPr>
+            <a:lvl9pPr marL="3886200" indent="-228600" algn="l" defTabSz="914400" rtl="0" eaLnBrk="1" latinLnBrk="0" hangingPunct="1">
+              <a:spcBef>
+                <a:spcPct val="20000"/>
+              </a:spcBef>
+              <a:buFont typeface="Arial" panose="020B0604020202020204" pitchFamily="34" charset="0"/>
+              <a:buChar char="•"/>
+              <a:defRPr sz="2000" kern="1200">
+                <a:solidFill>
+                  <a:schemeClr val="lt1"/>
+                </a:solidFill>
+                <a:latin typeface="+mn-lt"/>
+                <a:ea typeface="+mn-ea"/>
+                <a:cs typeface="+mn-cs"/>
+              </a:defRPr>
+            </a:lvl9pPr>
+          </a:lstStyle>
+          <a:p>
+            <a:pPr marL="0" indent="0" algn="ctr">
+              <a:buFont typeface="Arial" panose="020B0604020202020204" pitchFamily="34" charset="0"/>
+              <a:buNone/>
+            </a:pPr>
+            <a:r>
+              <a:rPr lang="en-US" dirty="0" smtClean="0">
+                <a:solidFill>
+                  <a:schemeClr val="tx1"/>
+                </a:solidFill>
+              </a:rPr>
+              <a:t>Trump</a:t>
+            </a:r>
+            <a:endParaRPr lang="en-US" dirty="0">
+              <a:solidFill>
+                <a:schemeClr val="tx1"/>
+              </a:solidFill>
+            </a:endParaRPr>
+          </a:p>
+        </p:txBody>
+      </p:sp>
+      <p:sp>
+        <p:nvSpPr>
+          <p:cNvPr id="52" name="Content Placeholder 3"/>
+          <p:cNvSpPr txBox="1">
+            <a:spLocks/>
+          </p:cNvSpPr>
+          <p:nvPr/>
+        </p:nvSpPr>
+        <p:spPr>
+          <a:xfrm>
+            <a:off x="7775281" y="5557981"/>
+            <a:ext cx="962443" cy="529307"/>
+          </a:xfrm>
+          <a:prstGeom prst="snip2DiagRect">
+            <a:avLst/>
+          </a:prstGeom>
+          <a:solidFill>
+            <a:schemeClr val="bg2">
+              <a:lumMod val="90000"/>
+            </a:schemeClr>
+          </a:solidFill>
+          <a:ln w="9525" cap="flat" cmpd="sng" algn="ctr">
+            <a:solidFill>
+              <a:schemeClr val="tx1"/>
+            </a:solidFill>
+            <a:prstDash val="solid"/>
+          </a:ln>
+        </p:spPr>
+        <p:style>
+          <a:lnRef idx="1">
+            <a:schemeClr val="accent1"/>
+          </a:lnRef>
+          <a:fillRef idx="3">
+            <a:schemeClr val="accent1"/>
+          </a:fillRef>
+          <a:effectRef idx="2">
+            <a:schemeClr val="accent1"/>
+          </a:effectRef>
+          <a:fontRef idx="minor">
+            <a:schemeClr val="lt1"/>
+          </a:fontRef>
+        </p:style>
+        <p:txBody>
+          <a:bodyPr vert="horz" lIns="91440" tIns="45720" rIns="91440" bIns="45720" rtlCol="0" anchor="ctr">
+            <a:normAutofit fontScale="62500" lnSpcReduction="20000"/>
+          </a:bodyPr>
+          <a:lstStyle>
+            <a:lvl1pPr marL="342900" indent="-342900" algn="l" defTabSz="914400" rtl="0" eaLnBrk="1" latinLnBrk="0" hangingPunct="1">
+              <a:spcBef>
+                <a:spcPct val="20000"/>
+              </a:spcBef>
+              <a:buFont typeface="Arial" panose="020B0604020202020204" pitchFamily="34" charset="0"/>
+              <a:buChar char="•"/>
+              <a:defRPr sz="3200" kern="1200">
+                <a:solidFill>
+                  <a:schemeClr val="lt1"/>
+                </a:solidFill>
+                <a:latin typeface="+mn-lt"/>
+                <a:ea typeface="+mn-ea"/>
+                <a:cs typeface="+mn-cs"/>
+              </a:defRPr>
+            </a:lvl1pPr>
+            <a:lvl2pPr marL="742950" indent="-285750" algn="l" defTabSz="914400" rtl="0" eaLnBrk="1" latinLnBrk="0" hangingPunct="1">
+              <a:spcBef>
+                <a:spcPct val="20000"/>
+              </a:spcBef>
+              <a:buFont typeface="Arial" panose="020B0604020202020204" pitchFamily="34" charset="0"/>
+              <a:buChar char="–"/>
+              <a:defRPr sz="2800" kern="1200">
+                <a:solidFill>
+                  <a:schemeClr val="lt1"/>
+                </a:solidFill>
+                <a:latin typeface="+mn-lt"/>
+                <a:ea typeface="+mn-ea"/>
+                <a:cs typeface="+mn-cs"/>
+              </a:defRPr>
+            </a:lvl2pPr>
+            <a:lvl3pPr marL="1143000" indent="-228600" algn="l" defTabSz="914400" rtl="0" eaLnBrk="1" latinLnBrk="0" hangingPunct="1">
+              <a:spcBef>
+                <a:spcPct val="20000"/>
+              </a:spcBef>
+              <a:buFont typeface="Arial" panose="020B0604020202020204" pitchFamily="34" charset="0"/>
+              <a:buChar char="•"/>
+              <a:defRPr sz="2400" kern="1200">
+                <a:solidFill>
+                  <a:schemeClr val="lt1"/>
+                </a:solidFill>
+                <a:latin typeface="+mn-lt"/>
+                <a:ea typeface="+mn-ea"/>
+                <a:cs typeface="+mn-cs"/>
+              </a:defRPr>
+            </a:lvl3pPr>
+            <a:lvl4pPr marL="1600200" indent="-228600" algn="l" defTabSz="914400" rtl="0" eaLnBrk="1" latinLnBrk="0" hangingPunct="1">
+              <a:spcBef>
+                <a:spcPct val="20000"/>
+              </a:spcBef>
+              <a:buFont typeface="Arial" panose="020B0604020202020204" pitchFamily="34" charset="0"/>
+              <a:buChar char="–"/>
+              <a:defRPr sz="2000" kern="1200">
+                <a:solidFill>
+                  <a:schemeClr val="lt1"/>
+                </a:solidFill>
+                <a:latin typeface="+mn-lt"/>
+                <a:ea typeface="+mn-ea"/>
+                <a:cs typeface="+mn-cs"/>
+              </a:defRPr>
+            </a:lvl4pPr>
+            <a:lvl5pPr marL="2057400" indent="-228600" algn="l" defTabSz="914400" rtl="0" eaLnBrk="1" latinLnBrk="0" hangingPunct="1">
+              <a:spcBef>
+                <a:spcPct val="20000"/>
+              </a:spcBef>
+              <a:buFont typeface="Arial" panose="020B0604020202020204" pitchFamily="34" charset="0"/>
+              <a:buChar char="»"/>
+              <a:defRPr sz="2000" kern="1200">
+                <a:solidFill>
+                  <a:schemeClr val="lt1"/>
+                </a:solidFill>
+                <a:latin typeface="+mn-lt"/>
+                <a:ea typeface="+mn-ea"/>
+                <a:cs typeface="+mn-cs"/>
+              </a:defRPr>
+            </a:lvl5pPr>
+            <a:lvl6pPr marL="2514600" indent="-228600" algn="l" defTabSz="914400" rtl="0" eaLnBrk="1" latinLnBrk="0" hangingPunct="1">
+              <a:spcBef>
+                <a:spcPct val="20000"/>
+              </a:spcBef>
+              <a:buFont typeface="Arial" panose="020B0604020202020204" pitchFamily="34" charset="0"/>
+              <a:buChar char="•"/>
+              <a:defRPr sz="2000" kern="1200">
+                <a:solidFill>
+                  <a:schemeClr val="lt1"/>
+                </a:solidFill>
+                <a:latin typeface="+mn-lt"/>
+                <a:ea typeface="+mn-ea"/>
+                <a:cs typeface="+mn-cs"/>
+              </a:defRPr>
+            </a:lvl6pPr>
+            <a:lvl7pPr marL="2971800" indent="-228600" algn="l" defTabSz="914400" rtl="0" eaLnBrk="1" latinLnBrk="0" hangingPunct="1">
+              <a:spcBef>
+                <a:spcPct val="20000"/>
+              </a:spcBef>
+              <a:buFont typeface="Arial" panose="020B0604020202020204" pitchFamily="34" charset="0"/>
+              <a:buChar char="•"/>
+              <a:defRPr sz="2000" kern="1200">
+                <a:solidFill>
+                  <a:schemeClr val="lt1"/>
+                </a:solidFill>
+                <a:latin typeface="+mn-lt"/>
+                <a:ea typeface="+mn-ea"/>
+                <a:cs typeface="+mn-cs"/>
+              </a:defRPr>
+            </a:lvl7pPr>
+            <a:lvl8pPr marL="3429000" indent="-228600" algn="l" defTabSz="914400" rtl="0" eaLnBrk="1" latinLnBrk="0" hangingPunct="1">
+              <a:spcBef>
+                <a:spcPct val="20000"/>
+              </a:spcBef>
+              <a:buFont typeface="Arial" panose="020B0604020202020204" pitchFamily="34" charset="0"/>
+              <a:buChar char="•"/>
+              <a:defRPr sz="2000" kern="1200">
+                <a:solidFill>
+                  <a:schemeClr val="lt1"/>
+                </a:solidFill>
+                <a:latin typeface="+mn-lt"/>
+                <a:ea typeface="+mn-ea"/>
+                <a:cs typeface="+mn-cs"/>
+              </a:defRPr>
+            </a:lvl8pPr>
+            <a:lvl9pPr marL="3886200" indent="-228600" algn="l" defTabSz="914400" rtl="0" eaLnBrk="1" latinLnBrk="0" hangingPunct="1">
+              <a:spcBef>
+                <a:spcPct val="20000"/>
+              </a:spcBef>
+              <a:buFont typeface="Arial" panose="020B0604020202020204" pitchFamily="34" charset="0"/>
+              <a:buChar char="•"/>
+              <a:defRPr sz="2000" kern="1200">
+                <a:solidFill>
+                  <a:schemeClr val="lt1"/>
+                </a:solidFill>
+                <a:latin typeface="+mn-lt"/>
+                <a:ea typeface="+mn-ea"/>
+                <a:cs typeface="+mn-cs"/>
+              </a:defRPr>
+            </a:lvl9pPr>
+          </a:lstStyle>
+          <a:p>
+            <a:pPr marL="0" indent="0" algn="ctr">
+              <a:buFont typeface="Arial" panose="020B0604020202020204" pitchFamily="34" charset="0"/>
+              <a:buNone/>
+            </a:pPr>
+            <a:r>
+              <a:rPr lang="en-US" dirty="0" smtClean="0">
+                <a:solidFill>
+                  <a:schemeClr val="tx1"/>
+                </a:solidFill>
+              </a:rPr>
+              <a:t>Player</a:t>
+            </a:r>
+            <a:endParaRPr lang="en-US" dirty="0">
+              <a:solidFill>
+                <a:schemeClr val="tx1"/>
+              </a:solidFill>
+            </a:endParaRPr>
+          </a:p>
+        </p:txBody>
+      </p:sp>
+      <p:sp>
+        <p:nvSpPr>
+          <p:cNvPr id="53" name="Content Placeholder 3"/>
+          <p:cNvSpPr txBox="1">
+            <a:spLocks/>
+          </p:cNvSpPr>
+          <p:nvPr/>
+        </p:nvSpPr>
+        <p:spPr>
+          <a:xfrm>
+            <a:off x="5311041" y="5574703"/>
+            <a:ext cx="948223" cy="521486"/>
+          </a:xfrm>
+          <a:prstGeom prst="snip2DiagRect">
+            <a:avLst/>
+          </a:prstGeom>
+          <a:solidFill>
+            <a:schemeClr val="bg2">
+              <a:lumMod val="90000"/>
+            </a:schemeClr>
+          </a:solidFill>
+          <a:ln w="9525" cap="flat" cmpd="sng" algn="ctr">
+            <a:solidFill>
+              <a:schemeClr val="tx1"/>
+            </a:solidFill>
+            <a:prstDash val="solid"/>
+          </a:ln>
+        </p:spPr>
+        <p:style>
+          <a:lnRef idx="1">
+            <a:schemeClr val="accent1"/>
+          </a:lnRef>
+          <a:fillRef idx="3">
+            <a:schemeClr val="accent1"/>
+          </a:fillRef>
+          <a:effectRef idx="2">
+            <a:schemeClr val="accent1"/>
+          </a:effectRef>
+          <a:fontRef idx="minor">
+            <a:schemeClr val="lt1"/>
+          </a:fontRef>
+        </p:style>
+        <p:txBody>
+          <a:bodyPr vert="horz" lIns="91440" tIns="45720" rIns="91440" bIns="45720" rtlCol="0" anchor="ctr">
+            <a:normAutofit fontScale="55000" lnSpcReduction="20000"/>
+          </a:bodyPr>
+          <a:lstStyle>
+            <a:lvl1pPr marL="342900" indent="-342900" algn="l" defTabSz="914400" rtl="0" eaLnBrk="1" latinLnBrk="0" hangingPunct="1">
+              <a:spcBef>
+                <a:spcPct val="20000"/>
+              </a:spcBef>
+              <a:buFont typeface="Arial" panose="020B0604020202020204" pitchFamily="34" charset="0"/>
+              <a:buChar char="•"/>
+              <a:defRPr sz="3200" kern="1200">
+                <a:solidFill>
+                  <a:schemeClr val="lt1"/>
+                </a:solidFill>
+                <a:latin typeface="+mn-lt"/>
+                <a:ea typeface="+mn-ea"/>
+                <a:cs typeface="+mn-cs"/>
+              </a:defRPr>
+            </a:lvl1pPr>
+            <a:lvl2pPr marL="742950" indent="-285750" algn="l" defTabSz="914400" rtl="0" eaLnBrk="1" latinLnBrk="0" hangingPunct="1">
+              <a:spcBef>
+                <a:spcPct val="20000"/>
+              </a:spcBef>
+              <a:buFont typeface="Arial" panose="020B0604020202020204" pitchFamily="34" charset="0"/>
+              <a:buChar char="–"/>
+              <a:defRPr sz="2800" kern="1200">
+                <a:solidFill>
+                  <a:schemeClr val="lt1"/>
+                </a:solidFill>
+                <a:latin typeface="+mn-lt"/>
+                <a:ea typeface="+mn-ea"/>
+                <a:cs typeface="+mn-cs"/>
+              </a:defRPr>
+            </a:lvl2pPr>
+            <a:lvl3pPr marL="1143000" indent="-228600" algn="l" defTabSz="914400" rtl="0" eaLnBrk="1" latinLnBrk="0" hangingPunct="1">
+              <a:spcBef>
+                <a:spcPct val="20000"/>
+              </a:spcBef>
+              <a:buFont typeface="Arial" panose="020B0604020202020204" pitchFamily="34" charset="0"/>
+              <a:buChar char="•"/>
+              <a:defRPr sz="2400" kern="1200">
+                <a:solidFill>
+                  <a:schemeClr val="lt1"/>
+                </a:solidFill>
+                <a:latin typeface="+mn-lt"/>
+                <a:ea typeface="+mn-ea"/>
+                <a:cs typeface="+mn-cs"/>
+              </a:defRPr>
+            </a:lvl3pPr>
+            <a:lvl4pPr marL="1600200" indent="-228600" algn="l" defTabSz="914400" rtl="0" eaLnBrk="1" latinLnBrk="0" hangingPunct="1">
+              <a:spcBef>
+                <a:spcPct val="20000"/>
+              </a:spcBef>
+              <a:buFont typeface="Arial" panose="020B0604020202020204" pitchFamily="34" charset="0"/>
+              <a:buChar char="–"/>
+              <a:defRPr sz="2000" kern="1200">
+                <a:solidFill>
+                  <a:schemeClr val="lt1"/>
+                </a:solidFill>
+                <a:latin typeface="+mn-lt"/>
+                <a:ea typeface="+mn-ea"/>
+                <a:cs typeface="+mn-cs"/>
+              </a:defRPr>
+            </a:lvl4pPr>
+            <a:lvl5pPr marL="2057400" indent="-228600" algn="l" defTabSz="914400" rtl="0" eaLnBrk="1" latinLnBrk="0" hangingPunct="1">
+              <a:spcBef>
+                <a:spcPct val="20000"/>
+              </a:spcBef>
+              <a:buFont typeface="Arial" panose="020B0604020202020204" pitchFamily="34" charset="0"/>
+              <a:buChar char="»"/>
+              <a:defRPr sz="2000" kern="1200">
+                <a:solidFill>
+                  <a:schemeClr val="lt1"/>
+                </a:solidFill>
+                <a:latin typeface="+mn-lt"/>
+                <a:ea typeface="+mn-ea"/>
+                <a:cs typeface="+mn-cs"/>
+              </a:defRPr>
+            </a:lvl5pPr>
+            <a:lvl6pPr marL="2514600" indent="-228600" algn="l" defTabSz="914400" rtl="0" eaLnBrk="1" latinLnBrk="0" hangingPunct="1">
+              <a:spcBef>
+                <a:spcPct val="20000"/>
+              </a:spcBef>
+              <a:buFont typeface="Arial" panose="020B0604020202020204" pitchFamily="34" charset="0"/>
+              <a:buChar char="•"/>
+              <a:defRPr sz="2000" kern="1200">
+                <a:solidFill>
+                  <a:schemeClr val="lt1"/>
+                </a:solidFill>
+                <a:latin typeface="+mn-lt"/>
+                <a:ea typeface="+mn-ea"/>
+                <a:cs typeface="+mn-cs"/>
+              </a:defRPr>
+            </a:lvl6pPr>
+            <a:lvl7pPr marL="2971800" indent="-228600" algn="l" defTabSz="914400" rtl="0" eaLnBrk="1" latinLnBrk="0" hangingPunct="1">
+              <a:spcBef>
+                <a:spcPct val="20000"/>
+              </a:spcBef>
+              <a:buFont typeface="Arial" panose="020B0604020202020204" pitchFamily="34" charset="0"/>
+              <a:buChar char="•"/>
+              <a:defRPr sz="2000" kern="1200">
+                <a:solidFill>
+                  <a:schemeClr val="lt1"/>
+                </a:solidFill>
+                <a:latin typeface="+mn-lt"/>
+                <a:ea typeface="+mn-ea"/>
+                <a:cs typeface="+mn-cs"/>
+              </a:defRPr>
+            </a:lvl7pPr>
+            <a:lvl8pPr marL="3429000" indent="-228600" algn="l" defTabSz="914400" rtl="0" eaLnBrk="1" latinLnBrk="0" hangingPunct="1">
+              <a:spcBef>
+                <a:spcPct val="20000"/>
+              </a:spcBef>
+              <a:buFont typeface="Arial" panose="020B0604020202020204" pitchFamily="34" charset="0"/>
+              <a:buChar char="•"/>
+              <a:defRPr sz="2000" kern="1200">
+                <a:solidFill>
+                  <a:schemeClr val="lt1"/>
+                </a:solidFill>
+                <a:latin typeface="+mn-lt"/>
+                <a:ea typeface="+mn-ea"/>
+                <a:cs typeface="+mn-cs"/>
+              </a:defRPr>
+            </a:lvl8pPr>
+            <a:lvl9pPr marL="3886200" indent="-228600" algn="l" defTabSz="914400" rtl="0" eaLnBrk="1" latinLnBrk="0" hangingPunct="1">
+              <a:spcBef>
+                <a:spcPct val="20000"/>
+              </a:spcBef>
+              <a:buFont typeface="Arial" panose="020B0604020202020204" pitchFamily="34" charset="0"/>
+              <a:buChar char="•"/>
+              <a:defRPr sz="2000" kern="1200">
+                <a:solidFill>
+                  <a:schemeClr val="lt1"/>
+                </a:solidFill>
+                <a:latin typeface="+mn-lt"/>
+                <a:ea typeface="+mn-ea"/>
+                <a:cs typeface="+mn-cs"/>
+              </a:defRPr>
+            </a:lvl9pPr>
+          </a:lstStyle>
+          <a:p>
+            <a:pPr marL="0" indent="0" algn="ctr">
+              <a:buFont typeface="Arial" panose="020B0604020202020204" pitchFamily="34" charset="0"/>
+              <a:buNone/>
+            </a:pPr>
+            <a:r>
+              <a:rPr lang="en-US" smtClean="0">
+                <a:solidFill>
+                  <a:schemeClr val="tx1"/>
+                </a:solidFill>
+              </a:rPr>
+              <a:t>Animal</a:t>
+            </a:r>
+            <a:endParaRPr lang="en-US" dirty="0">
+              <a:solidFill>
+                <a:schemeClr val="tx1"/>
+              </a:solidFill>
+            </a:endParaRPr>
+          </a:p>
+        </p:txBody>
+      </p:sp>
       <p:cxnSp>
         <p:nvCxnSpPr>
-          <p:cNvPr id="56" name="Straight Arrow Connector 55"/>
+          <p:cNvPr id="105" name="Straight Arrow Connector 104"/>
           <p:cNvCxnSpPr>
-            <a:stCxn id="46" idx="1"/>
-            <a:endCxn id="49" idx="3"/>
+            <a:stCxn id="36" idx="1"/>
+            <a:endCxn id="53" idx="3"/>
           </p:cNvCxnSpPr>
           <p:nvPr/>
         </p:nvCxnSpPr>
         <p:spPr>
           <a:xfrm flipH="1">
-            <a:off x="1071779" y="4276947"/>
-            <a:ext cx="1049545" cy="1329318"/>
+            <a:off x="5785153" y="4800600"/>
+            <a:ext cx="258865" cy="774103"/>
           </a:xfrm>
           <a:prstGeom prst="straightConnector1">
             <a:avLst/>
@@ -5112,17 +7892,17 @@
       </p:cxnSp>
       <p:cxnSp>
         <p:nvCxnSpPr>
-          <p:cNvPr id="58" name="Straight Arrow Connector 57"/>
+          <p:cNvPr id="107" name="Straight Arrow Connector 106"/>
           <p:cNvCxnSpPr>
-            <a:stCxn id="46" idx="1"/>
-            <a:endCxn id="50" idx="3"/>
+            <a:stCxn id="36" idx="1"/>
+            <a:endCxn id="51" idx="3"/>
           </p:cNvCxnSpPr>
           <p:nvPr/>
         </p:nvCxnSpPr>
         <p:spPr>
           <a:xfrm>
-            <a:off x="2121324" y="4276947"/>
-            <a:ext cx="762862" cy="1337880"/>
+            <a:off x="6044018" y="4800600"/>
+            <a:ext cx="1048746" cy="768551"/>
           </a:xfrm>
           <a:prstGeom prst="straightConnector1">
             <a:avLst/>
@@ -5146,199 +7926,19 @@
           </a:fontRef>
         </p:style>
       </p:cxnSp>
-      <p:sp>
-        <p:nvSpPr>
-          <p:cNvPr id="67" name="Snip Diagonal Corner Rectangle 66"/>
-          <p:cNvSpPr/>
-          <p:nvPr/>
-        </p:nvSpPr>
-        <p:spPr>
-          <a:xfrm>
-            <a:off x="5735884" y="5638800"/>
-            <a:ext cx="1219200" cy="609600"/>
-          </a:xfrm>
-          <a:prstGeom prst="snip2DiagRect">
-            <a:avLst/>
-          </a:prstGeom>
-          <a:solidFill>
-            <a:schemeClr val="bg2">
-              <a:lumMod val="90000"/>
-            </a:schemeClr>
-          </a:solidFill>
-          <a:ln>
-            <a:solidFill>
-              <a:schemeClr val="tx1"/>
-            </a:solidFill>
-          </a:ln>
-        </p:spPr>
-        <p:style>
-          <a:lnRef idx="1">
-            <a:schemeClr val="accent1"/>
-          </a:lnRef>
-          <a:fillRef idx="3">
-            <a:schemeClr val="accent1"/>
-          </a:fillRef>
-          <a:effectRef idx="2">
-            <a:schemeClr val="accent1"/>
-          </a:effectRef>
-          <a:fontRef idx="minor">
-            <a:schemeClr val="lt1"/>
-          </a:fontRef>
-        </p:style>
-        <p:txBody>
-          <a:bodyPr rtlCol="0" anchor="ctr"/>
-          <a:lstStyle/>
-          <a:p>
-            <a:pPr algn="ctr"/>
-            <a:r>
-              <a:rPr lang="en-US" dirty="0" smtClean="0">
-                <a:solidFill>
-                  <a:schemeClr val="tx1"/>
-                </a:solidFill>
-              </a:rPr>
-              <a:t>Trump</a:t>
-            </a:r>
-            <a:endParaRPr lang="en-US" dirty="0">
-              <a:solidFill>
-                <a:schemeClr val="tx1"/>
-              </a:solidFill>
-            </a:endParaRPr>
-          </a:p>
-        </p:txBody>
-      </p:sp>
-      <p:sp>
-        <p:nvSpPr>
-          <p:cNvPr id="68" name="Snip Diagonal Corner Rectangle 67"/>
-          <p:cNvSpPr/>
-          <p:nvPr/>
-        </p:nvSpPr>
-        <p:spPr>
-          <a:xfrm>
-            <a:off x="4155242" y="5614827"/>
-            <a:ext cx="1219200" cy="609600"/>
-          </a:xfrm>
-          <a:prstGeom prst="snip2DiagRect">
-            <a:avLst/>
-          </a:prstGeom>
-          <a:solidFill>
-            <a:schemeClr val="bg2">
-              <a:lumMod val="90000"/>
-            </a:schemeClr>
-          </a:solidFill>
-          <a:ln>
-            <a:solidFill>
-              <a:schemeClr val="tx1"/>
-            </a:solidFill>
-          </a:ln>
-        </p:spPr>
-        <p:style>
-          <a:lnRef idx="1">
-            <a:schemeClr val="accent1"/>
-          </a:lnRef>
-          <a:fillRef idx="3">
-            <a:schemeClr val="accent1"/>
-          </a:fillRef>
-          <a:effectRef idx="2">
-            <a:schemeClr val="accent1"/>
-          </a:effectRef>
-          <a:fontRef idx="minor">
-            <a:schemeClr val="lt1"/>
-          </a:fontRef>
-        </p:style>
-        <p:txBody>
-          <a:bodyPr rtlCol="0" anchor="ctr"/>
-          <a:lstStyle/>
-          <a:p>
-            <a:pPr algn="ctr"/>
-            <a:r>
-              <a:rPr lang="en-US" dirty="0" smtClean="0">
-                <a:solidFill>
-                  <a:schemeClr val="tx1"/>
-                </a:solidFill>
-              </a:rPr>
-              <a:t>Animal</a:t>
-            </a:r>
-            <a:endParaRPr lang="en-US" dirty="0">
-              <a:solidFill>
-                <a:schemeClr val="tx1"/>
-              </a:solidFill>
-            </a:endParaRPr>
-          </a:p>
-        </p:txBody>
-      </p:sp>
-      <p:sp>
-        <p:nvSpPr>
-          <p:cNvPr id="69" name="Snip Diagonal Corner Rectangle 68"/>
-          <p:cNvSpPr/>
-          <p:nvPr/>
-        </p:nvSpPr>
-        <p:spPr>
-          <a:xfrm>
-            <a:off x="7239000" y="5652499"/>
-            <a:ext cx="1219200" cy="609600"/>
-          </a:xfrm>
-          <a:prstGeom prst="snip2DiagRect">
-            <a:avLst/>
-          </a:prstGeom>
-          <a:solidFill>
-            <a:schemeClr val="bg2">
-              <a:lumMod val="90000"/>
-            </a:schemeClr>
-          </a:solidFill>
-          <a:ln>
-            <a:solidFill>
-              <a:schemeClr val="tx1"/>
-            </a:solidFill>
-          </a:ln>
-        </p:spPr>
-        <p:style>
-          <a:lnRef idx="1">
-            <a:schemeClr val="accent1"/>
-          </a:lnRef>
-          <a:fillRef idx="3">
-            <a:schemeClr val="accent1"/>
-          </a:fillRef>
-          <a:effectRef idx="2">
-            <a:schemeClr val="accent1"/>
-          </a:effectRef>
-          <a:fontRef idx="minor">
-            <a:schemeClr val="lt1"/>
-          </a:fontRef>
-        </p:style>
-        <p:txBody>
-          <a:bodyPr rtlCol="0" anchor="ctr"/>
-          <a:lstStyle/>
-          <a:p>
-            <a:pPr algn="ctr"/>
-            <a:r>
-              <a:rPr lang="en-US" dirty="0" smtClean="0">
-                <a:solidFill>
-                  <a:schemeClr val="tx1"/>
-                </a:solidFill>
-              </a:rPr>
-              <a:t>Player</a:t>
-            </a:r>
-            <a:endParaRPr lang="en-US" dirty="0">
-              <a:solidFill>
-                <a:schemeClr val="tx1"/>
-              </a:solidFill>
-            </a:endParaRPr>
-          </a:p>
-        </p:txBody>
-      </p:sp>
       <p:cxnSp>
         <p:nvCxnSpPr>
-          <p:cNvPr id="130" name="Straight Arrow Connector 129"/>
+          <p:cNvPr id="109" name="Straight Arrow Connector 108"/>
           <p:cNvCxnSpPr>
-            <a:stCxn id="47" idx="1"/>
-            <a:endCxn id="68" idx="3"/>
+            <a:stCxn id="36" idx="1"/>
+            <a:endCxn id="52" idx="3"/>
           </p:cNvCxnSpPr>
           <p:nvPr/>
         </p:nvCxnSpPr>
         <p:spPr>
-          <a:xfrm flipH="1">
-            <a:off x="4764842" y="4276947"/>
-            <a:ext cx="563452" cy="1337880"/>
+          <a:xfrm>
+            <a:off x="6044018" y="4800600"/>
+            <a:ext cx="2212485" cy="757381"/>
           </a:xfrm>
           <a:prstGeom prst="straightConnector1">
             <a:avLst/>
@@ -5362,88 +7962,16 @@
           </a:fontRef>
         </p:style>
       </p:cxnSp>
-      <p:cxnSp>
-        <p:nvCxnSpPr>
-          <p:cNvPr id="132" name="Straight Arrow Connector 131"/>
-          <p:cNvCxnSpPr>
-            <a:stCxn id="47" idx="1"/>
-            <a:endCxn id="67" idx="3"/>
-          </p:cNvCxnSpPr>
+      <p:sp>
+        <p:nvSpPr>
+          <p:cNvPr id="113" name="Rectangle 112"/>
+          <p:cNvSpPr/>
           <p:nvPr/>
-        </p:nvCxnSpPr>
+        </p:nvSpPr>
         <p:spPr>
           <a:xfrm>
-            <a:off x="5328294" y="4276947"/>
-            <a:ext cx="1017190" cy="1361853"/>
-          </a:xfrm>
-          <a:prstGeom prst="straightConnector1">
-            <a:avLst/>
-          </a:prstGeom>
-          <a:ln>
-            <a:tailEnd type="triangle"/>
-          </a:ln>
-        </p:spPr>
-        <p:style>
-          <a:lnRef idx="1">
-            <a:schemeClr val="accent1"/>
-          </a:lnRef>
-          <a:fillRef idx="0">
-            <a:schemeClr val="accent1"/>
-          </a:fillRef>
-          <a:effectRef idx="0">
-            <a:schemeClr val="accent1"/>
-          </a:effectRef>
-          <a:fontRef idx="minor">
-            <a:schemeClr val="tx1"/>
-          </a:fontRef>
-        </p:style>
-      </p:cxnSp>
-      <p:cxnSp>
-        <p:nvCxnSpPr>
-          <p:cNvPr id="134" name="Straight Arrow Connector 133"/>
-          <p:cNvCxnSpPr>
-            <a:stCxn id="47" idx="1"/>
-            <a:endCxn id="69" idx="3"/>
-          </p:cNvCxnSpPr>
-          <p:nvPr/>
-        </p:nvCxnSpPr>
-        <p:spPr>
-          <a:xfrm>
-            <a:off x="5328294" y="4276947"/>
-            <a:ext cx="2520306" cy="1375552"/>
-          </a:xfrm>
-          <a:prstGeom prst="straightConnector1">
-            <a:avLst/>
-          </a:prstGeom>
-          <a:ln>
-            <a:tailEnd type="triangle"/>
-          </a:ln>
-        </p:spPr>
-        <p:style>
-          <a:lnRef idx="1">
-            <a:schemeClr val="accent1"/>
-          </a:lnRef>
-          <a:fillRef idx="0">
-            <a:schemeClr val="accent1"/>
-          </a:fillRef>
-          <a:effectRef idx="0">
-            <a:schemeClr val="accent1"/>
-          </a:effectRef>
-          <a:fontRef idx="minor">
-            <a:schemeClr val="tx1"/>
-          </a:fontRef>
-        </p:style>
-      </p:cxnSp>
-      <p:sp>
-        <p:nvSpPr>
-          <p:cNvPr id="185" name="Rectangle 184"/>
-          <p:cNvSpPr/>
-          <p:nvPr/>
-        </p:nvSpPr>
-        <p:spPr>
-          <a:xfrm>
-            <a:off x="8509486" y="1200479"/>
-            <a:ext cx="342900" cy="312079"/>
+            <a:off x="224997" y="5234252"/>
+            <a:ext cx="298249" cy="298249"/>
           </a:xfrm>
           <a:prstGeom prst="rect">
             <a:avLst/>
@@ -5481,14 +8009,14 @@
       </p:sp>
       <p:sp>
         <p:nvSpPr>
-          <p:cNvPr id="186" name="TextBox 185"/>
+          <p:cNvPr id="114" name="TextBox 113"/>
           <p:cNvSpPr txBox="1"/>
           <p:nvPr/>
         </p:nvSpPr>
         <p:spPr>
           <a:xfrm>
-            <a:off x="7707663" y="1177276"/>
-            <a:ext cx="801823" cy="369332"/>
+            <a:off x="568835" y="5199819"/>
+            <a:ext cx="867874" cy="369332"/>
           </a:xfrm>
           <a:prstGeom prst="rect">
             <a:avLst/>
@@ -5496,14 +8024,18 @@
           <a:noFill/>
         </p:spPr>
         <p:txBody>
-          <a:bodyPr wrap="none" rtlCol="0">
+          <a:bodyPr wrap="square" rtlCol="0">
             <a:spAutoFit/>
           </a:bodyPr>
           <a:lstStyle/>
           <a:p>
             <a:r>
-              <a:rPr lang="en-US" dirty="0" smtClean="0"/>
-              <a:t>Visible</a:t>
+              <a:rPr lang="en-US"/>
+              <a:t>V</a:t>
+            </a:r>
+            <a:r>
+              <a:rPr lang="en-US" smtClean="0"/>
+              <a:t>isible</a:t>
             </a:r>
             <a:endParaRPr lang="en-US" dirty="0"/>
           </a:p>
@@ -5511,14 +8043,14 @@
       </p:sp>
       <p:sp>
         <p:nvSpPr>
-          <p:cNvPr id="187" name="Rectangle 186"/>
+          <p:cNvPr id="115" name="Rectangle 114"/>
           <p:cNvSpPr/>
           <p:nvPr/>
         </p:nvSpPr>
         <p:spPr>
           <a:xfrm>
-            <a:off x="8509486" y="1637689"/>
-            <a:ext cx="342900" cy="312079"/>
+            <a:off x="224997" y="5673509"/>
+            <a:ext cx="298249" cy="298249"/>
           </a:xfrm>
           <a:prstGeom prst="rect">
             <a:avLst/>
@@ -5554,14 +8086,14 @@
       </p:sp>
       <p:sp>
         <p:nvSpPr>
-          <p:cNvPr id="188" name="TextBox 187"/>
+          <p:cNvPr id="116" name="TextBox 115"/>
           <p:cNvSpPr txBox="1"/>
           <p:nvPr/>
         </p:nvSpPr>
         <p:spPr>
           <a:xfrm>
-            <a:off x="7530905" y="1551416"/>
-            <a:ext cx="863989" cy="369332"/>
+            <a:off x="568835" y="5645228"/>
+            <a:ext cx="1022836" cy="369332"/>
           </a:xfrm>
           <a:prstGeom prst="rect">
             <a:avLst/>
@@ -5569,7 +8101,7 @@
           <a:noFill/>
         </p:spPr>
         <p:txBody>
-          <a:bodyPr wrap="none" rtlCol="0">
+          <a:bodyPr wrap="square" rtlCol="0">
             <a:spAutoFit/>
           </a:bodyPr>
           <a:lstStyle/>
@@ -5582,23 +8114,401 @@
           </a:p>
         </p:txBody>
       </p:sp>
+      <p:sp>
+        <p:nvSpPr>
+          <p:cNvPr id="39" name="Rectangle 38"/>
+          <p:cNvSpPr/>
+          <p:nvPr/>
+        </p:nvSpPr>
+        <p:spPr>
+          <a:xfrm>
+            <a:off x="224997" y="4800600"/>
+            <a:ext cx="298249" cy="298249"/>
+          </a:xfrm>
+          <a:prstGeom prst="rect">
+            <a:avLst/>
+          </a:prstGeom>
+          <a:solidFill>
+            <a:schemeClr val="accent6"/>
+          </a:solidFill>
+        </p:spPr>
+        <p:style>
+          <a:lnRef idx="2">
+            <a:schemeClr val="accent1">
+              <a:shade val="50000"/>
+            </a:schemeClr>
+          </a:lnRef>
+          <a:fillRef idx="1">
+            <a:schemeClr val="accent1"/>
+          </a:fillRef>
+          <a:effectRef idx="0">
+            <a:schemeClr val="accent1"/>
+          </a:effectRef>
+          <a:fontRef idx="minor">
+            <a:schemeClr val="lt1"/>
+          </a:fontRef>
+        </p:style>
+        <p:txBody>
+          <a:bodyPr rtlCol="0" anchor="ctr"/>
+          <a:lstStyle/>
+          <a:p>
+            <a:pPr algn="ctr"/>
+            <a:endParaRPr lang="en-US"/>
+          </a:p>
+        </p:txBody>
+      </p:sp>
+      <p:sp>
+        <p:nvSpPr>
+          <p:cNvPr id="40" name="TextBox 39"/>
+          <p:cNvSpPr txBox="1"/>
+          <p:nvPr/>
+        </p:nvSpPr>
+        <p:spPr>
+          <a:xfrm>
+            <a:off x="568835" y="4729517"/>
+            <a:ext cx="867874" cy="369332"/>
+          </a:xfrm>
+          <a:prstGeom prst="rect">
+            <a:avLst/>
+          </a:prstGeom>
+          <a:noFill/>
+        </p:spPr>
+        <p:txBody>
+          <a:bodyPr wrap="square" rtlCol="0">
+            <a:spAutoFit/>
+          </a:bodyPr>
+          <a:lstStyle/>
+          <a:p>
+            <a:r>
+              <a:rPr lang="en-US" dirty="0" smtClean="0"/>
+              <a:t>Master</a:t>
+            </a:r>
+            <a:endParaRPr lang="en-US" dirty="0"/>
+          </a:p>
+        </p:txBody>
+      </p:sp>
+      <p:sp>
+        <p:nvSpPr>
+          <p:cNvPr id="48" name="Content Placeholder 3"/>
+          <p:cNvSpPr txBox="1">
+            <a:spLocks/>
+          </p:cNvSpPr>
+          <p:nvPr/>
+        </p:nvSpPr>
+        <p:spPr>
+          <a:xfrm>
+            <a:off x="209342" y="3345069"/>
+            <a:ext cx="1363070" cy="464931"/>
+          </a:xfrm>
+          <a:prstGeom prst="snip2DiagRect">
+            <a:avLst/>
+          </a:prstGeom>
+          <a:solidFill>
+            <a:schemeClr val="bg2">
+              <a:lumMod val="90000"/>
+            </a:schemeClr>
+          </a:solidFill>
+          <a:ln w="9525" cap="flat" cmpd="sng" algn="ctr">
+            <a:solidFill>
+              <a:schemeClr val="tx1"/>
+            </a:solidFill>
+            <a:prstDash val="solid"/>
+          </a:ln>
+        </p:spPr>
+        <p:style>
+          <a:lnRef idx="1">
+            <a:schemeClr val="accent1"/>
+          </a:lnRef>
+          <a:fillRef idx="3">
+            <a:schemeClr val="accent1"/>
+          </a:fillRef>
+          <a:effectRef idx="2">
+            <a:schemeClr val="accent1"/>
+          </a:effectRef>
+          <a:fontRef idx="minor">
+            <a:schemeClr val="lt1"/>
+          </a:fontRef>
+        </p:style>
+        <p:txBody>
+          <a:bodyPr vert="horz" lIns="91440" tIns="45720" rIns="91440" bIns="45720" rtlCol="0" anchor="ctr">
+            <a:normAutofit fontScale="55000" lnSpcReduction="20000"/>
+          </a:bodyPr>
+          <a:lstStyle>
+            <a:lvl1pPr marL="342900" indent="-342900" algn="l" defTabSz="914400" rtl="0" eaLnBrk="1" latinLnBrk="0" hangingPunct="1">
+              <a:spcBef>
+                <a:spcPct val="20000"/>
+              </a:spcBef>
+              <a:buFont typeface="Arial" panose="020B0604020202020204" pitchFamily="34" charset="0"/>
+              <a:buChar char="•"/>
+              <a:defRPr sz="3200" kern="1200">
+                <a:solidFill>
+                  <a:schemeClr val="lt1"/>
+                </a:solidFill>
+                <a:latin typeface="+mn-lt"/>
+                <a:ea typeface="+mn-ea"/>
+                <a:cs typeface="+mn-cs"/>
+              </a:defRPr>
+            </a:lvl1pPr>
+            <a:lvl2pPr marL="742950" indent="-285750" algn="l" defTabSz="914400" rtl="0" eaLnBrk="1" latinLnBrk="0" hangingPunct="1">
+              <a:spcBef>
+                <a:spcPct val="20000"/>
+              </a:spcBef>
+              <a:buFont typeface="Arial" panose="020B0604020202020204" pitchFamily="34" charset="0"/>
+              <a:buChar char="–"/>
+              <a:defRPr sz="2800" kern="1200">
+                <a:solidFill>
+                  <a:schemeClr val="lt1"/>
+                </a:solidFill>
+                <a:latin typeface="+mn-lt"/>
+                <a:ea typeface="+mn-ea"/>
+                <a:cs typeface="+mn-cs"/>
+              </a:defRPr>
+            </a:lvl2pPr>
+            <a:lvl3pPr marL="1143000" indent="-228600" algn="l" defTabSz="914400" rtl="0" eaLnBrk="1" latinLnBrk="0" hangingPunct="1">
+              <a:spcBef>
+                <a:spcPct val="20000"/>
+              </a:spcBef>
+              <a:buFont typeface="Arial" panose="020B0604020202020204" pitchFamily="34" charset="0"/>
+              <a:buChar char="•"/>
+              <a:defRPr sz="2400" kern="1200">
+                <a:solidFill>
+                  <a:schemeClr val="lt1"/>
+                </a:solidFill>
+                <a:latin typeface="+mn-lt"/>
+                <a:ea typeface="+mn-ea"/>
+                <a:cs typeface="+mn-cs"/>
+              </a:defRPr>
+            </a:lvl3pPr>
+            <a:lvl4pPr marL="1600200" indent="-228600" algn="l" defTabSz="914400" rtl="0" eaLnBrk="1" latinLnBrk="0" hangingPunct="1">
+              <a:spcBef>
+                <a:spcPct val="20000"/>
+              </a:spcBef>
+              <a:buFont typeface="Arial" panose="020B0604020202020204" pitchFamily="34" charset="0"/>
+              <a:buChar char="–"/>
+              <a:defRPr sz="2000" kern="1200">
+                <a:solidFill>
+                  <a:schemeClr val="lt1"/>
+                </a:solidFill>
+                <a:latin typeface="+mn-lt"/>
+                <a:ea typeface="+mn-ea"/>
+                <a:cs typeface="+mn-cs"/>
+              </a:defRPr>
+            </a:lvl4pPr>
+            <a:lvl5pPr marL="2057400" indent="-228600" algn="l" defTabSz="914400" rtl="0" eaLnBrk="1" latinLnBrk="0" hangingPunct="1">
+              <a:spcBef>
+                <a:spcPct val="20000"/>
+              </a:spcBef>
+              <a:buFont typeface="Arial" panose="020B0604020202020204" pitchFamily="34" charset="0"/>
+              <a:buChar char="»"/>
+              <a:defRPr sz="2000" kern="1200">
+                <a:solidFill>
+                  <a:schemeClr val="lt1"/>
+                </a:solidFill>
+                <a:latin typeface="+mn-lt"/>
+                <a:ea typeface="+mn-ea"/>
+                <a:cs typeface="+mn-cs"/>
+              </a:defRPr>
+            </a:lvl5pPr>
+            <a:lvl6pPr marL="2514600" indent="-228600" algn="l" defTabSz="914400" rtl="0" eaLnBrk="1" latinLnBrk="0" hangingPunct="1">
+              <a:spcBef>
+                <a:spcPct val="20000"/>
+              </a:spcBef>
+              <a:buFont typeface="Arial" panose="020B0604020202020204" pitchFamily="34" charset="0"/>
+              <a:buChar char="•"/>
+              <a:defRPr sz="2000" kern="1200">
+                <a:solidFill>
+                  <a:schemeClr val="lt1"/>
+                </a:solidFill>
+                <a:latin typeface="+mn-lt"/>
+                <a:ea typeface="+mn-ea"/>
+                <a:cs typeface="+mn-cs"/>
+              </a:defRPr>
+            </a:lvl6pPr>
+            <a:lvl7pPr marL="2971800" indent="-228600" algn="l" defTabSz="914400" rtl="0" eaLnBrk="1" latinLnBrk="0" hangingPunct="1">
+              <a:spcBef>
+                <a:spcPct val="20000"/>
+              </a:spcBef>
+              <a:buFont typeface="Arial" panose="020B0604020202020204" pitchFamily="34" charset="0"/>
+              <a:buChar char="•"/>
+              <a:defRPr sz="2000" kern="1200">
+                <a:solidFill>
+                  <a:schemeClr val="lt1"/>
+                </a:solidFill>
+                <a:latin typeface="+mn-lt"/>
+                <a:ea typeface="+mn-ea"/>
+                <a:cs typeface="+mn-cs"/>
+              </a:defRPr>
+            </a:lvl7pPr>
+            <a:lvl8pPr marL="3429000" indent="-228600" algn="l" defTabSz="914400" rtl="0" eaLnBrk="1" latinLnBrk="0" hangingPunct="1">
+              <a:spcBef>
+                <a:spcPct val="20000"/>
+              </a:spcBef>
+              <a:buFont typeface="Arial" panose="020B0604020202020204" pitchFamily="34" charset="0"/>
+              <a:buChar char="•"/>
+              <a:defRPr sz="2000" kern="1200">
+                <a:solidFill>
+                  <a:schemeClr val="lt1"/>
+                </a:solidFill>
+                <a:latin typeface="+mn-lt"/>
+                <a:ea typeface="+mn-ea"/>
+                <a:cs typeface="+mn-cs"/>
+              </a:defRPr>
+            </a:lvl8pPr>
+            <a:lvl9pPr marL="3886200" indent="-228600" algn="l" defTabSz="914400" rtl="0" eaLnBrk="1" latinLnBrk="0" hangingPunct="1">
+              <a:spcBef>
+                <a:spcPct val="20000"/>
+              </a:spcBef>
+              <a:buFont typeface="Arial" panose="020B0604020202020204" pitchFamily="34" charset="0"/>
+              <a:buChar char="•"/>
+              <a:defRPr sz="2000" kern="1200">
+                <a:solidFill>
+                  <a:schemeClr val="lt1"/>
+                </a:solidFill>
+                <a:latin typeface="+mn-lt"/>
+                <a:ea typeface="+mn-ea"/>
+                <a:cs typeface="+mn-cs"/>
+              </a:defRPr>
+            </a:lvl9pPr>
+          </a:lstStyle>
+          <a:p>
+            <a:pPr marL="0" indent="0" algn="ctr">
+              <a:buFont typeface="Arial" panose="020B0604020202020204" pitchFamily="34" charset="0"/>
+              <a:buNone/>
+            </a:pPr>
+            <a:r>
+              <a:rPr lang="en-US" dirty="0" err="1" smtClean="0">
+                <a:solidFill>
+                  <a:schemeClr val="tx1"/>
+                </a:solidFill>
+              </a:rPr>
+              <a:t>LostScreen</a:t>
+            </a:r>
+            <a:endParaRPr lang="en-US" dirty="0">
+              <a:solidFill>
+                <a:schemeClr val="tx1"/>
+              </a:solidFill>
+            </a:endParaRPr>
+          </a:p>
+        </p:txBody>
+      </p:sp>
+      <p:cxnSp>
+        <p:nvCxnSpPr>
+          <p:cNvPr id="54" name="Straight Arrow Connector 53"/>
+          <p:cNvCxnSpPr>
+            <a:stCxn id="48" idx="0"/>
+            <a:endCxn id="6" idx="1"/>
+          </p:cNvCxnSpPr>
+          <p:nvPr/>
+        </p:nvCxnSpPr>
+        <p:spPr>
+          <a:xfrm flipV="1">
+            <a:off x="1572412" y="3212662"/>
+            <a:ext cx="1099243" cy="364873"/>
+          </a:xfrm>
+          <a:prstGeom prst="straightConnector1">
+            <a:avLst/>
+          </a:prstGeom>
+          <a:ln>
+            <a:tailEnd type="triangle"/>
+          </a:ln>
+        </p:spPr>
+        <p:style>
+          <a:lnRef idx="1">
+            <a:schemeClr val="accent1"/>
+          </a:lnRef>
+          <a:fillRef idx="0">
+            <a:schemeClr val="accent1"/>
+          </a:fillRef>
+          <a:effectRef idx="0">
+            <a:schemeClr val="accent1"/>
+          </a:effectRef>
+          <a:fontRef idx="minor">
+            <a:schemeClr val="tx1"/>
+          </a:fontRef>
+        </p:style>
+      </p:cxnSp>
+      <p:cxnSp>
+        <p:nvCxnSpPr>
+          <p:cNvPr id="55" name="Straight Arrow Connector 54"/>
+          <p:cNvCxnSpPr>
+            <a:stCxn id="8" idx="0"/>
+            <a:endCxn id="6" idx="2"/>
+          </p:cNvCxnSpPr>
+          <p:nvPr/>
+        </p:nvCxnSpPr>
+        <p:spPr>
+          <a:xfrm>
+            <a:off x="1597533" y="2500732"/>
+            <a:ext cx="383667" cy="439099"/>
+          </a:xfrm>
+          <a:prstGeom prst="straightConnector1">
+            <a:avLst/>
+          </a:prstGeom>
+          <a:ln>
+            <a:tailEnd type="triangle"/>
+          </a:ln>
+        </p:spPr>
+        <p:style>
+          <a:lnRef idx="1">
+            <a:schemeClr val="accent1"/>
+          </a:lnRef>
+          <a:fillRef idx="0">
+            <a:schemeClr val="accent1"/>
+          </a:fillRef>
+          <a:effectRef idx="0">
+            <a:schemeClr val="accent1"/>
+          </a:effectRef>
+          <a:fontRef idx="minor">
+            <a:schemeClr val="tx1"/>
+          </a:fontRef>
+        </p:style>
+      </p:cxnSp>
+      <p:cxnSp>
+        <p:nvCxnSpPr>
+          <p:cNvPr id="56" name="Straight Arrow Connector 55"/>
+          <p:cNvCxnSpPr>
+            <a:stCxn id="7" idx="0"/>
+            <a:endCxn id="6" idx="3"/>
+          </p:cNvCxnSpPr>
+          <p:nvPr/>
+        </p:nvCxnSpPr>
+        <p:spPr>
+          <a:xfrm>
+            <a:off x="1591671" y="1916679"/>
+            <a:ext cx="1079984" cy="750321"/>
+          </a:xfrm>
+          <a:prstGeom prst="straightConnector1">
+            <a:avLst/>
+          </a:prstGeom>
+          <a:ln>
+            <a:tailEnd type="triangle"/>
+          </a:ln>
+        </p:spPr>
+        <p:style>
+          <a:lnRef idx="1">
+            <a:schemeClr val="accent1"/>
+          </a:lnRef>
+          <a:fillRef idx="0">
+            <a:schemeClr val="accent1"/>
+          </a:fillRef>
+          <a:effectRef idx="0">
+            <a:schemeClr val="accent1"/>
+          </a:effectRef>
+          <a:fontRef idx="minor">
+            <a:schemeClr val="tx1"/>
+          </a:fontRef>
+        </p:style>
+      </p:cxnSp>
     </p:spTree>
     <p:extLst>
       <p:ext uri="{BB962C8B-B14F-4D97-AF65-F5344CB8AC3E}">
-        <p14:creationId xmlns:p14="http://schemas.microsoft.com/office/powerpoint/2010/main" val="1342924254"/>
+        <p14:creationId xmlns:p14="http://schemas.microsoft.com/office/powerpoint/2010/main" val="1185433470"/>
       </p:ext>
     </p:extLst>
   </p:cSld>
   <p:clrMapOvr>
     <a:masterClrMapping/>
   </p:clrMapOvr>
-  <p:timing>
-    <p:tnLst>
-      <p:par>
-        <p:cTn id="1" dur="indefinite" restart="never" nodeType="tmRoot"/>
-      </p:par>
-    </p:tnLst>
-  </p:timing>
 </p:sld>
 </file>
 
@@ -5885,4 +8795,265 @@
   <a:objectDefaults/>
   <a:extraClrSchemeLst/>
 </a:theme>
+</file>
+
+<file path=ppt/theme/theme2.xml><?xml version="1.0" encoding="utf-8"?>
+<a:theme xmlns:a="http://schemas.openxmlformats.org/drawingml/2006/main" name="Office Theme">
+  <a:themeElements>
+    <a:clrScheme name="Office">
+      <a:dk1>
+        <a:sysClr val="windowText" lastClr="000000"/>
+      </a:dk1>
+      <a:lt1>
+        <a:sysClr val="window" lastClr="FFFFFF"/>
+      </a:lt1>
+      <a:dk2>
+        <a:srgbClr val="44546A"/>
+      </a:dk2>
+      <a:lt2>
+        <a:srgbClr val="E7E6E6"/>
+      </a:lt2>
+      <a:accent1>
+        <a:srgbClr val="5B9BD5"/>
+      </a:accent1>
+      <a:accent2>
+        <a:srgbClr val="ED7D31"/>
+      </a:accent2>
+      <a:accent3>
+        <a:srgbClr val="A5A5A5"/>
+      </a:accent3>
+      <a:accent4>
+        <a:srgbClr val="FFC000"/>
+      </a:accent4>
+      <a:accent5>
+        <a:srgbClr val="4472C4"/>
+      </a:accent5>
+      <a:accent6>
+        <a:srgbClr val="70AD47"/>
+      </a:accent6>
+      <a:hlink>
+        <a:srgbClr val="0563C1"/>
+      </a:hlink>
+      <a:folHlink>
+        <a:srgbClr val="954F72"/>
+      </a:folHlink>
+    </a:clrScheme>
+    <a:fontScheme name="Office">
+      <a:majorFont>
+        <a:latin typeface="Calibri Light" panose="020F0302020204030204"/>
+        <a:ea typeface=""/>
+        <a:cs typeface=""/>
+        <a:font script="Jpan" typeface="Yu Gothic Light"/>
+        <a:font script="Hang" typeface="맑은 고딕"/>
+        <a:font script="Hans" typeface="DengXian Light"/>
+        <a:font script="Hant" typeface="新細明體"/>
+        <a:font script="Arab" typeface="Times New Roman"/>
+        <a:font script="Hebr" typeface="Times New Roman"/>
+        <a:font script="Thai" typeface="Angsana New"/>
+        <a:font script="Ethi" typeface="Nyala"/>
+        <a:font script="Beng" typeface="Vrinda"/>
+        <a:font script="Gujr" typeface="Shruti"/>
+        <a:font script="Khmr" typeface="MoolBoran"/>
+        <a:font script="Knda" typeface="Tunga"/>
+        <a:font script="Guru" typeface="Raavi"/>
+        <a:font script="Cans" typeface="Euphemia"/>
+        <a:font script="Cher" typeface="Plantagenet Cherokee"/>
+        <a:font script="Yiii" typeface="Microsoft Yi Baiti"/>
+        <a:font script="Tibt" typeface="Microsoft Himalaya"/>
+        <a:font script="Thaa" typeface="MV Boli"/>
+        <a:font script="Deva" typeface="Mangal"/>
+        <a:font script="Telu" typeface="Gautami"/>
+        <a:font script="Taml" typeface="Latha"/>
+        <a:font script="Syrc" typeface="Estrangelo Edessa"/>
+        <a:font script="Orya" typeface="Kalinga"/>
+        <a:font script="Mlym" typeface="Kartika"/>
+        <a:font script="Laoo" typeface="DokChampa"/>
+        <a:font script="Sinh" typeface="Iskoola Pota"/>
+        <a:font script="Mong" typeface="Mongolian Baiti"/>
+        <a:font script="Viet" typeface="Times New Roman"/>
+        <a:font script="Uigh" typeface="Microsoft Uighur"/>
+        <a:font script="Geor" typeface="Sylfaen"/>
+      </a:majorFont>
+      <a:minorFont>
+        <a:latin typeface="Calibri" panose="020F0502020204030204"/>
+        <a:ea typeface=""/>
+        <a:cs typeface=""/>
+        <a:font script="Jpan" typeface="Yu Gothic"/>
+        <a:font script="Hang" typeface="맑은 고딕"/>
+        <a:font script="Hans" typeface="DengXian"/>
+        <a:font script="Hant" typeface="新細明體"/>
+        <a:font script="Arab" typeface="Arial"/>
+        <a:font script="Hebr" typeface="Arial"/>
+        <a:font script="Thai" typeface="Cordia New"/>
+        <a:font script="Ethi" typeface="Nyala"/>
+        <a:font script="Beng" typeface="Vrinda"/>
+        <a:font script="Gujr" typeface="Shruti"/>
+        <a:font script="Khmr" typeface="DaunPenh"/>
+        <a:font script="Knda" typeface="Tunga"/>
+        <a:font script="Guru" typeface="Raavi"/>
+        <a:font script="Cans" typeface="Euphemia"/>
+        <a:font script="Cher" typeface="Plantagenet Cherokee"/>
+        <a:font script="Yiii" typeface="Microsoft Yi Baiti"/>
+        <a:font script="Tibt" typeface="Microsoft Himalaya"/>
+        <a:font script="Thaa" typeface="MV Boli"/>
+        <a:font script="Deva" typeface="Mangal"/>
+        <a:font script="Telu" typeface="Gautami"/>
+        <a:font script="Taml" typeface="Latha"/>
+        <a:font script="Syrc" typeface="Estrangelo Edessa"/>
+        <a:font script="Orya" typeface="Kalinga"/>
+        <a:font script="Mlym" typeface="Kartika"/>
+        <a:font script="Laoo" typeface="DokChampa"/>
+        <a:font script="Sinh" typeface="Iskoola Pota"/>
+        <a:font script="Mong" typeface="Mongolian Baiti"/>
+        <a:font script="Viet" typeface="Arial"/>
+        <a:font script="Uigh" typeface="Microsoft Uighur"/>
+        <a:font script="Geor" typeface="Sylfaen"/>
+      </a:minorFont>
+    </a:fontScheme>
+    <a:fmtScheme name="Office">
+      <a:fillStyleLst>
+        <a:solidFill>
+          <a:schemeClr val="phClr"/>
+        </a:solidFill>
+        <a:gradFill rotWithShape="1">
+          <a:gsLst>
+            <a:gs pos="0">
+              <a:schemeClr val="phClr">
+                <a:lumMod val="110000"/>
+                <a:satMod val="105000"/>
+                <a:tint val="67000"/>
+              </a:schemeClr>
+            </a:gs>
+            <a:gs pos="50000">
+              <a:schemeClr val="phClr">
+                <a:lumMod val="105000"/>
+                <a:satMod val="103000"/>
+                <a:tint val="73000"/>
+              </a:schemeClr>
+            </a:gs>
+            <a:gs pos="100000">
+              <a:schemeClr val="phClr">
+                <a:lumMod val="105000"/>
+                <a:satMod val="109000"/>
+                <a:tint val="81000"/>
+              </a:schemeClr>
+            </a:gs>
+          </a:gsLst>
+          <a:lin ang="5400000" scaled="0"/>
+        </a:gradFill>
+        <a:gradFill rotWithShape="1">
+          <a:gsLst>
+            <a:gs pos="0">
+              <a:schemeClr val="phClr">
+                <a:satMod val="103000"/>
+                <a:lumMod val="102000"/>
+                <a:tint val="94000"/>
+              </a:schemeClr>
+            </a:gs>
+            <a:gs pos="50000">
+              <a:schemeClr val="phClr">
+                <a:satMod val="110000"/>
+                <a:lumMod val="100000"/>
+                <a:shade val="100000"/>
+              </a:schemeClr>
+            </a:gs>
+            <a:gs pos="100000">
+              <a:schemeClr val="phClr">
+                <a:lumMod val="99000"/>
+                <a:satMod val="120000"/>
+                <a:shade val="78000"/>
+              </a:schemeClr>
+            </a:gs>
+          </a:gsLst>
+          <a:lin ang="5400000" scaled="0"/>
+        </a:gradFill>
+      </a:fillStyleLst>
+      <a:lnStyleLst>
+        <a:ln w="6350" cap="flat" cmpd="sng" algn="ctr">
+          <a:solidFill>
+            <a:schemeClr val="phClr"/>
+          </a:solidFill>
+          <a:prstDash val="solid"/>
+          <a:miter lim="800000"/>
+        </a:ln>
+        <a:ln w="12700" cap="flat" cmpd="sng" algn="ctr">
+          <a:solidFill>
+            <a:schemeClr val="phClr"/>
+          </a:solidFill>
+          <a:prstDash val="solid"/>
+          <a:miter lim="800000"/>
+        </a:ln>
+        <a:ln w="19050" cap="flat" cmpd="sng" algn="ctr">
+          <a:solidFill>
+            <a:schemeClr val="phClr"/>
+          </a:solidFill>
+          <a:prstDash val="solid"/>
+          <a:miter lim="800000"/>
+        </a:ln>
+      </a:lnStyleLst>
+      <a:effectStyleLst>
+        <a:effectStyle>
+          <a:effectLst/>
+        </a:effectStyle>
+        <a:effectStyle>
+          <a:effectLst/>
+        </a:effectStyle>
+        <a:effectStyle>
+          <a:effectLst>
+            <a:outerShdw blurRad="57150" dist="19050" dir="5400000" algn="ctr" rotWithShape="0">
+              <a:srgbClr val="000000">
+                <a:alpha val="63000"/>
+              </a:srgbClr>
+            </a:outerShdw>
+          </a:effectLst>
+        </a:effectStyle>
+      </a:effectStyleLst>
+      <a:bgFillStyleLst>
+        <a:solidFill>
+          <a:schemeClr val="phClr"/>
+        </a:solidFill>
+        <a:solidFill>
+          <a:schemeClr val="phClr">
+            <a:tint val="95000"/>
+            <a:satMod val="170000"/>
+          </a:schemeClr>
+        </a:solidFill>
+        <a:gradFill rotWithShape="1">
+          <a:gsLst>
+            <a:gs pos="0">
+              <a:schemeClr val="phClr">
+                <a:tint val="93000"/>
+                <a:satMod val="150000"/>
+                <a:shade val="98000"/>
+                <a:lumMod val="102000"/>
+              </a:schemeClr>
+            </a:gs>
+            <a:gs pos="50000">
+              <a:schemeClr val="phClr">
+                <a:tint val="98000"/>
+                <a:satMod val="130000"/>
+                <a:shade val="90000"/>
+                <a:lumMod val="103000"/>
+              </a:schemeClr>
+            </a:gs>
+            <a:gs pos="100000">
+              <a:schemeClr val="phClr">
+                <a:shade val="63000"/>
+                <a:satMod val="120000"/>
+              </a:schemeClr>
+            </a:gs>
+          </a:gsLst>
+          <a:lin ang="5400000" scaled="0"/>
+        </a:gradFill>
+      </a:bgFillStyleLst>
+    </a:fmtScheme>
+  </a:themeElements>
+  <a:objectDefaults/>
+  <a:extraClrSchemeLst/>
+  <a:extLst>
+    <a:ext uri="{05A4C25C-085E-4340-85A3-A5531E510DB2}">
+      <thm15:themeFamily xmlns:thm15="http://schemas.microsoft.com/office/thememl/2012/main" name="Office Theme" id="{62F939B6-93AF-4DB8-9C6B-D6C7DFDC589F}" vid="{4A3C46E8-61CC-4603-A589-7422A47A8E4A}"/>
+    </a:ext>
+  </a:extLst>
+</a:theme>
 </file>